--- a/src/Work Flows.pptx
+++ b/src/Work Flows.pptx
@@ -6,6 +6,8 @@
   </p:sldMasterIdLst>
   <p:sldIdLst>
     <p:sldId id="269" r:id="rId2"/>
+    <p:sldId id="270" r:id="rId3"/>
+    <p:sldId id="271" r:id="rId4"/>
   </p:sldIdLst>
   <p:sldSz cx="18288000" cy="14630400"/>
   <p:notesSz cx="6858000" cy="9144000"/>
@@ -289,7 +291,7 @@
             <a:fld id="{6EF3578B-88FD-4FA4-8E6D-D1E34E31034E}" type="datetimeFigureOut">
               <a:rPr lang="en-US" smtClean="0"/>
               <a:pPr/>
-              <a:t>8/15/2012</a:t>
+              <a:t>8/16/2012</a:t>
             </a:fld>
             <a:endParaRPr lang="en-US"/>
           </a:p>
@@ -456,7 +458,7 @@
             <a:fld id="{6EF3578B-88FD-4FA4-8E6D-D1E34E31034E}" type="datetimeFigureOut">
               <a:rPr lang="en-US" smtClean="0"/>
               <a:pPr/>
-              <a:t>8/15/2012</a:t>
+              <a:t>8/16/2012</a:t>
             </a:fld>
             <a:endParaRPr lang="en-US"/>
           </a:p>
@@ -633,7 +635,7 @@
             <a:fld id="{6EF3578B-88FD-4FA4-8E6D-D1E34E31034E}" type="datetimeFigureOut">
               <a:rPr lang="en-US" smtClean="0"/>
               <a:pPr/>
-              <a:t>8/15/2012</a:t>
+              <a:t>8/16/2012</a:t>
             </a:fld>
             <a:endParaRPr lang="en-US"/>
           </a:p>
@@ -800,7 +802,7 @@
             <a:fld id="{6EF3578B-88FD-4FA4-8E6D-D1E34E31034E}" type="datetimeFigureOut">
               <a:rPr lang="en-US" smtClean="0"/>
               <a:pPr/>
-              <a:t>8/15/2012</a:t>
+              <a:t>8/16/2012</a:t>
             </a:fld>
             <a:endParaRPr lang="en-US"/>
           </a:p>
@@ -1043,7 +1045,7 @@
             <a:fld id="{6EF3578B-88FD-4FA4-8E6D-D1E34E31034E}" type="datetimeFigureOut">
               <a:rPr lang="en-US" smtClean="0"/>
               <a:pPr/>
-              <a:t>8/15/2012</a:t>
+              <a:t>8/16/2012</a:t>
             </a:fld>
             <a:endParaRPr lang="en-US"/>
           </a:p>
@@ -1328,7 +1330,7 @@
             <a:fld id="{6EF3578B-88FD-4FA4-8E6D-D1E34E31034E}" type="datetimeFigureOut">
               <a:rPr lang="en-US" smtClean="0"/>
               <a:pPr/>
-              <a:t>8/15/2012</a:t>
+              <a:t>8/16/2012</a:t>
             </a:fld>
             <a:endParaRPr lang="en-US"/>
           </a:p>
@@ -1747,7 +1749,7 @@
             <a:fld id="{6EF3578B-88FD-4FA4-8E6D-D1E34E31034E}" type="datetimeFigureOut">
               <a:rPr lang="en-US" smtClean="0"/>
               <a:pPr/>
-              <a:t>8/15/2012</a:t>
+              <a:t>8/16/2012</a:t>
             </a:fld>
             <a:endParaRPr lang="en-US"/>
           </a:p>
@@ -1862,7 +1864,7 @@
             <a:fld id="{6EF3578B-88FD-4FA4-8E6D-D1E34E31034E}" type="datetimeFigureOut">
               <a:rPr lang="en-US" smtClean="0"/>
               <a:pPr/>
-              <a:t>8/15/2012</a:t>
+              <a:t>8/16/2012</a:t>
             </a:fld>
             <a:endParaRPr lang="en-US"/>
           </a:p>
@@ -1954,7 +1956,7 @@
             <a:fld id="{6EF3578B-88FD-4FA4-8E6D-D1E34E31034E}" type="datetimeFigureOut">
               <a:rPr lang="en-US" smtClean="0"/>
               <a:pPr/>
-              <a:t>8/15/2012</a:t>
+              <a:t>8/16/2012</a:t>
             </a:fld>
             <a:endParaRPr lang="en-US"/>
           </a:p>
@@ -2228,7 +2230,7 @@
             <a:fld id="{6EF3578B-88FD-4FA4-8E6D-D1E34E31034E}" type="datetimeFigureOut">
               <a:rPr lang="en-US" smtClean="0"/>
               <a:pPr/>
-              <a:t>8/15/2012</a:t>
+              <a:t>8/16/2012</a:t>
             </a:fld>
             <a:endParaRPr lang="en-US"/>
           </a:p>
@@ -2478,7 +2480,7 @@
             <a:fld id="{6EF3578B-88FD-4FA4-8E6D-D1E34E31034E}" type="datetimeFigureOut">
               <a:rPr lang="en-US" smtClean="0"/>
               <a:pPr/>
-              <a:t>8/15/2012</a:t>
+              <a:t>8/16/2012</a:t>
             </a:fld>
             <a:endParaRPr lang="en-US"/>
           </a:p>
@@ -2688,7 +2690,7 @@
             <a:fld id="{6EF3578B-88FD-4FA4-8E6D-D1E34E31034E}" type="datetimeFigureOut">
               <a:rPr lang="en-US" smtClean="0"/>
               <a:pPr/>
-              <a:t>8/15/2012</a:t>
+              <a:t>8/16/2012</a:t>
             </a:fld>
             <a:endParaRPr lang="en-US"/>
           </a:p>
@@ -3149,268 +3151,8 @@
           <a:p>
             <a:r>
               <a:rPr lang="en-US" sz="1400" dirty="0" smtClean="0"/>
-              <a:t>-An authorized user enters the site </a:t>
-            </a:r>
-            <a:r>
-              <a:rPr lang="en-US" sz="1400" dirty="0" smtClean="0"/>
-              <a:t>not signed in and </a:t>
-            </a:r>
-            <a:r>
-              <a:rPr lang="en-US" sz="1400" dirty="0" smtClean="0"/>
-              <a:t>wants to </a:t>
-            </a:r>
-            <a:r>
-              <a:rPr lang="en-US" sz="1400" dirty="0" smtClean="0"/>
-              <a:t>create </a:t>
-            </a:r>
-            <a:r>
-              <a:rPr lang="en-US" sz="1400" dirty="0" smtClean="0"/>
-              <a:t>a review</a:t>
-            </a:r>
-          </a:p>
-        </p:txBody>
-      </p:sp>
-      <p:cxnSp>
-        <p:nvCxnSpPr>
-          <p:cNvPr id="89" name="Straight Arrow Connector 88"/>
-          <p:cNvCxnSpPr/>
-          <p:nvPr/>
-        </p:nvCxnSpPr>
-        <p:spPr>
-          <a:xfrm>
-            <a:off x="15551475" y="10244331"/>
-            <a:ext cx="915353" cy="2543"/>
-          </a:xfrm>
-          <a:prstGeom prst="straightConnector1">
-            <a:avLst/>
-          </a:prstGeom>
-          <a:ln>
-            <a:tailEnd type="arrow"/>
-          </a:ln>
-        </p:spPr>
-        <p:style>
-          <a:lnRef idx="1">
-            <a:schemeClr val="accent1"/>
-          </a:lnRef>
-          <a:fillRef idx="0">
-            <a:schemeClr val="accent1"/>
-          </a:fillRef>
-          <a:effectRef idx="0">
-            <a:schemeClr val="accent1"/>
-          </a:effectRef>
-          <a:fontRef idx="minor">
-            <a:schemeClr val="tx1"/>
-          </a:fontRef>
-        </p:style>
-      </p:cxnSp>
-      <p:sp>
-        <p:nvSpPr>
-          <p:cNvPr id="90" name="TextBox 89"/>
-          <p:cNvSpPr txBox="1"/>
-          <p:nvPr/>
-        </p:nvSpPr>
-        <p:spPr>
-          <a:xfrm>
-            <a:off x="12576576" y="9878191"/>
-            <a:ext cx="2517222" cy="3189569"/>
-          </a:xfrm>
-          <a:prstGeom prst="rect">
-            <a:avLst/>
-          </a:prstGeom>
-          <a:ln>
-            <a:noFill/>
-          </a:ln>
-        </p:spPr>
-        <p:style>
-          <a:lnRef idx="2">
-            <a:schemeClr val="accent1"/>
-          </a:lnRef>
-          <a:fillRef idx="1">
-            <a:schemeClr val="lt1"/>
-          </a:fillRef>
-          <a:effectRef idx="0">
-            <a:schemeClr val="accent1"/>
-          </a:effectRef>
-          <a:fontRef idx="minor">
-            <a:schemeClr val="dk1"/>
-          </a:fontRef>
-        </p:style>
-        <p:txBody>
-          <a:bodyPr wrap="square" lIns="141200" tIns="70601" rIns="141200" bIns="70601" rtlCol="0">
-            <a:spAutoFit/>
-          </a:bodyPr>
-          <a:lstStyle/>
-          <a:p>
-            <a:r>
-              <a:rPr lang="en-US" sz="2200" dirty="0" smtClean="0"/>
-              <a:t>Automatic step in HTA domain</a:t>
-            </a:r>
-          </a:p>
-          <a:p>
-            <a:endParaRPr lang="en-US" sz="2200" dirty="0" smtClean="0"/>
-          </a:p>
-          <a:p>
-            <a:r>
-              <a:rPr lang="en-US" sz="2200" dirty="0" smtClean="0"/>
-              <a:t>Automatic step in Google’s domain</a:t>
-            </a:r>
-          </a:p>
-          <a:p>
-            <a:endParaRPr lang="en-US" sz="2200" dirty="0" smtClean="0"/>
-          </a:p>
-          <a:p>
-            <a:r>
-              <a:rPr lang="en-US" sz="2200" dirty="0" smtClean="0"/>
-              <a:t>Automated Email </a:t>
-            </a:r>
-          </a:p>
-          <a:p>
-            <a:endParaRPr lang="en-US" sz="2200" dirty="0" smtClean="0"/>
-          </a:p>
-          <a:p>
-            <a:r>
-              <a:rPr lang="en-US" sz="2200" dirty="0" smtClean="0"/>
-              <a:t>Manual action</a:t>
-            </a:r>
-          </a:p>
-        </p:txBody>
-      </p:sp>
-      <p:cxnSp>
-        <p:nvCxnSpPr>
-          <p:cNvPr id="91" name="Straight Arrow Connector 90"/>
-          <p:cNvCxnSpPr/>
-          <p:nvPr/>
-        </p:nvCxnSpPr>
-        <p:spPr>
-          <a:xfrm>
-            <a:off x="15551475" y="11220708"/>
-            <a:ext cx="915353" cy="2543"/>
-          </a:xfrm>
-          <a:prstGeom prst="straightConnector1">
-            <a:avLst/>
-          </a:prstGeom>
-          <a:ln>
-            <a:solidFill>
-              <a:schemeClr val="accent6"/>
-            </a:solidFill>
-            <a:tailEnd type="arrow"/>
-          </a:ln>
-        </p:spPr>
-        <p:style>
-          <a:lnRef idx="1">
-            <a:schemeClr val="accent1"/>
-          </a:lnRef>
-          <a:fillRef idx="0">
-            <a:schemeClr val="accent1"/>
-          </a:fillRef>
-          <a:effectRef idx="0">
-            <a:schemeClr val="accent1"/>
-          </a:effectRef>
-          <a:fontRef idx="minor">
-            <a:schemeClr val="tx1"/>
-          </a:fontRef>
-        </p:style>
-      </p:cxnSp>
-      <p:cxnSp>
-        <p:nvCxnSpPr>
-          <p:cNvPr id="92" name="Straight Arrow Connector 91"/>
-          <p:cNvCxnSpPr/>
-          <p:nvPr/>
-        </p:nvCxnSpPr>
-        <p:spPr>
-          <a:xfrm>
-            <a:off x="15551475" y="12075038"/>
-            <a:ext cx="915353" cy="2543"/>
-          </a:xfrm>
-          <a:prstGeom prst="straightConnector1">
-            <a:avLst/>
-          </a:prstGeom>
-          <a:ln>
-            <a:solidFill>
-              <a:schemeClr val="accent3"/>
-            </a:solidFill>
-            <a:tailEnd type="arrow"/>
-          </a:ln>
-        </p:spPr>
-        <p:style>
-          <a:lnRef idx="1">
-            <a:schemeClr val="accent1"/>
-          </a:lnRef>
-          <a:fillRef idx="0">
-            <a:schemeClr val="accent1"/>
-          </a:fillRef>
-          <a:effectRef idx="0">
-            <a:schemeClr val="accent1"/>
-          </a:effectRef>
-          <a:fontRef idx="minor">
-            <a:schemeClr val="tx1"/>
-          </a:fontRef>
-        </p:style>
-      </p:cxnSp>
-      <p:cxnSp>
-        <p:nvCxnSpPr>
-          <p:cNvPr id="93" name="Straight Arrow Connector 92"/>
-          <p:cNvCxnSpPr/>
-          <p:nvPr/>
-        </p:nvCxnSpPr>
-        <p:spPr>
-          <a:xfrm>
-            <a:off x="15551475" y="12807320"/>
-            <a:ext cx="915353" cy="2543"/>
-          </a:xfrm>
-          <a:prstGeom prst="straightConnector1">
-            <a:avLst/>
-          </a:prstGeom>
-          <a:ln>
-            <a:solidFill>
-              <a:schemeClr val="accent2"/>
-            </a:solidFill>
-            <a:tailEnd type="arrow"/>
-          </a:ln>
-        </p:spPr>
-        <p:style>
-          <a:lnRef idx="1">
-            <a:schemeClr val="accent1"/>
-          </a:lnRef>
-          <a:fillRef idx="0">
-            <a:schemeClr val="accent1"/>
-          </a:fillRef>
-          <a:effectRef idx="0">
-            <a:schemeClr val="accent1"/>
-          </a:effectRef>
-          <a:fontRef idx="minor">
-            <a:schemeClr val="tx1"/>
-          </a:fontRef>
-        </p:style>
-      </p:cxnSp>
-      <p:sp>
-        <p:nvSpPr>
-          <p:cNvPr id="94" name="TextBox 93"/>
-          <p:cNvSpPr txBox="1"/>
-          <p:nvPr/>
-        </p:nvSpPr>
-        <p:spPr>
-          <a:xfrm>
-            <a:off x="12347737" y="9023861"/>
-            <a:ext cx="5034444" cy="739415"/>
-          </a:xfrm>
-          <a:prstGeom prst="rect">
-            <a:avLst/>
-          </a:prstGeom>
-          <a:noFill/>
-        </p:spPr>
-        <p:txBody>
-          <a:bodyPr wrap="square" lIns="141200" tIns="70601" rIns="141200" bIns="70601" rtlCol="0">
-            <a:spAutoFit/>
-          </a:bodyPr>
-          <a:lstStyle/>
-          <a:p>
-            <a:pPr algn="ctr"/>
-            <a:r>
-              <a:rPr lang="en-US" dirty="0" smtClean="0"/>
-              <a:t>Legend</a:t>
-            </a:r>
-            <a:endParaRPr lang="en-US" dirty="0"/>
+              <a:t>-An authorized user enters the site not signed in and wants to create a review</a:t>
+            </a:r>
           </a:p>
         </p:txBody>
       </p:sp>
@@ -3513,132 +3255,6 @@
       </p:sp>
       <p:sp>
         <p:nvSpPr>
-          <p:cNvPr id="29" name="TextBox 28"/>
-          <p:cNvSpPr txBox="1"/>
-          <p:nvPr/>
-        </p:nvSpPr>
-        <p:spPr>
-          <a:xfrm>
-            <a:off x="228600" y="5395976"/>
-            <a:ext cx="2561877" cy="812933"/>
-          </a:xfrm>
-          <a:prstGeom prst="rect">
-            <a:avLst/>
-          </a:prstGeom>
-        </p:spPr>
-        <p:style>
-          <a:lnRef idx="2">
-            <a:schemeClr val="accent1"/>
-          </a:lnRef>
-          <a:fillRef idx="1">
-            <a:schemeClr val="lt1"/>
-          </a:fillRef>
-          <a:effectRef idx="0">
-            <a:schemeClr val="accent1"/>
-          </a:effectRef>
-          <a:fontRef idx="minor">
-            <a:schemeClr val="dk1"/>
-          </a:fontRef>
-        </p:style>
-        <p:txBody>
-          <a:bodyPr wrap="square" lIns="141200" tIns="70601" rIns="141200" bIns="70601" rtlCol="0">
-            <a:spAutoFit/>
-          </a:bodyPr>
-          <a:lstStyle/>
-          <a:p>
-            <a:r>
-              <a:rPr lang="en-US" sz="1400" dirty="0" smtClean="0"/>
-              <a:t>-An authorized user enters the site at the home page and wants to find a friends account</a:t>
-            </a:r>
-          </a:p>
-        </p:txBody>
-      </p:sp>
-      <p:sp>
-        <p:nvSpPr>
-          <p:cNvPr id="30" name="TextBox 29"/>
-          <p:cNvSpPr txBox="1"/>
-          <p:nvPr/>
-        </p:nvSpPr>
-        <p:spPr>
-          <a:xfrm>
-            <a:off x="228600" y="6372355"/>
-            <a:ext cx="2561877" cy="1004355"/>
-          </a:xfrm>
-          <a:prstGeom prst="rect">
-            <a:avLst/>
-          </a:prstGeom>
-        </p:spPr>
-        <p:style>
-          <a:lnRef idx="2">
-            <a:schemeClr val="accent1"/>
-          </a:lnRef>
-          <a:fillRef idx="1">
-            <a:schemeClr val="lt1"/>
-          </a:fillRef>
-          <a:effectRef idx="0">
-            <a:schemeClr val="accent1"/>
-          </a:effectRef>
-          <a:fontRef idx="minor">
-            <a:schemeClr val="dk1"/>
-          </a:fontRef>
-        </p:style>
-        <p:txBody>
-          <a:bodyPr wrap="square" lIns="141200" tIns="70601" rIns="141200" bIns="70601" rtlCol="0">
-            <a:spAutoFit/>
-          </a:bodyPr>
-          <a:lstStyle/>
-          <a:p>
-            <a:r>
-              <a:rPr lang="en-US" sz="1400" dirty="0" smtClean="0"/>
-              <a:t>-An authorized user enters the site at the home page and wants to find a specific adventure review</a:t>
-            </a:r>
-          </a:p>
-        </p:txBody>
-      </p:sp>
-      <p:sp>
-        <p:nvSpPr>
-          <p:cNvPr id="31" name="TextBox 30"/>
-          <p:cNvSpPr txBox="1"/>
-          <p:nvPr/>
-        </p:nvSpPr>
-        <p:spPr>
-          <a:xfrm>
-            <a:off x="199677" y="7504310"/>
-            <a:ext cx="2561877" cy="1219799"/>
-          </a:xfrm>
-          <a:prstGeom prst="rect">
-            <a:avLst/>
-          </a:prstGeom>
-        </p:spPr>
-        <p:style>
-          <a:lnRef idx="2">
-            <a:schemeClr val="accent1"/>
-          </a:lnRef>
-          <a:fillRef idx="1">
-            <a:schemeClr val="lt1"/>
-          </a:fillRef>
-          <a:effectRef idx="0">
-            <a:schemeClr val="accent1"/>
-          </a:effectRef>
-          <a:fontRef idx="minor">
-            <a:schemeClr val="dk1"/>
-          </a:fontRef>
-        </p:style>
-        <p:txBody>
-          <a:bodyPr wrap="square" lIns="141200" tIns="70601" rIns="141200" bIns="70601" rtlCol="0">
-            <a:spAutoFit/>
-          </a:bodyPr>
-          <a:lstStyle/>
-          <a:p>
-            <a:r>
-              <a:rPr lang="en-US" sz="1400" dirty="0" smtClean="0"/>
-              <a:t>-An authorized user enters the site at the home page and wants to find adventures near a personal point of interest (Destin, FL).</a:t>
-            </a:r>
-          </a:p>
-        </p:txBody>
-      </p:sp>
-      <p:sp>
-        <p:nvSpPr>
           <p:cNvPr id="32" name="Rounded Rectangle 31"/>
           <p:cNvSpPr/>
           <p:nvPr/>
@@ -3787,7 +3403,6 @@
               <a:rPr lang="en-US" sz="1000" dirty="0" smtClean="0"/>
               <a:t>Submit Form</a:t>
             </a:r>
-            <a:endParaRPr lang="en-US" sz="1000" dirty="0" smtClean="0"/>
           </a:p>
         </p:txBody>
       </p:sp>
@@ -4103,7 +3718,6 @@
               <a:rPr lang="en-US" sz="1000" dirty="0" smtClean="0"/>
               <a:t>Submit Form</a:t>
             </a:r>
-            <a:endParaRPr lang="en-US" sz="1000" dirty="0" smtClean="0"/>
           </a:p>
         </p:txBody>
       </p:sp>
@@ -4210,7 +3824,6 @@
               <a:rPr lang="en-US" sz="1000" dirty="0" smtClean="0"/>
               <a:t>Submit Form</a:t>
             </a:r>
-            <a:endParaRPr lang="en-US" sz="1000" dirty="0" smtClean="0"/>
           </a:p>
         </p:txBody>
       </p:sp>
@@ -4715,7 +4328,6 @@
               <a:rPr lang="en-US" sz="1000" dirty="0" smtClean="0"/>
               <a:t>Submit Form</a:t>
             </a:r>
-            <a:endParaRPr lang="en-US" sz="1000" dirty="0" smtClean="0"/>
           </a:p>
         </p:txBody>
       </p:sp>
@@ -4888,7 +4500,6 @@
               <a:rPr lang="en-US" sz="1000" dirty="0" smtClean="0"/>
               <a:t>Submit Form</a:t>
             </a:r>
-            <a:endParaRPr lang="en-US" sz="1000" dirty="0" smtClean="0"/>
           </a:p>
         </p:txBody>
       </p:sp>
@@ -5166,23 +4777,7 @@
           <a:p>
             <a:r>
               <a:rPr lang="en-US" sz="1400" dirty="0" smtClean="0"/>
-              <a:t>-An authorized user enters the </a:t>
-            </a:r>
-            <a:r>
-              <a:rPr lang="en-US" sz="1400" dirty="0" smtClean="0"/>
-              <a:t>site and </a:t>
-            </a:r>
-            <a:r>
-              <a:rPr lang="en-US" sz="1400" dirty="0" smtClean="0"/>
-              <a:t>wants to </a:t>
-            </a:r>
-            <a:r>
-              <a:rPr lang="en-US" sz="1400" dirty="0" smtClean="0"/>
-              <a:t>edit or delete </a:t>
-            </a:r>
-            <a:r>
-              <a:rPr lang="en-US" sz="1400" dirty="0" smtClean="0"/>
-              <a:t>a review</a:t>
+              <a:t>-An authorized user enters the site and wants to edit or delete a review</a:t>
             </a:r>
           </a:p>
         </p:txBody>
@@ -5393,7 +4988,6 @@
               <a:rPr lang="en-US" sz="1000" dirty="0" smtClean="0"/>
               <a:t>“Edit” Review {id}</a:t>
             </a:r>
-            <a:endParaRPr lang="en-US" sz="1000" dirty="0" smtClean="0"/>
           </a:p>
         </p:txBody>
       </p:sp>
@@ -5618,7 +5212,6 @@
               <a:rPr lang="en-US" sz="1000" dirty="0" smtClean="0"/>
               <a:t>“Delete” Review {id}</a:t>
             </a:r>
-            <a:endParaRPr lang="en-US" sz="1000" dirty="0" smtClean="0"/>
           </a:p>
         </p:txBody>
       </p:sp>
@@ -5696,6 +5289,2156 @@
           </a:fontRef>
         </p:style>
       </p:cxnSp>
+      <p:sp>
+        <p:nvSpPr>
+          <p:cNvPr id="62" name="TextBox 61"/>
+          <p:cNvSpPr txBox="1"/>
+          <p:nvPr/>
+        </p:nvSpPr>
+        <p:spPr>
+          <a:xfrm>
+            <a:off x="11963400" y="1600200"/>
+            <a:ext cx="1371600" cy="276999"/>
+          </a:xfrm>
+          <a:prstGeom prst="rect">
+            <a:avLst/>
+          </a:prstGeom>
+          <a:noFill/>
+        </p:spPr>
+        <p:txBody>
+          <a:bodyPr wrap="square" rtlCol="0">
+            <a:spAutoFit/>
+          </a:bodyPr>
+          <a:lstStyle/>
+          <a:p>
+            <a:r>
+              <a:rPr lang="en-US" sz="1200" dirty="0" smtClean="0"/>
+              <a:t>See Create Details</a:t>
+            </a:r>
+            <a:endParaRPr lang="en-US" sz="1200" dirty="0"/>
+          </a:p>
+        </p:txBody>
+      </p:sp>
+      <p:sp>
+        <p:nvSpPr>
+          <p:cNvPr id="63" name="TextBox 62"/>
+          <p:cNvSpPr txBox="1"/>
+          <p:nvPr/>
+        </p:nvSpPr>
+        <p:spPr>
+          <a:xfrm>
+            <a:off x="11963400" y="2819400"/>
+            <a:ext cx="1371600" cy="276999"/>
+          </a:xfrm>
+          <a:prstGeom prst="rect">
+            <a:avLst/>
+          </a:prstGeom>
+          <a:noFill/>
+        </p:spPr>
+        <p:txBody>
+          <a:bodyPr wrap="square" rtlCol="0">
+            <a:spAutoFit/>
+          </a:bodyPr>
+          <a:lstStyle/>
+          <a:p>
+            <a:r>
+              <a:rPr lang="en-US" sz="1200" dirty="0" smtClean="0"/>
+              <a:t>See Edit Details</a:t>
+            </a:r>
+            <a:endParaRPr lang="en-US" sz="1200" dirty="0"/>
+          </a:p>
+        </p:txBody>
+      </p:sp>
+      <p:sp>
+        <p:nvSpPr>
+          <p:cNvPr id="68" name="Rounded Rectangle 67"/>
+          <p:cNvSpPr/>
+          <p:nvPr/>
+        </p:nvSpPr>
+        <p:spPr>
+          <a:xfrm>
+            <a:off x="1371600" y="7315200"/>
+            <a:ext cx="1524000" cy="457200"/>
+          </a:xfrm>
+          <a:prstGeom prst="roundRect">
+            <a:avLst>
+              <a:gd name="adj" fmla="val 16667"/>
+            </a:avLst>
+          </a:prstGeom>
+          <a:solidFill>
+            <a:schemeClr val="tx2">
+              <a:lumMod val="60000"/>
+              <a:lumOff val="40000"/>
+            </a:schemeClr>
+          </a:solidFill>
+          <a:effectLst>
+            <a:outerShdw blurRad="50800" dist="50800" dir="2700000" algn="tl" rotWithShape="0">
+              <a:srgbClr val="000000">
+                <a:alpha val="43137"/>
+              </a:srgbClr>
+            </a:outerShdw>
+          </a:effectLst>
+        </p:spPr>
+        <p:style>
+          <a:lnRef idx="2">
+            <a:schemeClr val="accent1"/>
+          </a:lnRef>
+          <a:fillRef idx="1">
+            <a:schemeClr val="accent1"/>
+          </a:fillRef>
+          <a:effectRef idx="0">
+            <a:schemeClr val="accent1"/>
+          </a:effectRef>
+          <a:fontRef idx="minor">
+            <a:schemeClr val="lt1"/>
+          </a:fontRef>
+        </p:style>
+        <p:txBody>
+          <a:bodyPr lIns="188057" tIns="94029" rIns="188057" bIns="94029" rtlCol="0" anchor="ctr"/>
+          <a:lstStyle>
+            <a:extLst/>
+          </a:lstStyle>
+          <a:p>
+            <a:pPr algn="ctr"/>
+            <a:r>
+              <a:rPr lang="en-US" sz="1200" dirty="0" smtClean="0"/>
+              <a:t>Personal Register </a:t>
+            </a:r>
+            <a:r>
+              <a:rPr lang="en-US" sz="1200" dirty="0" smtClean="0"/>
+              <a:t>Form</a:t>
+            </a:r>
+          </a:p>
+        </p:txBody>
+      </p:sp>
+      <p:sp>
+        <p:nvSpPr>
+          <p:cNvPr id="103" name="Rectangle 102"/>
+          <p:cNvSpPr/>
+          <p:nvPr/>
+        </p:nvSpPr>
+        <p:spPr>
+          <a:xfrm>
+            <a:off x="304800" y="5867400"/>
+            <a:ext cx="11506200" cy="4876800"/>
+          </a:xfrm>
+          <a:prstGeom prst="rect">
+            <a:avLst/>
+          </a:prstGeom>
+          <a:noFill/>
+        </p:spPr>
+        <p:style>
+          <a:lnRef idx="2">
+            <a:schemeClr val="accent1">
+              <a:shade val="50000"/>
+            </a:schemeClr>
+          </a:lnRef>
+          <a:fillRef idx="1">
+            <a:schemeClr val="accent1"/>
+          </a:fillRef>
+          <a:effectRef idx="0">
+            <a:schemeClr val="accent1"/>
+          </a:effectRef>
+          <a:fontRef idx="minor">
+            <a:schemeClr val="lt1"/>
+          </a:fontRef>
+        </p:style>
+        <p:txBody>
+          <a:bodyPr rtlCol="0" anchor="t"/>
+          <a:lstStyle/>
+          <a:p>
+            <a:pPr algn="ctr"/>
+            <a:r>
+              <a:rPr lang="en-US" dirty="0" smtClean="0">
+                <a:solidFill>
+                  <a:schemeClr val="accent1"/>
+                </a:solidFill>
+              </a:rPr>
+              <a:t>Registration Flow</a:t>
+            </a:r>
+            <a:endParaRPr lang="en-US" dirty="0">
+              <a:solidFill>
+                <a:schemeClr val="accent1"/>
+              </a:solidFill>
+            </a:endParaRPr>
+          </a:p>
+        </p:txBody>
+      </p:sp>
+      <p:sp>
+        <p:nvSpPr>
+          <p:cNvPr id="105" name="Rounded Rectangle 104"/>
+          <p:cNvSpPr/>
+          <p:nvPr/>
+        </p:nvSpPr>
+        <p:spPr>
+          <a:xfrm>
+            <a:off x="1371600" y="8686800"/>
+            <a:ext cx="1524000" cy="457200"/>
+          </a:xfrm>
+          <a:prstGeom prst="roundRect">
+            <a:avLst>
+              <a:gd name="adj" fmla="val 16667"/>
+            </a:avLst>
+          </a:prstGeom>
+          <a:solidFill>
+            <a:schemeClr val="tx2">
+              <a:lumMod val="60000"/>
+              <a:lumOff val="40000"/>
+            </a:schemeClr>
+          </a:solidFill>
+          <a:effectLst>
+            <a:outerShdw blurRad="50800" dist="50800" dir="2700000" algn="tl" rotWithShape="0">
+              <a:srgbClr val="000000">
+                <a:alpha val="43137"/>
+              </a:srgbClr>
+            </a:outerShdw>
+          </a:effectLst>
+        </p:spPr>
+        <p:style>
+          <a:lnRef idx="2">
+            <a:schemeClr val="accent1"/>
+          </a:lnRef>
+          <a:fillRef idx="1">
+            <a:schemeClr val="accent1"/>
+          </a:fillRef>
+          <a:effectRef idx="0">
+            <a:schemeClr val="accent1"/>
+          </a:effectRef>
+          <a:fontRef idx="minor">
+            <a:schemeClr val="lt1"/>
+          </a:fontRef>
+        </p:style>
+        <p:txBody>
+          <a:bodyPr lIns="188057" tIns="94029" rIns="188057" bIns="94029" rtlCol="0" anchor="ctr"/>
+          <a:lstStyle>
+            <a:extLst/>
+          </a:lstStyle>
+          <a:p>
+            <a:pPr algn="ctr"/>
+            <a:r>
+              <a:rPr lang="en-US" sz="1200" dirty="0" smtClean="0"/>
+              <a:t>Business Register </a:t>
+            </a:r>
+            <a:r>
+              <a:rPr lang="en-US" sz="1200" dirty="0" smtClean="0"/>
+              <a:t>Form</a:t>
+            </a:r>
+          </a:p>
+        </p:txBody>
+      </p:sp>
+      <p:sp>
+        <p:nvSpPr>
+          <p:cNvPr id="108" name="TextBox 107"/>
+          <p:cNvSpPr txBox="1"/>
+          <p:nvPr/>
+        </p:nvSpPr>
+        <p:spPr>
+          <a:xfrm>
+            <a:off x="2209800" y="8077199"/>
+            <a:ext cx="1066799" cy="296469"/>
+          </a:xfrm>
+          <a:prstGeom prst="rect">
+            <a:avLst/>
+          </a:prstGeom>
+          <a:ln>
+            <a:solidFill>
+              <a:schemeClr val="accent1"/>
+            </a:solidFill>
+          </a:ln>
+        </p:spPr>
+        <p:style>
+          <a:lnRef idx="2">
+            <a:schemeClr val="accent2"/>
+          </a:lnRef>
+          <a:fillRef idx="1">
+            <a:schemeClr val="lt1"/>
+          </a:fillRef>
+          <a:effectRef idx="0">
+            <a:schemeClr val="accent2"/>
+          </a:effectRef>
+          <a:fontRef idx="minor">
+            <a:schemeClr val="dk1"/>
+          </a:fontRef>
+        </p:style>
+        <p:txBody>
+          <a:bodyPr wrap="square" lIns="141200" tIns="70601" rIns="141200" bIns="70601" rtlCol="0">
+            <a:spAutoFit/>
+          </a:bodyPr>
+          <a:lstStyle/>
+          <a:p>
+            <a:pPr algn="ctr"/>
+            <a:r>
+              <a:rPr lang="en-US" sz="1000" dirty="0" smtClean="0"/>
+              <a:t>If a Business</a:t>
+            </a:r>
+          </a:p>
+        </p:txBody>
+      </p:sp>
+      <p:cxnSp>
+        <p:nvCxnSpPr>
+          <p:cNvPr id="111" name="Straight Arrow Connector 110"/>
+          <p:cNvCxnSpPr>
+            <a:stCxn id="68" idx="2"/>
+            <a:endCxn id="108" idx="0"/>
+          </p:cNvCxnSpPr>
+          <p:nvPr/>
+        </p:nvCxnSpPr>
+        <p:spPr>
+          <a:xfrm>
+            <a:off x="2133600" y="7772400"/>
+            <a:ext cx="609600" cy="304799"/>
+          </a:xfrm>
+          <a:prstGeom prst="straightConnector1">
+            <a:avLst/>
+          </a:prstGeom>
+          <a:ln w="38100">
+            <a:tailEnd type="arrow"/>
+          </a:ln>
+        </p:spPr>
+        <p:style>
+          <a:lnRef idx="1">
+            <a:schemeClr val="accent1"/>
+          </a:lnRef>
+          <a:fillRef idx="0">
+            <a:schemeClr val="accent1"/>
+          </a:fillRef>
+          <a:effectRef idx="0">
+            <a:schemeClr val="accent1"/>
+          </a:effectRef>
+          <a:fontRef idx="minor">
+            <a:schemeClr val="tx1"/>
+          </a:fontRef>
+        </p:style>
+      </p:cxnSp>
+      <p:cxnSp>
+        <p:nvCxnSpPr>
+          <p:cNvPr id="113" name="Straight Arrow Connector 112"/>
+          <p:cNvCxnSpPr>
+            <a:stCxn id="108" idx="2"/>
+            <a:endCxn id="105" idx="0"/>
+          </p:cNvCxnSpPr>
+          <p:nvPr/>
+        </p:nvCxnSpPr>
+        <p:spPr>
+          <a:xfrm flipH="1">
+            <a:off x="2133600" y="8373668"/>
+            <a:ext cx="609600" cy="313132"/>
+          </a:xfrm>
+          <a:prstGeom prst="straightConnector1">
+            <a:avLst/>
+          </a:prstGeom>
+          <a:ln w="38100">
+            <a:tailEnd type="arrow"/>
+          </a:ln>
+        </p:spPr>
+        <p:style>
+          <a:lnRef idx="1">
+            <a:schemeClr val="accent1"/>
+          </a:lnRef>
+          <a:fillRef idx="0">
+            <a:schemeClr val="accent1"/>
+          </a:fillRef>
+          <a:effectRef idx="0">
+            <a:schemeClr val="accent1"/>
+          </a:effectRef>
+          <a:fontRef idx="minor">
+            <a:schemeClr val="tx1"/>
+          </a:fontRef>
+        </p:style>
+      </p:cxnSp>
+      <p:sp>
+        <p:nvSpPr>
+          <p:cNvPr id="116" name="TextBox 115"/>
+          <p:cNvSpPr txBox="1"/>
+          <p:nvPr/>
+        </p:nvSpPr>
+        <p:spPr>
+          <a:xfrm>
+            <a:off x="838200" y="8077200"/>
+            <a:ext cx="1295399" cy="296469"/>
+          </a:xfrm>
+          <a:prstGeom prst="rect">
+            <a:avLst/>
+          </a:prstGeom>
+          <a:ln>
+            <a:solidFill>
+              <a:schemeClr val="accent1"/>
+            </a:solidFill>
+          </a:ln>
+        </p:spPr>
+        <p:style>
+          <a:lnRef idx="2">
+            <a:schemeClr val="accent2"/>
+          </a:lnRef>
+          <a:fillRef idx="1">
+            <a:schemeClr val="lt1"/>
+          </a:fillRef>
+          <a:effectRef idx="0">
+            <a:schemeClr val="accent2"/>
+          </a:effectRef>
+          <a:fontRef idx="minor">
+            <a:schemeClr val="dk1"/>
+          </a:fontRef>
+        </p:style>
+        <p:txBody>
+          <a:bodyPr wrap="square" lIns="141200" tIns="70601" rIns="141200" bIns="70601" rtlCol="0">
+            <a:spAutoFit/>
+          </a:bodyPr>
+          <a:lstStyle/>
+          <a:p>
+            <a:pPr algn="ctr"/>
+            <a:r>
+              <a:rPr lang="en-US" sz="1000" dirty="0" smtClean="0"/>
+              <a:t>If  not a Business</a:t>
+            </a:r>
+          </a:p>
+        </p:txBody>
+      </p:sp>
+      <p:cxnSp>
+        <p:nvCxnSpPr>
+          <p:cNvPr id="120" name="Straight Arrow Connector 119"/>
+          <p:cNvCxnSpPr>
+            <a:stCxn id="105" idx="0"/>
+            <a:endCxn id="116" idx="2"/>
+          </p:cNvCxnSpPr>
+          <p:nvPr/>
+        </p:nvCxnSpPr>
+        <p:spPr>
+          <a:xfrm flipH="1" flipV="1">
+            <a:off x="1485900" y="8373669"/>
+            <a:ext cx="647700" cy="313131"/>
+          </a:xfrm>
+          <a:prstGeom prst="straightConnector1">
+            <a:avLst/>
+          </a:prstGeom>
+          <a:ln w="38100">
+            <a:tailEnd type="arrow"/>
+          </a:ln>
+        </p:spPr>
+        <p:style>
+          <a:lnRef idx="1">
+            <a:schemeClr val="accent1"/>
+          </a:lnRef>
+          <a:fillRef idx="0">
+            <a:schemeClr val="accent1"/>
+          </a:fillRef>
+          <a:effectRef idx="0">
+            <a:schemeClr val="accent1"/>
+          </a:effectRef>
+          <a:fontRef idx="minor">
+            <a:schemeClr val="tx1"/>
+          </a:fontRef>
+        </p:style>
+      </p:cxnSp>
+      <p:cxnSp>
+        <p:nvCxnSpPr>
+          <p:cNvPr id="123" name="Straight Arrow Connector 122"/>
+          <p:cNvCxnSpPr>
+            <a:stCxn id="116" idx="0"/>
+            <a:endCxn id="68" idx="2"/>
+          </p:cNvCxnSpPr>
+          <p:nvPr/>
+        </p:nvCxnSpPr>
+        <p:spPr>
+          <a:xfrm flipV="1">
+            <a:off x="1485900" y="7772400"/>
+            <a:ext cx="647700" cy="304800"/>
+          </a:xfrm>
+          <a:prstGeom prst="straightConnector1">
+            <a:avLst/>
+          </a:prstGeom>
+          <a:ln w="38100">
+            <a:tailEnd type="arrow"/>
+          </a:ln>
+        </p:spPr>
+        <p:style>
+          <a:lnRef idx="1">
+            <a:schemeClr val="accent1"/>
+          </a:lnRef>
+          <a:fillRef idx="0">
+            <a:schemeClr val="accent1"/>
+          </a:fillRef>
+          <a:effectRef idx="0">
+            <a:schemeClr val="accent1"/>
+          </a:effectRef>
+          <a:fontRef idx="minor">
+            <a:schemeClr val="tx1"/>
+          </a:fontRef>
+        </p:style>
+      </p:cxnSp>
+      <p:sp>
+        <p:nvSpPr>
+          <p:cNvPr id="130" name="TextBox 129"/>
+          <p:cNvSpPr txBox="1"/>
+          <p:nvPr/>
+        </p:nvSpPr>
+        <p:spPr>
+          <a:xfrm>
+            <a:off x="3429000" y="7315200"/>
+            <a:ext cx="1066799" cy="450357"/>
+          </a:xfrm>
+          <a:prstGeom prst="rect">
+            <a:avLst/>
+          </a:prstGeom>
+          <a:ln>
+            <a:solidFill>
+              <a:schemeClr val="accent1"/>
+            </a:solidFill>
+          </a:ln>
+        </p:spPr>
+        <p:style>
+          <a:lnRef idx="2">
+            <a:schemeClr val="accent2"/>
+          </a:lnRef>
+          <a:fillRef idx="1">
+            <a:schemeClr val="lt1"/>
+          </a:fillRef>
+          <a:effectRef idx="0">
+            <a:schemeClr val="accent2"/>
+          </a:effectRef>
+          <a:fontRef idx="minor">
+            <a:schemeClr val="dk1"/>
+          </a:fontRef>
+        </p:style>
+        <p:txBody>
+          <a:bodyPr wrap="square" lIns="141200" tIns="70601" rIns="141200" bIns="70601" rtlCol="0">
+            <a:spAutoFit/>
+          </a:bodyPr>
+          <a:lstStyle/>
+          <a:p>
+            <a:pPr algn="ctr"/>
+            <a:r>
+              <a:rPr lang="en-US" sz="1000" dirty="0" smtClean="0"/>
+              <a:t>Submit: Validate Inputs</a:t>
+            </a:r>
+          </a:p>
+        </p:txBody>
+      </p:sp>
+      <p:sp>
+        <p:nvSpPr>
+          <p:cNvPr id="131" name="TextBox 130"/>
+          <p:cNvSpPr txBox="1"/>
+          <p:nvPr/>
+        </p:nvSpPr>
+        <p:spPr>
+          <a:xfrm>
+            <a:off x="2667000" y="6629400"/>
+            <a:ext cx="1066799" cy="296469"/>
+          </a:xfrm>
+          <a:prstGeom prst="rect">
+            <a:avLst/>
+          </a:prstGeom>
+          <a:ln>
+            <a:solidFill>
+              <a:schemeClr val="accent1"/>
+            </a:solidFill>
+          </a:ln>
+        </p:spPr>
+        <p:style>
+          <a:lnRef idx="2">
+            <a:schemeClr val="accent2"/>
+          </a:lnRef>
+          <a:fillRef idx="1">
+            <a:schemeClr val="lt1"/>
+          </a:fillRef>
+          <a:effectRef idx="0">
+            <a:schemeClr val="accent2"/>
+          </a:effectRef>
+          <a:fontRef idx="minor">
+            <a:schemeClr val="dk1"/>
+          </a:fontRef>
+        </p:style>
+        <p:txBody>
+          <a:bodyPr wrap="square" lIns="141200" tIns="70601" rIns="141200" bIns="70601" rtlCol="0">
+            <a:spAutoFit/>
+          </a:bodyPr>
+          <a:lstStyle/>
+          <a:p>
+            <a:pPr algn="ctr"/>
+            <a:r>
+              <a:rPr lang="en-US" sz="1000" dirty="0" smtClean="0"/>
+              <a:t>Invalid Inputs</a:t>
+            </a:r>
+          </a:p>
+        </p:txBody>
+      </p:sp>
+      <p:cxnSp>
+        <p:nvCxnSpPr>
+          <p:cNvPr id="133" name="Shape 132"/>
+          <p:cNvCxnSpPr>
+            <a:stCxn id="130" idx="0"/>
+            <a:endCxn id="131" idx="3"/>
+          </p:cNvCxnSpPr>
+          <p:nvPr/>
+        </p:nvCxnSpPr>
+        <p:spPr>
+          <a:xfrm rot="16200000" flipV="1">
+            <a:off x="3579318" y="6932117"/>
+            <a:ext cx="537565" cy="228601"/>
+          </a:xfrm>
+          <a:prstGeom prst="bentConnector2">
+            <a:avLst/>
+          </a:prstGeom>
+          <a:ln>
+            <a:tailEnd type="arrow"/>
+          </a:ln>
+        </p:spPr>
+        <p:style>
+          <a:lnRef idx="1">
+            <a:schemeClr val="accent1"/>
+          </a:lnRef>
+          <a:fillRef idx="0">
+            <a:schemeClr val="accent1"/>
+          </a:fillRef>
+          <a:effectRef idx="0">
+            <a:schemeClr val="accent1"/>
+          </a:effectRef>
+          <a:fontRef idx="minor">
+            <a:schemeClr val="tx1"/>
+          </a:fontRef>
+        </p:style>
+      </p:cxnSp>
+      <p:cxnSp>
+        <p:nvCxnSpPr>
+          <p:cNvPr id="135" name="Shape 134"/>
+          <p:cNvCxnSpPr>
+            <a:stCxn id="131" idx="1"/>
+            <a:endCxn id="68" idx="0"/>
+          </p:cNvCxnSpPr>
+          <p:nvPr/>
+        </p:nvCxnSpPr>
+        <p:spPr>
+          <a:xfrm rot="10800000" flipV="1">
+            <a:off x="2133600" y="6777634"/>
+            <a:ext cx="533400" cy="537565"/>
+          </a:xfrm>
+          <a:prstGeom prst="bentConnector2">
+            <a:avLst/>
+          </a:prstGeom>
+          <a:ln>
+            <a:tailEnd type="arrow"/>
+          </a:ln>
+        </p:spPr>
+        <p:style>
+          <a:lnRef idx="1">
+            <a:schemeClr val="accent1"/>
+          </a:lnRef>
+          <a:fillRef idx="0">
+            <a:schemeClr val="accent1"/>
+          </a:fillRef>
+          <a:effectRef idx="0">
+            <a:schemeClr val="accent1"/>
+          </a:effectRef>
+          <a:fontRef idx="minor">
+            <a:schemeClr val="tx1"/>
+          </a:fontRef>
+        </p:style>
+      </p:cxnSp>
+      <p:cxnSp>
+        <p:nvCxnSpPr>
+          <p:cNvPr id="137" name="Straight Arrow Connector 136"/>
+          <p:cNvCxnSpPr>
+            <a:stCxn id="142" idx="2"/>
+            <a:endCxn id="244" idx="0"/>
+          </p:cNvCxnSpPr>
+          <p:nvPr/>
+        </p:nvCxnSpPr>
+        <p:spPr>
+          <a:xfrm>
+            <a:off x="5791200" y="7543800"/>
+            <a:ext cx="0" cy="304800"/>
+          </a:xfrm>
+          <a:prstGeom prst="straightConnector1">
+            <a:avLst/>
+          </a:prstGeom>
+          <a:ln w="38100">
+            <a:tailEnd type="arrow"/>
+          </a:ln>
+        </p:spPr>
+        <p:style>
+          <a:lnRef idx="1">
+            <a:schemeClr val="accent1"/>
+          </a:lnRef>
+          <a:fillRef idx="0">
+            <a:schemeClr val="accent1"/>
+          </a:fillRef>
+          <a:effectRef idx="0">
+            <a:schemeClr val="accent1"/>
+          </a:effectRef>
+          <a:fontRef idx="minor">
+            <a:schemeClr val="tx1"/>
+          </a:fontRef>
+        </p:style>
+      </p:cxnSp>
+      <p:sp>
+        <p:nvSpPr>
+          <p:cNvPr id="142" name="Rounded Rectangle 141"/>
+          <p:cNvSpPr/>
+          <p:nvPr/>
+        </p:nvSpPr>
+        <p:spPr>
+          <a:xfrm>
+            <a:off x="5029200" y="7086600"/>
+            <a:ext cx="1524000" cy="457200"/>
+          </a:xfrm>
+          <a:prstGeom prst="roundRect">
+            <a:avLst>
+              <a:gd name="adj" fmla="val 16667"/>
+            </a:avLst>
+          </a:prstGeom>
+          <a:solidFill>
+            <a:schemeClr val="tx2">
+              <a:lumMod val="60000"/>
+              <a:lumOff val="40000"/>
+            </a:schemeClr>
+          </a:solidFill>
+          <a:effectLst>
+            <a:outerShdw blurRad="50800" dist="50800" dir="2700000" algn="tl" rotWithShape="0">
+              <a:srgbClr val="000000">
+                <a:alpha val="43137"/>
+              </a:srgbClr>
+            </a:outerShdw>
+          </a:effectLst>
+        </p:spPr>
+        <p:style>
+          <a:lnRef idx="2">
+            <a:schemeClr val="accent1"/>
+          </a:lnRef>
+          <a:fillRef idx="1">
+            <a:schemeClr val="accent1"/>
+          </a:fillRef>
+          <a:effectRef idx="0">
+            <a:schemeClr val="accent1"/>
+          </a:effectRef>
+          <a:fontRef idx="minor">
+            <a:schemeClr val="lt1"/>
+          </a:fontRef>
+        </p:style>
+        <p:txBody>
+          <a:bodyPr lIns="188057" tIns="94029" rIns="188057" bIns="94029" rtlCol="0" anchor="ctr"/>
+          <a:lstStyle>
+            <a:extLst/>
+          </a:lstStyle>
+          <a:p>
+            <a:pPr algn="ctr"/>
+            <a:r>
+              <a:rPr lang="en-US" sz="1200" dirty="0" smtClean="0"/>
+              <a:t>Add Social Accounts</a:t>
+            </a:r>
+            <a:endParaRPr lang="en-US" sz="1200" dirty="0" smtClean="0"/>
+          </a:p>
+        </p:txBody>
+      </p:sp>
+      <p:sp>
+        <p:nvSpPr>
+          <p:cNvPr id="146" name="TextBox 145"/>
+          <p:cNvSpPr txBox="1"/>
+          <p:nvPr/>
+        </p:nvSpPr>
+        <p:spPr>
+          <a:xfrm>
+            <a:off x="4191000" y="6629400"/>
+            <a:ext cx="1066799" cy="296469"/>
+          </a:xfrm>
+          <a:prstGeom prst="rect">
+            <a:avLst/>
+          </a:prstGeom>
+          <a:ln>
+            <a:solidFill>
+              <a:schemeClr val="accent1"/>
+            </a:solidFill>
+          </a:ln>
+        </p:spPr>
+        <p:style>
+          <a:lnRef idx="2">
+            <a:schemeClr val="accent2"/>
+          </a:lnRef>
+          <a:fillRef idx="1">
+            <a:schemeClr val="lt1"/>
+          </a:fillRef>
+          <a:effectRef idx="0">
+            <a:schemeClr val="accent2"/>
+          </a:effectRef>
+          <a:fontRef idx="minor">
+            <a:schemeClr val="dk1"/>
+          </a:fontRef>
+        </p:style>
+        <p:txBody>
+          <a:bodyPr wrap="square" lIns="141200" tIns="70601" rIns="141200" bIns="70601" rtlCol="0">
+            <a:spAutoFit/>
+          </a:bodyPr>
+          <a:lstStyle/>
+          <a:p>
+            <a:pPr algn="ctr"/>
+            <a:r>
+              <a:rPr lang="en-US" sz="1000" dirty="0" smtClean="0"/>
+              <a:t>valid Inputs</a:t>
+            </a:r>
+          </a:p>
+        </p:txBody>
+      </p:sp>
+      <p:cxnSp>
+        <p:nvCxnSpPr>
+          <p:cNvPr id="148" name="Shape 147"/>
+          <p:cNvCxnSpPr>
+            <a:stCxn id="130" idx="0"/>
+            <a:endCxn id="146" idx="1"/>
+          </p:cNvCxnSpPr>
+          <p:nvPr/>
+        </p:nvCxnSpPr>
+        <p:spPr>
+          <a:xfrm rot="5400000" flipH="1" flipV="1">
+            <a:off x="3807918" y="6932118"/>
+            <a:ext cx="537565" cy="228600"/>
+          </a:xfrm>
+          <a:prstGeom prst="bentConnector2">
+            <a:avLst/>
+          </a:prstGeom>
+          <a:ln w="38100">
+            <a:tailEnd type="arrow"/>
+          </a:ln>
+        </p:spPr>
+        <p:style>
+          <a:lnRef idx="1">
+            <a:schemeClr val="accent1"/>
+          </a:lnRef>
+          <a:fillRef idx="0">
+            <a:schemeClr val="accent1"/>
+          </a:fillRef>
+          <a:effectRef idx="0">
+            <a:schemeClr val="accent1"/>
+          </a:effectRef>
+          <a:fontRef idx="minor">
+            <a:schemeClr val="tx1"/>
+          </a:fontRef>
+        </p:style>
+      </p:cxnSp>
+      <p:cxnSp>
+        <p:nvCxnSpPr>
+          <p:cNvPr id="154" name="Shape 153"/>
+          <p:cNvCxnSpPr>
+            <a:stCxn id="146" idx="3"/>
+            <a:endCxn id="142" idx="0"/>
+          </p:cNvCxnSpPr>
+          <p:nvPr/>
+        </p:nvCxnSpPr>
+        <p:spPr>
+          <a:xfrm>
+            <a:off x="5257799" y="6777635"/>
+            <a:ext cx="533401" cy="308965"/>
+          </a:xfrm>
+          <a:prstGeom prst="bentConnector2">
+            <a:avLst/>
+          </a:prstGeom>
+          <a:ln w="38100">
+            <a:tailEnd type="arrow"/>
+          </a:ln>
+        </p:spPr>
+        <p:style>
+          <a:lnRef idx="1">
+            <a:schemeClr val="accent1"/>
+          </a:lnRef>
+          <a:fillRef idx="0">
+            <a:schemeClr val="accent1"/>
+          </a:fillRef>
+          <a:effectRef idx="0">
+            <a:schemeClr val="accent1"/>
+          </a:effectRef>
+          <a:fontRef idx="minor">
+            <a:schemeClr val="tx1"/>
+          </a:fontRef>
+        </p:style>
+      </p:cxnSp>
+      <p:sp>
+        <p:nvSpPr>
+          <p:cNvPr id="161" name="TextBox 160"/>
+          <p:cNvSpPr txBox="1"/>
+          <p:nvPr/>
+        </p:nvSpPr>
+        <p:spPr>
+          <a:xfrm>
+            <a:off x="3276600" y="8686800"/>
+            <a:ext cx="1066799" cy="450357"/>
+          </a:xfrm>
+          <a:prstGeom prst="rect">
+            <a:avLst/>
+          </a:prstGeom>
+          <a:ln>
+            <a:solidFill>
+              <a:schemeClr val="accent1"/>
+            </a:solidFill>
+          </a:ln>
+        </p:spPr>
+        <p:style>
+          <a:lnRef idx="2">
+            <a:schemeClr val="accent2"/>
+          </a:lnRef>
+          <a:fillRef idx="1">
+            <a:schemeClr val="lt1"/>
+          </a:fillRef>
+          <a:effectRef idx="0">
+            <a:schemeClr val="accent2"/>
+          </a:effectRef>
+          <a:fontRef idx="minor">
+            <a:schemeClr val="dk1"/>
+          </a:fontRef>
+        </p:style>
+        <p:txBody>
+          <a:bodyPr wrap="square" lIns="141200" tIns="70601" rIns="141200" bIns="70601" rtlCol="0">
+            <a:spAutoFit/>
+          </a:bodyPr>
+          <a:lstStyle/>
+          <a:p>
+            <a:pPr algn="ctr"/>
+            <a:r>
+              <a:rPr lang="en-US" sz="1000" dirty="0" smtClean="0"/>
+              <a:t>Submit: Validate Inputs</a:t>
+            </a:r>
+          </a:p>
+        </p:txBody>
+      </p:sp>
+      <p:sp>
+        <p:nvSpPr>
+          <p:cNvPr id="162" name="TextBox 161"/>
+          <p:cNvSpPr txBox="1"/>
+          <p:nvPr/>
+        </p:nvSpPr>
+        <p:spPr>
+          <a:xfrm>
+            <a:off x="2514600" y="9525000"/>
+            <a:ext cx="1066799" cy="296469"/>
+          </a:xfrm>
+          <a:prstGeom prst="rect">
+            <a:avLst/>
+          </a:prstGeom>
+          <a:ln>
+            <a:solidFill>
+              <a:schemeClr val="accent1"/>
+            </a:solidFill>
+          </a:ln>
+        </p:spPr>
+        <p:style>
+          <a:lnRef idx="2">
+            <a:schemeClr val="accent2"/>
+          </a:lnRef>
+          <a:fillRef idx="1">
+            <a:schemeClr val="lt1"/>
+          </a:fillRef>
+          <a:effectRef idx="0">
+            <a:schemeClr val="accent2"/>
+          </a:effectRef>
+          <a:fontRef idx="minor">
+            <a:schemeClr val="dk1"/>
+          </a:fontRef>
+        </p:style>
+        <p:txBody>
+          <a:bodyPr wrap="square" lIns="141200" tIns="70601" rIns="141200" bIns="70601" rtlCol="0">
+            <a:spAutoFit/>
+          </a:bodyPr>
+          <a:lstStyle/>
+          <a:p>
+            <a:pPr algn="ctr"/>
+            <a:r>
+              <a:rPr lang="en-US" sz="1000" dirty="0" smtClean="0"/>
+              <a:t>Invalid Inputs</a:t>
+            </a:r>
+          </a:p>
+        </p:txBody>
+      </p:sp>
+      <p:cxnSp>
+        <p:nvCxnSpPr>
+          <p:cNvPr id="163" name="Shape 162"/>
+          <p:cNvCxnSpPr>
+            <a:stCxn id="161" idx="2"/>
+            <a:endCxn id="162" idx="3"/>
+          </p:cNvCxnSpPr>
+          <p:nvPr/>
+        </p:nvCxnSpPr>
+        <p:spPr>
+          <a:xfrm rot="5400000">
+            <a:off x="3427661" y="9290896"/>
+            <a:ext cx="536078" cy="228601"/>
+          </a:xfrm>
+          <a:prstGeom prst="bentConnector2">
+            <a:avLst/>
+          </a:prstGeom>
+          <a:ln>
+            <a:tailEnd type="arrow"/>
+          </a:ln>
+        </p:spPr>
+        <p:style>
+          <a:lnRef idx="1">
+            <a:schemeClr val="accent1"/>
+          </a:lnRef>
+          <a:fillRef idx="0">
+            <a:schemeClr val="accent1"/>
+          </a:fillRef>
+          <a:effectRef idx="0">
+            <a:schemeClr val="accent1"/>
+          </a:effectRef>
+          <a:fontRef idx="minor">
+            <a:schemeClr val="tx1"/>
+          </a:fontRef>
+        </p:style>
+      </p:cxnSp>
+      <p:sp>
+        <p:nvSpPr>
+          <p:cNvPr id="165" name="TextBox 164"/>
+          <p:cNvSpPr txBox="1"/>
+          <p:nvPr/>
+        </p:nvSpPr>
+        <p:spPr>
+          <a:xfrm>
+            <a:off x="4038600" y="9525000"/>
+            <a:ext cx="1066799" cy="296469"/>
+          </a:xfrm>
+          <a:prstGeom prst="rect">
+            <a:avLst/>
+          </a:prstGeom>
+          <a:ln>
+            <a:solidFill>
+              <a:schemeClr val="accent1"/>
+            </a:solidFill>
+          </a:ln>
+        </p:spPr>
+        <p:style>
+          <a:lnRef idx="2">
+            <a:schemeClr val="accent2"/>
+          </a:lnRef>
+          <a:fillRef idx="1">
+            <a:schemeClr val="lt1"/>
+          </a:fillRef>
+          <a:effectRef idx="0">
+            <a:schemeClr val="accent2"/>
+          </a:effectRef>
+          <a:fontRef idx="minor">
+            <a:schemeClr val="dk1"/>
+          </a:fontRef>
+        </p:style>
+        <p:txBody>
+          <a:bodyPr wrap="square" lIns="141200" tIns="70601" rIns="141200" bIns="70601" rtlCol="0">
+            <a:spAutoFit/>
+          </a:bodyPr>
+          <a:lstStyle/>
+          <a:p>
+            <a:pPr algn="ctr"/>
+            <a:r>
+              <a:rPr lang="en-US" sz="1000" dirty="0" smtClean="0"/>
+              <a:t>valid Inputs</a:t>
+            </a:r>
+          </a:p>
+        </p:txBody>
+      </p:sp>
+      <p:cxnSp>
+        <p:nvCxnSpPr>
+          <p:cNvPr id="166" name="Shape 165"/>
+          <p:cNvCxnSpPr>
+            <a:stCxn id="161" idx="2"/>
+            <a:endCxn id="165" idx="1"/>
+          </p:cNvCxnSpPr>
+          <p:nvPr/>
+        </p:nvCxnSpPr>
+        <p:spPr>
+          <a:xfrm rot="16200000" flipH="1">
+            <a:off x="3656261" y="9290896"/>
+            <a:ext cx="536078" cy="228600"/>
+          </a:xfrm>
+          <a:prstGeom prst="bentConnector2">
+            <a:avLst/>
+          </a:prstGeom>
+          <a:ln w="38100">
+            <a:tailEnd type="arrow"/>
+          </a:ln>
+        </p:spPr>
+        <p:style>
+          <a:lnRef idx="1">
+            <a:schemeClr val="accent1"/>
+          </a:lnRef>
+          <a:fillRef idx="0">
+            <a:schemeClr val="accent1"/>
+          </a:fillRef>
+          <a:effectRef idx="0">
+            <a:schemeClr val="accent1"/>
+          </a:effectRef>
+          <a:fontRef idx="minor">
+            <a:schemeClr val="tx1"/>
+          </a:fontRef>
+        </p:style>
+      </p:cxnSp>
+      <p:cxnSp>
+        <p:nvCxnSpPr>
+          <p:cNvPr id="175" name="Straight Arrow Connector 174"/>
+          <p:cNvCxnSpPr>
+            <a:stCxn id="105" idx="3"/>
+            <a:endCxn id="161" idx="1"/>
+          </p:cNvCxnSpPr>
+          <p:nvPr/>
+        </p:nvCxnSpPr>
+        <p:spPr>
+          <a:xfrm flipV="1">
+            <a:off x="2895600" y="8911979"/>
+            <a:ext cx="381000" cy="3421"/>
+          </a:xfrm>
+          <a:prstGeom prst="straightConnector1">
+            <a:avLst/>
+          </a:prstGeom>
+          <a:ln w="38100">
+            <a:tailEnd type="arrow"/>
+          </a:ln>
+        </p:spPr>
+        <p:style>
+          <a:lnRef idx="1">
+            <a:schemeClr val="accent1"/>
+          </a:lnRef>
+          <a:fillRef idx="0">
+            <a:schemeClr val="accent1"/>
+          </a:fillRef>
+          <a:effectRef idx="0">
+            <a:schemeClr val="accent1"/>
+          </a:effectRef>
+          <a:fontRef idx="minor">
+            <a:schemeClr val="tx1"/>
+          </a:fontRef>
+        </p:style>
+      </p:cxnSp>
+      <p:cxnSp>
+        <p:nvCxnSpPr>
+          <p:cNvPr id="180" name="Shape 179"/>
+          <p:cNvCxnSpPr>
+            <a:stCxn id="162" idx="1"/>
+            <a:endCxn id="105" idx="2"/>
+          </p:cNvCxnSpPr>
+          <p:nvPr/>
+        </p:nvCxnSpPr>
+        <p:spPr>
+          <a:xfrm rot="10800000">
+            <a:off x="2133600" y="9144001"/>
+            <a:ext cx="381000" cy="529235"/>
+          </a:xfrm>
+          <a:prstGeom prst="bentConnector2">
+            <a:avLst/>
+          </a:prstGeom>
+          <a:ln>
+            <a:tailEnd type="arrow"/>
+          </a:ln>
+        </p:spPr>
+        <p:style>
+          <a:lnRef idx="1">
+            <a:schemeClr val="accent1"/>
+          </a:lnRef>
+          <a:fillRef idx="0">
+            <a:schemeClr val="accent1"/>
+          </a:fillRef>
+          <a:effectRef idx="0">
+            <a:schemeClr val="accent1"/>
+          </a:effectRef>
+          <a:fontRef idx="minor">
+            <a:schemeClr val="tx1"/>
+          </a:fontRef>
+        </p:style>
+      </p:cxnSp>
+      <p:sp>
+        <p:nvSpPr>
+          <p:cNvPr id="182" name="Rounded Rectangle 181"/>
+          <p:cNvSpPr/>
+          <p:nvPr/>
+        </p:nvSpPr>
+        <p:spPr>
+          <a:xfrm>
+            <a:off x="5029200" y="8686800"/>
+            <a:ext cx="1524000" cy="457200"/>
+          </a:xfrm>
+          <a:prstGeom prst="roundRect">
+            <a:avLst>
+              <a:gd name="adj" fmla="val 16667"/>
+            </a:avLst>
+          </a:prstGeom>
+          <a:solidFill>
+            <a:schemeClr val="tx2">
+              <a:lumMod val="60000"/>
+              <a:lumOff val="40000"/>
+            </a:schemeClr>
+          </a:solidFill>
+          <a:effectLst>
+            <a:outerShdw blurRad="50800" dist="50800" dir="2700000" algn="tl" rotWithShape="0">
+              <a:srgbClr val="000000">
+                <a:alpha val="43137"/>
+              </a:srgbClr>
+            </a:outerShdw>
+          </a:effectLst>
+        </p:spPr>
+        <p:style>
+          <a:lnRef idx="2">
+            <a:schemeClr val="accent1"/>
+          </a:lnRef>
+          <a:fillRef idx="1">
+            <a:schemeClr val="accent1"/>
+          </a:fillRef>
+          <a:effectRef idx="0">
+            <a:schemeClr val="accent1"/>
+          </a:effectRef>
+          <a:fontRef idx="minor">
+            <a:schemeClr val="lt1"/>
+          </a:fontRef>
+        </p:style>
+        <p:txBody>
+          <a:bodyPr lIns="188057" tIns="94029" rIns="188057" bIns="94029" rtlCol="0" anchor="ctr"/>
+          <a:lstStyle>
+            <a:extLst/>
+          </a:lstStyle>
+          <a:p>
+            <a:pPr algn="ctr"/>
+            <a:r>
+              <a:rPr lang="en-US" sz="1200" dirty="0" smtClean="0"/>
+              <a:t>Sponsor Page</a:t>
+            </a:r>
+            <a:endParaRPr lang="en-US" sz="1200" dirty="0" smtClean="0"/>
+          </a:p>
+        </p:txBody>
+      </p:sp>
+      <p:cxnSp>
+        <p:nvCxnSpPr>
+          <p:cNvPr id="184" name="Shape 183"/>
+          <p:cNvCxnSpPr>
+            <a:stCxn id="165" idx="3"/>
+            <a:endCxn id="182" idx="2"/>
+          </p:cNvCxnSpPr>
+          <p:nvPr/>
+        </p:nvCxnSpPr>
+        <p:spPr>
+          <a:xfrm flipV="1">
+            <a:off x="5105399" y="9144000"/>
+            <a:ext cx="685801" cy="529235"/>
+          </a:xfrm>
+          <a:prstGeom prst="bentConnector2">
+            <a:avLst/>
+          </a:prstGeom>
+          <a:ln w="38100">
+            <a:tailEnd type="arrow"/>
+          </a:ln>
+        </p:spPr>
+        <p:style>
+          <a:lnRef idx="1">
+            <a:schemeClr val="accent1"/>
+          </a:lnRef>
+          <a:fillRef idx="0">
+            <a:schemeClr val="accent1"/>
+          </a:fillRef>
+          <a:effectRef idx="0">
+            <a:schemeClr val="accent1"/>
+          </a:effectRef>
+          <a:fontRef idx="minor">
+            <a:schemeClr val="tx1"/>
+          </a:fontRef>
+        </p:style>
+      </p:cxnSp>
+      <p:sp>
+        <p:nvSpPr>
+          <p:cNvPr id="188" name="TextBox 187"/>
+          <p:cNvSpPr txBox="1"/>
+          <p:nvPr/>
+        </p:nvSpPr>
+        <p:spPr>
+          <a:xfrm>
+            <a:off x="7010400" y="8686800"/>
+            <a:ext cx="1066799" cy="450357"/>
+          </a:xfrm>
+          <a:prstGeom prst="rect">
+            <a:avLst/>
+          </a:prstGeom>
+          <a:ln>
+            <a:solidFill>
+              <a:schemeClr val="accent1"/>
+            </a:solidFill>
+          </a:ln>
+        </p:spPr>
+        <p:style>
+          <a:lnRef idx="2">
+            <a:schemeClr val="accent2"/>
+          </a:lnRef>
+          <a:fillRef idx="1">
+            <a:schemeClr val="lt1"/>
+          </a:fillRef>
+          <a:effectRef idx="0">
+            <a:schemeClr val="accent2"/>
+          </a:effectRef>
+          <a:fontRef idx="minor">
+            <a:schemeClr val="dk1"/>
+          </a:fontRef>
+        </p:style>
+        <p:txBody>
+          <a:bodyPr wrap="square" lIns="141200" tIns="70601" rIns="141200" bIns="70601" rtlCol="0">
+            <a:spAutoFit/>
+          </a:bodyPr>
+          <a:lstStyle/>
+          <a:p>
+            <a:pPr algn="ctr"/>
+            <a:r>
+              <a:rPr lang="en-US" sz="1000" dirty="0" smtClean="0"/>
+              <a:t>Sponsorship selection</a:t>
+            </a:r>
+            <a:endParaRPr lang="en-US" sz="1000" dirty="0" smtClean="0"/>
+          </a:p>
+        </p:txBody>
+      </p:sp>
+      <p:cxnSp>
+        <p:nvCxnSpPr>
+          <p:cNvPr id="194" name="Straight Arrow Connector 193"/>
+          <p:cNvCxnSpPr>
+            <a:stCxn id="182" idx="3"/>
+            <a:endCxn id="188" idx="1"/>
+          </p:cNvCxnSpPr>
+          <p:nvPr/>
+        </p:nvCxnSpPr>
+        <p:spPr>
+          <a:xfrm flipV="1">
+            <a:off x="6553200" y="8911979"/>
+            <a:ext cx="457200" cy="3421"/>
+          </a:xfrm>
+          <a:prstGeom prst="straightConnector1">
+            <a:avLst/>
+          </a:prstGeom>
+          <a:ln w="38100">
+            <a:tailEnd type="arrow"/>
+          </a:ln>
+        </p:spPr>
+        <p:style>
+          <a:lnRef idx="1">
+            <a:schemeClr val="accent1"/>
+          </a:lnRef>
+          <a:fillRef idx="0">
+            <a:schemeClr val="accent1"/>
+          </a:fillRef>
+          <a:effectRef idx="0">
+            <a:schemeClr val="accent1"/>
+          </a:effectRef>
+          <a:fontRef idx="minor">
+            <a:schemeClr val="tx1"/>
+          </a:fontRef>
+        </p:style>
+      </p:cxnSp>
+      <p:sp>
+        <p:nvSpPr>
+          <p:cNvPr id="197" name="Rounded Rectangle 196"/>
+          <p:cNvSpPr/>
+          <p:nvPr/>
+        </p:nvSpPr>
+        <p:spPr>
+          <a:xfrm>
+            <a:off x="8077200" y="7239000"/>
+            <a:ext cx="1524000" cy="533400"/>
+          </a:xfrm>
+          <a:prstGeom prst="roundRect">
+            <a:avLst>
+              <a:gd name="adj" fmla="val 16667"/>
+            </a:avLst>
+          </a:prstGeom>
+          <a:solidFill>
+            <a:schemeClr val="accent2">
+              <a:lumMod val="75000"/>
+            </a:schemeClr>
+          </a:solidFill>
+          <a:ln>
+            <a:solidFill>
+              <a:schemeClr val="accent2"/>
+            </a:solidFill>
+          </a:ln>
+          <a:effectLst>
+            <a:outerShdw blurRad="50800" dist="50800" dir="2700000" algn="tl" rotWithShape="0">
+              <a:srgbClr val="000000">
+                <a:alpha val="43137"/>
+              </a:srgbClr>
+            </a:outerShdw>
+          </a:effectLst>
+        </p:spPr>
+        <p:style>
+          <a:lnRef idx="2">
+            <a:schemeClr val="accent1"/>
+          </a:lnRef>
+          <a:fillRef idx="1">
+            <a:schemeClr val="accent1"/>
+          </a:fillRef>
+          <a:effectRef idx="0">
+            <a:schemeClr val="accent1"/>
+          </a:effectRef>
+          <a:fontRef idx="minor">
+            <a:schemeClr val="lt1"/>
+          </a:fontRef>
+        </p:style>
+        <p:txBody>
+          <a:bodyPr lIns="188057" tIns="94029" rIns="188057" bIns="94029" rtlCol="0" anchor="ctr"/>
+          <a:lstStyle>
+            <a:extLst/>
+          </a:lstStyle>
+          <a:p>
+            <a:pPr algn="ctr"/>
+            <a:r>
+              <a:rPr lang="en-US" sz="1200" dirty="0" smtClean="0"/>
+              <a:t>Google Check Out page (New TAB)</a:t>
+            </a:r>
+            <a:endParaRPr lang="en-US" sz="1200" dirty="0" smtClean="0"/>
+          </a:p>
+        </p:txBody>
+      </p:sp>
+      <p:sp>
+        <p:nvSpPr>
+          <p:cNvPr id="198" name="Rounded Rectangle 197"/>
+          <p:cNvSpPr/>
+          <p:nvPr/>
+        </p:nvSpPr>
+        <p:spPr>
+          <a:xfrm>
+            <a:off x="8077200" y="9906000"/>
+            <a:ext cx="1524000" cy="457200"/>
+          </a:xfrm>
+          <a:prstGeom prst="roundRect">
+            <a:avLst>
+              <a:gd name="adj" fmla="val 16667"/>
+            </a:avLst>
+          </a:prstGeom>
+          <a:solidFill>
+            <a:schemeClr val="tx2">
+              <a:lumMod val="60000"/>
+              <a:lumOff val="40000"/>
+            </a:schemeClr>
+          </a:solidFill>
+          <a:effectLst>
+            <a:outerShdw blurRad="50800" dist="50800" dir="2700000" algn="tl" rotWithShape="0">
+              <a:srgbClr val="000000">
+                <a:alpha val="43137"/>
+              </a:srgbClr>
+            </a:outerShdw>
+          </a:effectLst>
+        </p:spPr>
+        <p:style>
+          <a:lnRef idx="2">
+            <a:schemeClr val="accent1"/>
+          </a:lnRef>
+          <a:fillRef idx="1">
+            <a:schemeClr val="accent1"/>
+          </a:fillRef>
+          <a:effectRef idx="0">
+            <a:schemeClr val="accent1"/>
+          </a:effectRef>
+          <a:fontRef idx="minor">
+            <a:schemeClr val="lt1"/>
+          </a:fontRef>
+        </p:style>
+        <p:txBody>
+          <a:bodyPr lIns="188057" tIns="94029" rIns="188057" bIns="94029" rtlCol="0" anchor="ctr"/>
+          <a:lstStyle>
+            <a:extLst/>
+          </a:lstStyle>
+          <a:p>
+            <a:pPr algn="ctr"/>
+            <a:r>
+              <a:rPr lang="en-US" sz="1200" dirty="0" smtClean="0"/>
+              <a:t>Business Profile Page</a:t>
+            </a:r>
+            <a:endParaRPr lang="en-US" sz="1200" dirty="0" smtClean="0"/>
+          </a:p>
+        </p:txBody>
+      </p:sp>
+      <p:sp>
+        <p:nvSpPr>
+          <p:cNvPr id="201" name="TextBox 200"/>
+          <p:cNvSpPr txBox="1"/>
+          <p:nvPr/>
+        </p:nvSpPr>
+        <p:spPr>
+          <a:xfrm>
+            <a:off x="8153400" y="8382000"/>
+            <a:ext cx="1447800" cy="296469"/>
+          </a:xfrm>
+          <a:prstGeom prst="rect">
+            <a:avLst/>
+          </a:prstGeom>
+          <a:ln>
+            <a:solidFill>
+              <a:schemeClr val="accent1"/>
+            </a:solidFill>
+          </a:ln>
+        </p:spPr>
+        <p:style>
+          <a:lnRef idx="2">
+            <a:schemeClr val="accent2"/>
+          </a:lnRef>
+          <a:fillRef idx="1">
+            <a:schemeClr val="lt1"/>
+          </a:fillRef>
+          <a:effectRef idx="0">
+            <a:schemeClr val="accent2"/>
+          </a:effectRef>
+          <a:fontRef idx="minor">
+            <a:schemeClr val="dk1"/>
+          </a:fontRef>
+        </p:style>
+        <p:txBody>
+          <a:bodyPr wrap="square" lIns="141200" tIns="70601" rIns="141200" bIns="70601" rtlCol="0">
+            <a:spAutoFit/>
+          </a:bodyPr>
+          <a:lstStyle/>
+          <a:p>
+            <a:pPr algn="ctr"/>
+            <a:r>
+              <a:rPr lang="en-US" sz="1000" dirty="0" smtClean="0"/>
+              <a:t>Sponsor Selected</a:t>
+            </a:r>
+          </a:p>
+        </p:txBody>
+      </p:sp>
+      <p:sp>
+        <p:nvSpPr>
+          <p:cNvPr id="202" name="TextBox 201"/>
+          <p:cNvSpPr txBox="1"/>
+          <p:nvPr/>
+        </p:nvSpPr>
+        <p:spPr>
+          <a:xfrm>
+            <a:off x="8153400" y="9144000"/>
+            <a:ext cx="1447800" cy="296469"/>
+          </a:xfrm>
+          <a:prstGeom prst="rect">
+            <a:avLst/>
+          </a:prstGeom>
+          <a:ln>
+            <a:solidFill>
+              <a:schemeClr val="accent1"/>
+            </a:solidFill>
+          </a:ln>
+        </p:spPr>
+        <p:style>
+          <a:lnRef idx="2">
+            <a:schemeClr val="accent2"/>
+          </a:lnRef>
+          <a:fillRef idx="1">
+            <a:schemeClr val="lt1"/>
+          </a:fillRef>
+          <a:effectRef idx="0">
+            <a:schemeClr val="accent2"/>
+          </a:effectRef>
+          <a:fontRef idx="minor">
+            <a:schemeClr val="dk1"/>
+          </a:fontRef>
+        </p:style>
+        <p:txBody>
+          <a:bodyPr wrap="square" lIns="141200" tIns="70601" rIns="141200" bIns="70601" rtlCol="0">
+            <a:spAutoFit/>
+          </a:bodyPr>
+          <a:lstStyle/>
+          <a:p>
+            <a:pPr algn="ctr"/>
+            <a:r>
+              <a:rPr lang="en-US" sz="1000" dirty="0" smtClean="0"/>
+              <a:t>Sponsor not Selected</a:t>
+            </a:r>
+          </a:p>
+        </p:txBody>
+      </p:sp>
+      <p:cxnSp>
+        <p:nvCxnSpPr>
+          <p:cNvPr id="204" name="Elbow Connector 203"/>
+          <p:cNvCxnSpPr>
+            <a:stCxn id="188" idx="3"/>
+            <a:endCxn id="201" idx="2"/>
+          </p:cNvCxnSpPr>
+          <p:nvPr/>
+        </p:nvCxnSpPr>
+        <p:spPr>
+          <a:xfrm flipV="1">
+            <a:off x="8077199" y="8678469"/>
+            <a:ext cx="800101" cy="233510"/>
+          </a:xfrm>
+          <a:prstGeom prst="bentConnector2">
+            <a:avLst/>
+          </a:prstGeom>
+          <a:ln w="38100">
+            <a:tailEnd type="arrow"/>
+          </a:ln>
+        </p:spPr>
+        <p:style>
+          <a:lnRef idx="1">
+            <a:schemeClr val="accent1"/>
+          </a:lnRef>
+          <a:fillRef idx="0">
+            <a:schemeClr val="accent1"/>
+          </a:fillRef>
+          <a:effectRef idx="0">
+            <a:schemeClr val="accent1"/>
+          </a:effectRef>
+          <a:fontRef idx="minor">
+            <a:schemeClr val="tx1"/>
+          </a:fontRef>
+        </p:style>
+      </p:cxnSp>
+      <p:cxnSp>
+        <p:nvCxnSpPr>
+          <p:cNvPr id="207" name="Shape 206"/>
+          <p:cNvCxnSpPr>
+            <a:stCxn id="188" idx="3"/>
+            <a:endCxn id="202" idx="0"/>
+          </p:cNvCxnSpPr>
+          <p:nvPr/>
+        </p:nvCxnSpPr>
+        <p:spPr>
+          <a:xfrm>
+            <a:off x="8077199" y="8911979"/>
+            <a:ext cx="800101" cy="232021"/>
+          </a:xfrm>
+          <a:prstGeom prst="bentConnector2">
+            <a:avLst/>
+          </a:prstGeom>
+          <a:ln>
+            <a:tailEnd type="arrow"/>
+          </a:ln>
+        </p:spPr>
+        <p:style>
+          <a:lnRef idx="1">
+            <a:schemeClr val="accent1"/>
+          </a:lnRef>
+          <a:fillRef idx="0">
+            <a:schemeClr val="accent1"/>
+          </a:fillRef>
+          <a:effectRef idx="0">
+            <a:schemeClr val="accent1"/>
+          </a:effectRef>
+          <a:fontRef idx="minor">
+            <a:schemeClr val="tx1"/>
+          </a:fontRef>
+        </p:style>
+      </p:cxnSp>
+      <p:cxnSp>
+        <p:nvCxnSpPr>
+          <p:cNvPr id="209" name="Straight Arrow Connector 208"/>
+          <p:cNvCxnSpPr>
+            <a:stCxn id="201" idx="0"/>
+            <a:endCxn id="197" idx="2"/>
+          </p:cNvCxnSpPr>
+          <p:nvPr/>
+        </p:nvCxnSpPr>
+        <p:spPr>
+          <a:xfrm flipH="1" flipV="1">
+            <a:off x="8839200" y="7772400"/>
+            <a:ext cx="38100" cy="609600"/>
+          </a:xfrm>
+          <a:prstGeom prst="straightConnector1">
+            <a:avLst/>
+          </a:prstGeom>
+          <a:ln w="38100">
+            <a:tailEnd type="arrow"/>
+          </a:ln>
+        </p:spPr>
+        <p:style>
+          <a:lnRef idx="1">
+            <a:schemeClr val="accent1"/>
+          </a:lnRef>
+          <a:fillRef idx="0">
+            <a:schemeClr val="accent1"/>
+          </a:fillRef>
+          <a:effectRef idx="0">
+            <a:schemeClr val="accent1"/>
+          </a:effectRef>
+          <a:fontRef idx="minor">
+            <a:schemeClr val="tx1"/>
+          </a:fontRef>
+        </p:style>
+      </p:cxnSp>
+      <p:cxnSp>
+        <p:nvCxnSpPr>
+          <p:cNvPr id="211" name="Straight Arrow Connector 210"/>
+          <p:cNvCxnSpPr>
+            <a:stCxn id="202" idx="2"/>
+            <a:endCxn id="198" idx="0"/>
+          </p:cNvCxnSpPr>
+          <p:nvPr/>
+        </p:nvCxnSpPr>
+        <p:spPr>
+          <a:xfrm flipH="1">
+            <a:off x="8839200" y="9440469"/>
+            <a:ext cx="38100" cy="465531"/>
+          </a:xfrm>
+          <a:prstGeom prst="straightConnector1">
+            <a:avLst/>
+          </a:prstGeom>
+          <a:ln>
+            <a:tailEnd type="arrow"/>
+          </a:ln>
+        </p:spPr>
+        <p:style>
+          <a:lnRef idx="1">
+            <a:schemeClr val="accent1"/>
+          </a:lnRef>
+          <a:fillRef idx="0">
+            <a:schemeClr val="accent1"/>
+          </a:fillRef>
+          <a:effectRef idx="0">
+            <a:schemeClr val="accent1"/>
+          </a:effectRef>
+          <a:fontRef idx="minor">
+            <a:schemeClr val="tx1"/>
+          </a:fontRef>
+        </p:style>
+      </p:cxnSp>
+      <p:cxnSp>
+        <p:nvCxnSpPr>
+          <p:cNvPr id="213" name="Elbow Connector 212"/>
+          <p:cNvCxnSpPr>
+            <a:stCxn id="223" idx="2"/>
+            <a:endCxn id="198" idx="3"/>
+          </p:cNvCxnSpPr>
+          <p:nvPr/>
+        </p:nvCxnSpPr>
+        <p:spPr>
+          <a:xfrm rot="5400000">
+            <a:off x="8968385" y="8320684"/>
+            <a:ext cx="2446731" cy="1181100"/>
+          </a:xfrm>
+          <a:prstGeom prst="bentConnector2">
+            <a:avLst/>
+          </a:prstGeom>
+          <a:ln w="38100">
+            <a:tailEnd type="arrow"/>
+          </a:ln>
+        </p:spPr>
+        <p:style>
+          <a:lnRef idx="1">
+            <a:schemeClr val="accent1"/>
+          </a:lnRef>
+          <a:fillRef idx="0">
+            <a:schemeClr val="accent1"/>
+          </a:fillRef>
+          <a:effectRef idx="0">
+            <a:schemeClr val="accent1"/>
+          </a:effectRef>
+          <a:fontRef idx="minor">
+            <a:schemeClr val="tx1"/>
+          </a:fontRef>
+        </p:style>
+      </p:cxnSp>
+      <p:sp>
+        <p:nvSpPr>
+          <p:cNvPr id="223" name="TextBox 222"/>
+          <p:cNvSpPr txBox="1"/>
+          <p:nvPr/>
+        </p:nvSpPr>
+        <p:spPr>
+          <a:xfrm>
+            <a:off x="10058400" y="7391400"/>
+            <a:ext cx="1447800" cy="296469"/>
+          </a:xfrm>
+          <a:prstGeom prst="rect">
+            <a:avLst/>
+          </a:prstGeom>
+          <a:ln>
+            <a:solidFill>
+              <a:schemeClr val="accent1"/>
+            </a:solidFill>
+          </a:ln>
+        </p:spPr>
+        <p:style>
+          <a:lnRef idx="2">
+            <a:schemeClr val="accent2"/>
+          </a:lnRef>
+          <a:fillRef idx="1">
+            <a:schemeClr val="lt1"/>
+          </a:fillRef>
+          <a:effectRef idx="0">
+            <a:schemeClr val="accent2"/>
+          </a:effectRef>
+          <a:fontRef idx="minor">
+            <a:schemeClr val="dk1"/>
+          </a:fontRef>
+        </p:style>
+        <p:txBody>
+          <a:bodyPr wrap="square" lIns="141200" tIns="70601" rIns="141200" bIns="70601" rtlCol="0">
+            <a:spAutoFit/>
+          </a:bodyPr>
+          <a:lstStyle/>
+          <a:p>
+            <a:pPr algn="ctr"/>
+            <a:r>
+              <a:rPr lang="en-US" sz="1000" dirty="0" smtClean="0"/>
+              <a:t>Confirmation Page</a:t>
+            </a:r>
+          </a:p>
+        </p:txBody>
+      </p:sp>
+      <p:cxnSp>
+        <p:nvCxnSpPr>
+          <p:cNvPr id="229" name="Straight Arrow Connector 228"/>
+          <p:cNvCxnSpPr>
+            <a:stCxn id="197" idx="3"/>
+            <a:endCxn id="223" idx="1"/>
+          </p:cNvCxnSpPr>
+          <p:nvPr/>
+        </p:nvCxnSpPr>
+        <p:spPr>
+          <a:xfrm>
+            <a:off x="9601200" y="7505700"/>
+            <a:ext cx="457200" cy="33935"/>
+          </a:xfrm>
+          <a:prstGeom prst="straightConnector1">
+            <a:avLst/>
+          </a:prstGeom>
+          <a:ln w="38100">
+            <a:tailEnd type="arrow"/>
+          </a:ln>
+        </p:spPr>
+        <p:style>
+          <a:lnRef idx="1">
+            <a:schemeClr val="accent1"/>
+          </a:lnRef>
+          <a:fillRef idx="0">
+            <a:schemeClr val="accent1"/>
+          </a:fillRef>
+          <a:effectRef idx="0">
+            <a:schemeClr val="accent1"/>
+          </a:effectRef>
+          <a:fontRef idx="minor">
+            <a:schemeClr val="tx1"/>
+          </a:fontRef>
+        </p:style>
+      </p:cxnSp>
+      <p:sp>
+        <p:nvSpPr>
+          <p:cNvPr id="232" name="TextBox 231"/>
+          <p:cNvSpPr txBox="1"/>
+          <p:nvPr/>
+        </p:nvSpPr>
+        <p:spPr>
+          <a:xfrm>
+            <a:off x="10058400" y="8382000"/>
+            <a:ext cx="1447800" cy="296469"/>
+          </a:xfrm>
+          <a:prstGeom prst="rect">
+            <a:avLst/>
+          </a:prstGeom>
+          <a:ln>
+            <a:solidFill>
+              <a:schemeClr val="accent1"/>
+            </a:solidFill>
+          </a:ln>
+        </p:spPr>
+        <p:style>
+          <a:lnRef idx="2">
+            <a:schemeClr val="accent2"/>
+          </a:lnRef>
+          <a:fillRef idx="1">
+            <a:schemeClr val="lt1"/>
+          </a:fillRef>
+          <a:effectRef idx="0">
+            <a:schemeClr val="accent2"/>
+          </a:effectRef>
+          <a:fontRef idx="minor">
+            <a:schemeClr val="dk1"/>
+          </a:fontRef>
+        </p:style>
+        <p:txBody>
+          <a:bodyPr wrap="square" lIns="141200" tIns="70601" rIns="141200" bIns="70601" rtlCol="0">
+            <a:spAutoFit/>
+          </a:bodyPr>
+          <a:lstStyle/>
+          <a:p>
+            <a:pPr algn="ctr"/>
+            <a:r>
+              <a:rPr lang="en-US" sz="1000" dirty="0" smtClean="0"/>
+              <a:t>Acknowledged</a:t>
+            </a:r>
+          </a:p>
+        </p:txBody>
+      </p:sp>
+      <p:sp>
+        <p:nvSpPr>
+          <p:cNvPr id="236" name="TextBox 235"/>
+          <p:cNvSpPr txBox="1"/>
+          <p:nvPr/>
+        </p:nvSpPr>
+        <p:spPr>
+          <a:xfrm>
+            <a:off x="533400" y="6172200"/>
+            <a:ext cx="1066799" cy="296469"/>
+          </a:xfrm>
+          <a:prstGeom prst="rect">
+            <a:avLst/>
+          </a:prstGeom>
+          <a:ln>
+            <a:solidFill>
+              <a:schemeClr val="accent2"/>
+            </a:solidFill>
+          </a:ln>
+        </p:spPr>
+        <p:style>
+          <a:lnRef idx="2">
+            <a:schemeClr val="accent2"/>
+          </a:lnRef>
+          <a:fillRef idx="1">
+            <a:schemeClr val="lt1"/>
+          </a:fillRef>
+          <a:effectRef idx="0">
+            <a:schemeClr val="accent2"/>
+          </a:effectRef>
+          <a:fontRef idx="minor">
+            <a:schemeClr val="dk1"/>
+          </a:fontRef>
+        </p:style>
+        <p:txBody>
+          <a:bodyPr wrap="square" lIns="141200" tIns="70601" rIns="141200" bIns="70601" rtlCol="0">
+            <a:spAutoFit/>
+          </a:bodyPr>
+          <a:lstStyle/>
+          <a:p>
+            <a:pPr algn="ctr"/>
+            <a:r>
+              <a:rPr lang="en-US" sz="1000" dirty="0" smtClean="0"/>
+              <a:t>From any Page</a:t>
+            </a:r>
+          </a:p>
+        </p:txBody>
+      </p:sp>
+      <p:sp>
+        <p:nvSpPr>
+          <p:cNvPr id="237" name="TextBox 236"/>
+          <p:cNvSpPr txBox="1"/>
+          <p:nvPr/>
+        </p:nvSpPr>
+        <p:spPr>
+          <a:xfrm>
+            <a:off x="533400" y="9601200"/>
+            <a:ext cx="1066799" cy="296469"/>
+          </a:xfrm>
+          <a:prstGeom prst="rect">
+            <a:avLst/>
+          </a:prstGeom>
+          <a:ln>
+            <a:solidFill>
+              <a:schemeClr val="accent2"/>
+            </a:solidFill>
+          </a:ln>
+        </p:spPr>
+        <p:style>
+          <a:lnRef idx="2">
+            <a:schemeClr val="accent2"/>
+          </a:lnRef>
+          <a:fillRef idx="1">
+            <a:schemeClr val="lt1"/>
+          </a:fillRef>
+          <a:effectRef idx="0">
+            <a:schemeClr val="accent2"/>
+          </a:effectRef>
+          <a:fontRef idx="minor">
+            <a:schemeClr val="dk1"/>
+          </a:fontRef>
+        </p:style>
+        <p:txBody>
+          <a:bodyPr wrap="square" lIns="141200" tIns="70601" rIns="141200" bIns="70601" rtlCol="0">
+            <a:spAutoFit/>
+          </a:bodyPr>
+          <a:lstStyle/>
+          <a:p>
+            <a:pPr algn="ctr"/>
+            <a:r>
+              <a:rPr lang="en-US" sz="1000" dirty="0" smtClean="0"/>
+              <a:t>From any Page</a:t>
+            </a:r>
+          </a:p>
+        </p:txBody>
+      </p:sp>
+      <p:cxnSp>
+        <p:nvCxnSpPr>
+          <p:cNvPr id="239" name="Shape 238"/>
+          <p:cNvCxnSpPr>
+            <a:stCxn id="236" idx="2"/>
+            <a:endCxn id="68" idx="1"/>
+          </p:cNvCxnSpPr>
+          <p:nvPr/>
+        </p:nvCxnSpPr>
+        <p:spPr>
+          <a:xfrm rot="16200000" flipH="1">
+            <a:off x="681635" y="6853834"/>
+            <a:ext cx="1075131" cy="304800"/>
+          </a:xfrm>
+          <a:prstGeom prst="bentConnector2">
+            <a:avLst/>
+          </a:prstGeom>
+          <a:ln w="38100">
+            <a:solidFill>
+              <a:schemeClr val="accent2"/>
+            </a:solidFill>
+            <a:tailEnd type="arrow"/>
+          </a:ln>
+        </p:spPr>
+        <p:style>
+          <a:lnRef idx="1">
+            <a:schemeClr val="accent1"/>
+          </a:lnRef>
+          <a:fillRef idx="0">
+            <a:schemeClr val="accent1"/>
+          </a:fillRef>
+          <a:effectRef idx="0">
+            <a:schemeClr val="accent1"/>
+          </a:effectRef>
+          <a:fontRef idx="minor">
+            <a:schemeClr val="tx1"/>
+          </a:fontRef>
+        </p:style>
+      </p:cxnSp>
+      <p:cxnSp>
+        <p:nvCxnSpPr>
+          <p:cNvPr id="242" name="Shape 241"/>
+          <p:cNvCxnSpPr>
+            <a:stCxn id="237" idx="0"/>
+            <a:endCxn id="105" idx="1"/>
+          </p:cNvCxnSpPr>
+          <p:nvPr/>
+        </p:nvCxnSpPr>
+        <p:spPr>
+          <a:xfrm rot="5400000" flipH="1" flipV="1">
+            <a:off x="876300" y="9105900"/>
+            <a:ext cx="685800" cy="304800"/>
+          </a:xfrm>
+          <a:prstGeom prst="bentConnector2">
+            <a:avLst/>
+          </a:prstGeom>
+          <a:ln w="38100">
+            <a:solidFill>
+              <a:schemeClr val="accent2"/>
+            </a:solidFill>
+            <a:tailEnd type="arrow"/>
+          </a:ln>
+        </p:spPr>
+        <p:style>
+          <a:lnRef idx="1">
+            <a:schemeClr val="accent1"/>
+          </a:lnRef>
+          <a:fillRef idx="0">
+            <a:schemeClr val="accent1"/>
+          </a:fillRef>
+          <a:effectRef idx="0">
+            <a:schemeClr val="accent1"/>
+          </a:effectRef>
+          <a:fontRef idx="minor">
+            <a:schemeClr val="tx1"/>
+          </a:fontRef>
+        </p:style>
+      </p:cxnSp>
+      <p:sp>
+        <p:nvSpPr>
+          <p:cNvPr id="244" name="Rounded Rectangle 243"/>
+          <p:cNvSpPr/>
+          <p:nvPr/>
+        </p:nvSpPr>
+        <p:spPr>
+          <a:xfrm>
+            <a:off x="5029200" y="7848600"/>
+            <a:ext cx="1524000" cy="457200"/>
+          </a:xfrm>
+          <a:prstGeom prst="roundRect">
+            <a:avLst>
+              <a:gd name="adj" fmla="val 16667"/>
+            </a:avLst>
+          </a:prstGeom>
+          <a:solidFill>
+            <a:schemeClr val="tx2">
+              <a:lumMod val="60000"/>
+              <a:lumOff val="40000"/>
+            </a:schemeClr>
+          </a:solidFill>
+          <a:effectLst>
+            <a:outerShdw blurRad="50800" dist="50800" dir="2700000" algn="tl" rotWithShape="0">
+              <a:srgbClr val="000000">
+                <a:alpha val="43137"/>
+              </a:srgbClr>
+            </a:outerShdw>
+          </a:effectLst>
+        </p:spPr>
+        <p:style>
+          <a:lnRef idx="2">
+            <a:schemeClr val="accent1"/>
+          </a:lnRef>
+          <a:fillRef idx="1">
+            <a:schemeClr val="accent1"/>
+          </a:fillRef>
+          <a:effectRef idx="0">
+            <a:schemeClr val="accent1"/>
+          </a:effectRef>
+          <a:fontRef idx="minor">
+            <a:schemeClr val="lt1"/>
+          </a:fontRef>
+        </p:style>
+        <p:txBody>
+          <a:bodyPr lIns="188057" tIns="94029" rIns="188057" bIns="94029" rtlCol="0" anchor="ctr"/>
+          <a:lstStyle>
+            <a:extLst/>
+          </a:lstStyle>
+          <a:p>
+            <a:pPr algn="ctr"/>
+            <a:r>
+              <a:rPr lang="en-US" sz="1200" dirty="0" smtClean="0"/>
+              <a:t>New Profile Page</a:t>
+            </a:r>
+            <a:endParaRPr lang="en-US" sz="1200" dirty="0" smtClean="0"/>
+          </a:p>
+        </p:txBody>
+      </p:sp>
+      <p:sp>
+        <p:nvSpPr>
+          <p:cNvPr id="256" name="Rounded Rectangle 255"/>
+          <p:cNvSpPr/>
+          <p:nvPr/>
+        </p:nvSpPr>
+        <p:spPr>
+          <a:xfrm>
+            <a:off x="10058400" y="9144000"/>
+            <a:ext cx="1524000" cy="457200"/>
+          </a:xfrm>
+          <a:prstGeom prst="roundRect">
+            <a:avLst>
+              <a:gd name="adj" fmla="val 16667"/>
+            </a:avLst>
+          </a:prstGeom>
+          <a:solidFill>
+            <a:schemeClr val="tx2">
+              <a:lumMod val="60000"/>
+              <a:lumOff val="40000"/>
+            </a:schemeClr>
+          </a:solidFill>
+          <a:effectLst>
+            <a:outerShdw blurRad="50800" dist="50800" dir="2700000" algn="tl" rotWithShape="0">
+              <a:srgbClr val="000000">
+                <a:alpha val="43137"/>
+              </a:srgbClr>
+            </a:outerShdw>
+          </a:effectLst>
+        </p:spPr>
+        <p:style>
+          <a:lnRef idx="2">
+            <a:schemeClr val="accent1"/>
+          </a:lnRef>
+          <a:fillRef idx="1">
+            <a:schemeClr val="accent1"/>
+          </a:fillRef>
+          <a:effectRef idx="0">
+            <a:schemeClr val="accent1"/>
+          </a:effectRef>
+          <a:fontRef idx="minor">
+            <a:schemeClr val="lt1"/>
+          </a:fontRef>
+        </p:style>
+        <p:txBody>
+          <a:bodyPr lIns="188057" tIns="94029" rIns="188057" bIns="94029" rtlCol="0" anchor="ctr"/>
+          <a:lstStyle>
+            <a:extLst/>
+          </a:lstStyle>
+          <a:p>
+            <a:pPr algn="ctr"/>
+            <a:r>
+              <a:rPr lang="en-US" sz="1200" dirty="0" smtClean="0"/>
+              <a:t>Add Social Accounts</a:t>
+            </a:r>
+            <a:endParaRPr lang="en-US" sz="1200" dirty="0" smtClean="0"/>
+          </a:p>
+        </p:txBody>
+      </p:sp>
     </p:spTree>
   </p:cSld>
   <p:clrMapOvr>
@@ -5708,6 +7451,3490 @@
       </p:par>
     </p:tnLst>
   </p:timing>
+</p:sld>
+</file>
+
+<file path=ppt/slides/slide2.xml><?xml version="1.0" encoding="utf-8"?>
+<p:sld xmlns:a="http://schemas.openxmlformats.org/drawingml/2006/main" xmlns:r="http://schemas.openxmlformats.org/officeDocument/2006/relationships" xmlns:p="http://schemas.openxmlformats.org/presentationml/2006/main">
+  <p:cSld>
+    <p:spTree>
+      <p:nvGrpSpPr>
+        <p:cNvPr id="1" name=""/>
+        <p:cNvGrpSpPr/>
+        <p:nvPr/>
+      </p:nvGrpSpPr>
+      <p:grpSpPr>
+        <a:xfrm>
+          <a:off x="0" y="0"/>
+          <a:ext cx="0" cy="0"/>
+          <a:chOff x="0" y="0"/>
+          <a:chExt cx="0" cy="0"/>
+        </a:xfrm>
+      </p:grpSpPr>
+      <p:sp>
+        <p:nvSpPr>
+          <p:cNvPr id="4" name="TextBox 3"/>
+          <p:cNvSpPr txBox="1"/>
+          <p:nvPr/>
+        </p:nvSpPr>
+        <p:spPr>
+          <a:xfrm>
+            <a:off x="243220" y="1150972"/>
+            <a:ext cx="2561877" cy="788912"/>
+          </a:xfrm>
+          <a:prstGeom prst="rect">
+            <a:avLst/>
+          </a:prstGeom>
+          <a:ln w="38100">
+            <a:solidFill>
+              <a:schemeClr val="accent1">
+                <a:lumMod val="50000"/>
+              </a:schemeClr>
+            </a:solidFill>
+          </a:ln>
+        </p:spPr>
+        <p:style>
+          <a:lnRef idx="2">
+            <a:schemeClr val="accent1"/>
+          </a:lnRef>
+          <a:fillRef idx="1">
+            <a:schemeClr val="lt1"/>
+          </a:fillRef>
+          <a:effectRef idx="0">
+            <a:schemeClr val="accent1"/>
+          </a:effectRef>
+          <a:fontRef idx="minor">
+            <a:schemeClr val="dk1"/>
+          </a:fontRef>
+        </p:style>
+        <p:txBody>
+          <a:bodyPr wrap="square" lIns="141200" tIns="70601" rIns="141200" bIns="70601" rtlCol="0">
+            <a:spAutoFit/>
+          </a:bodyPr>
+          <a:lstStyle/>
+          <a:p>
+            <a:r>
+              <a:rPr lang="en-US" sz="1400" dirty="0" smtClean="0"/>
+              <a:t>-A  non member enters the site on any page and wants to </a:t>
+            </a:r>
+            <a:r>
+              <a:rPr lang="en-US" sz="1400" dirty="0" smtClean="0"/>
+              <a:t>create a review</a:t>
+            </a:r>
+          </a:p>
+        </p:txBody>
+      </p:sp>
+      <p:sp>
+        <p:nvSpPr>
+          <p:cNvPr id="5" name="TextBox 4"/>
+          <p:cNvSpPr txBox="1"/>
+          <p:nvPr/>
+        </p:nvSpPr>
+        <p:spPr>
+          <a:xfrm>
+            <a:off x="213980" y="8055004"/>
+            <a:ext cx="2561877" cy="788912"/>
+          </a:xfrm>
+          <a:prstGeom prst="rect">
+            <a:avLst/>
+          </a:prstGeom>
+        </p:spPr>
+        <p:style>
+          <a:lnRef idx="2">
+            <a:schemeClr val="accent1"/>
+          </a:lnRef>
+          <a:fillRef idx="1">
+            <a:schemeClr val="lt1"/>
+          </a:fillRef>
+          <a:effectRef idx="0">
+            <a:schemeClr val="accent1"/>
+          </a:effectRef>
+          <a:fontRef idx="minor">
+            <a:schemeClr val="dk1"/>
+          </a:fontRef>
+        </p:style>
+        <p:txBody>
+          <a:bodyPr wrap="square" lIns="141200" tIns="70601" rIns="141200" bIns="70601" rtlCol="0">
+            <a:spAutoFit/>
+          </a:bodyPr>
+          <a:lstStyle/>
+          <a:p>
+            <a:r>
+              <a:rPr lang="en-US" sz="1400" dirty="0" smtClean="0"/>
+              <a:t>-</a:t>
+            </a:r>
+            <a:r>
+              <a:rPr lang="en-US" sz="1400" dirty="0" smtClean="0"/>
+              <a:t>A user </a:t>
+            </a:r>
+            <a:r>
+              <a:rPr lang="en-US" sz="1400" dirty="0" smtClean="0"/>
+              <a:t>enters the site at the home page and wants to find a specific adventure review</a:t>
+            </a:r>
+          </a:p>
+        </p:txBody>
+      </p:sp>
+      <p:sp>
+        <p:nvSpPr>
+          <p:cNvPr id="6" name="TextBox 5"/>
+          <p:cNvSpPr txBox="1"/>
+          <p:nvPr/>
+        </p:nvSpPr>
+        <p:spPr>
+          <a:xfrm>
+            <a:off x="228600" y="5715000"/>
+            <a:ext cx="2561877" cy="1219799"/>
+          </a:xfrm>
+          <a:prstGeom prst="rect">
+            <a:avLst/>
+          </a:prstGeom>
+        </p:spPr>
+        <p:style>
+          <a:lnRef idx="2">
+            <a:schemeClr val="accent1"/>
+          </a:lnRef>
+          <a:fillRef idx="1">
+            <a:schemeClr val="lt1"/>
+          </a:fillRef>
+          <a:effectRef idx="0">
+            <a:schemeClr val="accent1"/>
+          </a:effectRef>
+          <a:fontRef idx="minor">
+            <a:schemeClr val="dk1"/>
+          </a:fontRef>
+        </p:style>
+        <p:txBody>
+          <a:bodyPr wrap="square" lIns="141200" tIns="70601" rIns="141200" bIns="70601" rtlCol="0">
+            <a:spAutoFit/>
+          </a:bodyPr>
+          <a:lstStyle/>
+          <a:p>
+            <a:r>
+              <a:rPr lang="en-US" sz="1400" dirty="0" smtClean="0"/>
+              <a:t>-An authorized user enters the site at the home page and wants to find adventures near a personal point of interest (Destin, FL).</a:t>
+            </a:r>
+          </a:p>
+        </p:txBody>
+      </p:sp>
+      <p:sp>
+        <p:nvSpPr>
+          <p:cNvPr id="7" name="TextBox 6"/>
+          <p:cNvSpPr txBox="1"/>
+          <p:nvPr/>
+        </p:nvSpPr>
+        <p:spPr>
+          <a:xfrm>
+            <a:off x="213980" y="7064404"/>
+            <a:ext cx="2561877" cy="812933"/>
+          </a:xfrm>
+          <a:prstGeom prst="rect">
+            <a:avLst/>
+          </a:prstGeom>
+        </p:spPr>
+        <p:style>
+          <a:lnRef idx="2">
+            <a:schemeClr val="accent1"/>
+          </a:lnRef>
+          <a:fillRef idx="1">
+            <a:schemeClr val="lt1"/>
+          </a:fillRef>
+          <a:effectRef idx="0">
+            <a:schemeClr val="accent1"/>
+          </a:effectRef>
+          <a:fontRef idx="minor">
+            <a:schemeClr val="dk1"/>
+          </a:fontRef>
+        </p:style>
+        <p:txBody>
+          <a:bodyPr wrap="square" lIns="141200" tIns="70601" rIns="141200" bIns="70601" rtlCol="0">
+            <a:spAutoFit/>
+          </a:bodyPr>
+          <a:lstStyle/>
+          <a:p>
+            <a:r>
+              <a:rPr lang="en-US" sz="1400" dirty="0" smtClean="0"/>
+              <a:t>-An authorized user enters the site at the home page and wants to find a friends account</a:t>
+            </a:r>
+          </a:p>
+        </p:txBody>
+      </p:sp>
+      <p:sp>
+        <p:nvSpPr>
+          <p:cNvPr id="8" name="Rounded Rectangle 7"/>
+          <p:cNvSpPr/>
+          <p:nvPr/>
+        </p:nvSpPr>
+        <p:spPr>
+          <a:xfrm>
+            <a:off x="16031240" y="3352800"/>
+            <a:ext cx="1905000" cy="609600"/>
+          </a:xfrm>
+          <a:prstGeom prst="roundRect">
+            <a:avLst>
+              <a:gd name="adj" fmla="val 16667"/>
+            </a:avLst>
+          </a:prstGeom>
+          <a:solidFill>
+            <a:schemeClr val="accent6"/>
+          </a:solidFill>
+          <a:effectLst>
+            <a:outerShdw blurRad="50800" dist="50800" dir="2700000" algn="tl" rotWithShape="0">
+              <a:srgbClr val="000000">
+                <a:alpha val="43137"/>
+              </a:srgbClr>
+            </a:outerShdw>
+          </a:effectLst>
+        </p:spPr>
+        <p:style>
+          <a:lnRef idx="2">
+            <a:schemeClr val="accent1"/>
+          </a:lnRef>
+          <a:fillRef idx="1">
+            <a:schemeClr val="accent1"/>
+          </a:fillRef>
+          <a:effectRef idx="0">
+            <a:schemeClr val="accent1"/>
+          </a:effectRef>
+          <a:fontRef idx="minor">
+            <a:schemeClr val="lt1"/>
+          </a:fontRef>
+        </p:style>
+        <p:txBody>
+          <a:bodyPr lIns="188057" tIns="94029" rIns="188057" bIns="94029" rtlCol="0" anchor="ctr"/>
+          <a:lstStyle>
+            <a:extLst/>
+          </a:lstStyle>
+          <a:p>
+            <a:pPr algn="ctr"/>
+            <a:r>
+              <a:rPr lang="en-US" sz="1600" dirty="0" smtClean="0"/>
+              <a:t>Personal Profile Page</a:t>
+            </a:r>
+            <a:endParaRPr lang="en-US" sz="1600" dirty="0" smtClean="0"/>
+          </a:p>
+        </p:txBody>
+      </p:sp>
+      <p:sp>
+        <p:nvSpPr>
+          <p:cNvPr id="10" name="Rounded Rectangle 9"/>
+          <p:cNvSpPr/>
+          <p:nvPr/>
+        </p:nvSpPr>
+        <p:spPr>
+          <a:xfrm>
+            <a:off x="16031240" y="4876800"/>
+            <a:ext cx="1905000" cy="609600"/>
+          </a:xfrm>
+          <a:prstGeom prst="roundRect">
+            <a:avLst>
+              <a:gd name="adj" fmla="val 16667"/>
+            </a:avLst>
+          </a:prstGeom>
+          <a:solidFill>
+            <a:schemeClr val="accent6"/>
+          </a:solidFill>
+          <a:effectLst>
+            <a:outerShdw blurRad="50800" dist="50800" dir="2700000" algn="tl" rotWithShape="0">
+              <a:srgbClr val="000000">
+                <a:alpha val="43137"/>
+              </a:srgbClr>
+            </a:outerShdw>
+          </a:effectLst>
+        </p:spPr>
+        <p:style>
+          <a:lnRef idx="2">
+            <a:schemeClr val="accent1"/>
+          </a:lnRef>
+          <a:fillRef idx="1">
+            <a:schemeClr val="accent1"/>
+          </a:fillRef>
+          <a:effectRef idx="0">
+            <a:schemeClr val="accent1"/>
+          </a:effectRef>
+          <a:fontRef idx="minor">
+            <a:schemeClr val="lt1"/>
+          </a:fontRef>
+        </p:style>
+        <p:txBody>
+          <a:bodyPr lIns="188057" tIns="94029" rIns="188057" bIns="94029" rtlCol="0" anchor="ctr"/>
+          <a:lstStyle>
+            <a:extLst/>
+          </a:lstStyle>
+          <a:p>
+            <a:pPr algn="ctr"/>
+            <a:r>
+              <a:rPr lang="en-US" sz="1600" dirty="0" smtClean="0"/>
+              <a:t>Business Profile Page</a:t>
+            </a:r>
+            <a:endParaRPr lang="en-US" sz="1600" dirty="0" smtClean="0"/>
+          </a:p>
+        </p:txBody>
+      </p:sp>
+      <p:sp>
+        <p:nvSpPr>
+          <p:cNvPr id="12" name="Rounded Rectangle 11"/>
+          <p:cNvSpPr/>
+          <p:nvPr/>
+        </p:nvSpPr>
+        <p:spPr>
+          <a:xfrm>
+            <a:off x="16002000" y="7162800"/>
+            <a:ext cx="1905000" cy="609600"/>
+          </a:xfrm>
+          <a:prstGeom prst="roundRect">
+            <a:avLst>
+              <a:gd name="adj" fmla="val 16667"/>
+            </a:avLst>
+          </a:prstGeom>
+          <a:solidFill>
+            <a:schemeClr val="accent6"/>
+          </a:solidFill>
+          <a:effectLst>
+            <a:outerShdw blurRad="50800" dist="50800" dir="2700000" algn="tl" rotWithShape="0">
+              <a:srgbClr val="000000">
+                <a:alpha val="43137"/>
+              </a:srgbClr>
+            </a:outerShdw>
+          </a:effectLst>
+        </p:spPr>
+        <p:style>
+          <a:lnRef idx="2">
+            <a:schemeClr val="accent1"/>
+          </a:lnRef>
+          <a:fillRef idx="1">
+            <a:schemeClr val="accent1"/>
+          </a:fillRef>
+          <a:effectRef idx="0">
+            <a:schemeClr val="accent1"/>
+          </a:effectRef>
+          <a:fontRef idx="minor">
+            <a:schemeClr val="lt1"/>
+          </a:fontRef>
+        </p:style>
+        <p:txBody>
+          <a:bodyPr lIns="188057" tIns="94029" rIns="188057" bIns="94029" rtlCol="0" anchor="ctr"/>
+          <a:lstStyle>
+            <a:extLst/>
+          </a:lstStyle>
+          <a:p>
+            <a:pPr algn="ctr"/>
+            <a:r>
+              <a:rPr lang="en-US" sz="1600" dirty="0" smtClean="0"/>
+              <a:t>Region Details Page</a:t>
+            </a:r>
+            <a:endParaRPr lang="en-US" sz="1600" dirty="0" smtClean="0"/>
+          </a:p>
+        </p:txBody>
+      </p:sp>
+      <p:sp>
+        <p:nvSpPr>
+          <p:cNvPr id="15" name="Rounded Rectangle 14"/>
+          <p:cNvSpPr/>
+          <p:nvPr/>
+        </p:nvSpPr>
+        <p:spPr>
+          <a:xfrm>
+            <a:off x="16031240" y="5638800"/>
+            <a:ext cx="1905000" cy="609600"/>
+          </a:xfrm>
+          <a:prstGeom prst="roundRect">
+            <a:avLst>
+              <a:gd name="adj" fmla="val 16667"/>
+            </a:avLst>
+          </a:prstGeom>
+          <a:solidFill>
+            <a:schemeClr val="accent6"/>
+          </a:solidFill>
+          <a:effectLst>
+            <a:outerShdw blurRad="50800" dist="50800" dir="2700000" algn="tl" rotWithShape="0">
+              <a:srgbClr val="000000">
+                <a:alpha val="43137"/>
+              </a:srgbClr>
+            </a:outerShdw>
+          </a:effectLst>
+        </p:spPr>
+        <p:style>
+          <a:lnRef idx="2">
+            <a:schemeClr val="accent1"/>
+          </a:lnRef>
+          <a:fillRef idx="1">
+            <a:schemeClr val="accent1"/>
+          </a:fillRef>
+          <a:effectRef idx="0">
+            <a:schemeClr val="accent1"/>
+          </a:effectRef>
+          <a:fontRef idx="minor">
+            <a:schemeClr val="lt1"/>
+          </a:fontRef>
+        </p:style>
+        <p:txBody>
+          <a:bodyPr lIns="188057" tIns="94029" rIns="188057" bIns="94029" rtlCol="0" anchor="ctr"/>
+          <a:lstStyle>
+            <a:extLst/>
+          </a:lstStyle>
+          <a:p>
+            <a:pPr algn="ctr"/>
+            <a:r>
+              <a:rPr lang="en-US" sz="1600" dirty="0" smtClean="0"/>
+              <a:t>Business Account </a:t>
+            </a:r>
+            <a:r>
+              <a:rPr lang="en-US" sz="1600" dirty="0" smtClean="0"/>
+              <a:t>Manage. </a:t>
+            </a:r>
+            <a:r>
+              <a:rPr lang="en-US" sz="1600" dirty="0" smtClean="0"/>
+              <a:t>Page</a:t>
+            </a:r>
+            <a:endParaRPr lang="en-US" sz="1600" dirty="0" smtClean="0"/>
+          </a:p>
+        </p:txBody>
+      </p:sp>
+      <p:sp>
+        <p:nvSpPr>
+          <p:cNvPr id="16" name="Rounded Rectangle 15"/>
+          <p:cNvSpPr/>
+          <p:nvPr/>
+        </p:nvSpPr>
+        <p:spPr>
+          <a:xfrm>
+            <a:off x="16031240" y="4114800"/>
+            <a:ext cx="1905000" cy="609600"/>
+          </a:xfrm>
+          <a:prstGeom prst="roundRect">
+            <a:avLst>
+              <a:gd name="adj" fmla="val 16667"/>
+            </a:avLst>
+          </a:prstGeom>
+          <a:solidFill>
+            <a:schemeClr val="accent6"/>
+          </a:solidFill>
+          <a:effectLst>
+            <a:outerShdw blurRad="50800" dist="50800" dir="2700000" algn="tl" rotWithShape="0">
+              <a:srgbClr val="000000">
+                <a:alpha val="43137"/>
+              </a:srgbClr>
+            </a:outerShdw>
+          </a:effectLst>
+        </p:spPr>
+        <p:style>
+          <a:lnRef idx="2">
+            <a:schemeClr val="accent1"/>
+          </a:lnRef>
+          <a:fillRef idx="1">
+            <a:schemeClr val="accent1"/>
+          </a:fillRef>
+          <a:effectRef idx="0">
+            <a:schemeClr val="accent1"/>
+          </a:effectRef>
+          <a:fontRef idx="minor">
+            <a:schemeClr val="lt1"/>
+          </a:fontRef>
+        </p:style>
+        <p:txBody>
+          <a:bodyPr lIns="188057" tIns="94029" rIns="188057" bIns="94029" rtlCol="0" anchor="ctr"/>
+          <a:lstStyle>
+            <a:extLst/>
+          </a:lstStyle>
+          <a:p>
+            <a:pPr algn="ctr"/>
+            <a:r>
+              <a:rPr lang="en-US" sz="1600" dirty="0" smtClean="0"/>
+              <a:t>Personal Account Manage. Page</a:t>
+            </a:r>
+            <a:endParaRPr lang="en-US" sz="1600" dirty="0" smtClean="0"/>
+          </a:p>
+        </p:txBody>
+      </p:sp>
+      <p:sp>
+        <p:nvSpPr>
+          <p:cNvPr id="17" name="Rounded Rectangle 16"/>
+          <p:cNvSpPr/>
+          <p:nvPr/>
+        </p:nvSpPr>
+        <p:spPr>
+          <a:xfrm>
+            <a:off x="15987380" y="7924800"/>
+            <a:ext cx="1905000" cy="609600"/>
+          </a:xfrm>
+          <a:prstGeom prst="roundRect">
+            <a:avLst>
+              <a:gd name="adj" fmla="val 16667"/>
+            </a:avLst>
+          </a:prstGeom>
+          <a:solidFill>
+            <a:schemeClr val="accent6"/>
+          </a:solidFill>
+          <a:effectLst>
+            <a:outerShdw blurRad="50800" dist="50800" dir="2700000" algn="tl" rotWithShape="0">
+              <a:srgbClr val="000000">
+                <a:alpha val="43137"/>
+              </a:srgbClr>
+            </a:outerShdw>
+          </a:effectLst>
+        </p:spPr>
+        <p:style>
+          <a:lnRef idx="2">
+            <a:schemeClr val="accent1"/>
+          </a:lnRef>
+          <a:fillRef idx="1">
+            <a:schemeClr val="accent1"/>
+          </a:fillRef>
+          <a:effectRef idx="0">
+            <a:schemeClr val="accent1"/>
+          </a:effectRef>
+          <a:fontRef idx="minor">
+            <a:schemeClr val="lt1"/>
+          </a:fontRef>
+        </p:style>
+        <p:txBody>
+          <a:bodyPr lIns="188057" tIns="94029" rIns="188057" bIns="94029" rtlCol="0" anchor="ctr"/>
+          <a:lstStyle>
+            <a:extLst/>
+          </a:lstStyle>
+          <a:p>
+            <a:pPr algn="ctr"/>
+            <a:r>
+              <a:rPr lang="en-US" sz="1600" dirty="0" smtClean="0"/>
+              <a:t>Region Edit Page</a:t>
+            </a:r>
+            <a:endParaRPr lang="en-US" sz="1600" dirty="0" smtClean="0"/>
+          </a:p>
+        </p:txBody>
+      </p:sp>
+      <p:sp>
+        <p:nvSpPr>
+          <p:cNvPr id="18" name="Rounded Rectangle 17"/>
+          <p:cNvSpPr/>
+          <p:nvPr/>
+        </p:nvSpPr>
+        <p:spPr>
+          <a:xfrm>
+            <a:off x="15987380" y="8686800"/>
+            <a:ext cx="1905000" cy="609600"/>
+          </a:xfrm>
+          <a:prstGeom prst="roundRect">
+            <a:avLst>
+              <a:gd name="adj" fmla="val 16667"/>
+            </a:avLst>
+          </a:prstGeom>
+          <a:solidFill>
+            <a:schemeClr val="accent6"/>
+          </a:solidFill>
+          <a:effectLst>
+            <a:outerShdw blurRad="50800" dist="50800" dir="2700000" algn="tl" rotWithShape="0">
+              <a:srgbClr val="000000">
+                <a:alpha val="43137"/>
+              </a:srgbClr>
+            </a:outerShdw>
+          </a:effectLst>
+        </p:spPr>
+        <p:style>
+          <a:lnRef idx="2">
+            <a:schemeClr val="accent1"/>
+          </a:lnRef>
+          <a:fillRef idx="1">
+            <a:schemeClr val="accent1"/>
+          </a:fillRef>
+          <a:effectRef idx="0">
+            <a:schemeClr val="accent1"/>
+          </a:effectRef>
+          <a:fontRef idx="minor">
+            <a:schemeClr val="lt1"/>
+          </a:fontRef>
+        </p:style>
+        <p:txBody>
+          <a:bodyPr lIns="188057" tIns="94029" rIns="188057" bIns="94029" rtlCol="0" anchor="ctr"/>
+          <a:lstStyle>
+            <a:extLst/>
+          </a:lstStyle>
+          <a:p>
+            <a:pPr algn="ctr"/>
+            <a:r>
+              <a:rPr lang="en-US" sz="1600" dirty="0" smtClean="0"/>
+              <a:t>Region Delete Page</a:t>
+            </a:r>
+            <a:endParaRPr lang="en-US" sz="1600" dirty="0" smtClean="0"/>
+          </a:p>
+        </p:txBody>
+      </p:sp>
+      <p:sp>
+        <p:nvSpPr>
+          <p:cNvPr id="19" name="Rounded Rectangle 18"/>
+          <p:cNvSpPr/>
+          <p:nvPr/>
+        </p:nvSpPr>
+        <p:spPr>
+          <a:xfrm>
+            <a:off x="15987380" y="9448800"/>
+            <a:ext cx="1905000" cy="609600"/>
+          </a:xfrm>
+          <a:prstGeom prst="roundRect">
+            <a:avLst>
+              <a:gd name="adj" fmla="val 16667"/>
+            </a:avLst>
+          </a:prstGeom>
+          <a:solidFill>
+            <a:schemeClr val="accent6"/>
+          </a:solidFill>
+          <a:effectLst>
+            <a:outerShdw blurRad="50800" dist="50800" dir="2700000" algn="tl" rotWithShape="0">
+              <a:srgbClr val="000000">
+                <a:alpha val="43137"/>
+              </a:srgbClr>
+            </a:outerShdw>
+          </a:effectLst>
+        </p:spPr>
+        <p:style>
+          <a:lnRef idx="2">
+            <a:schemeClr val="accent1"/>
+          </a:lnRef>
+          <a:fillRef idx="1">
+            <a:schemeClr val="accent1"/>
+          </a:fillRef>
+          <a:effectRef idx="0">
+            <a:schemeClr val="accent1"/>
+          </a:effectRef>
+          <a:fontRef idx="minor">
+            <a:schemeClr val="lt1"/>
+          </a:fontRef>
+        </p:style>
+        <p:txBody>
+          <a:bodyPr lIns="188057" tIns="94029" rIns="188057" bIns="94029" rtlCol="0" anchor="ctr"/>
+          <a:lstStyle>
+            <a:extLst/>
+          </a:lstStyle>
+          <a:p>
+            <a:pPr algn="ctr"/>
+            <a:r>
+              <a:rPr lang="en-US" sz="1600" dirty="0" smtClean="0"/>
+              <a:t>Location Details Page</a:t>
+            </a:r>
+            <a:endParaRPr lang="en-US" sz="1600" dirty="0" smtClean="0"/>
+          </a:p>
+        </p:txBody>
+      </p:sp>
+      <p:sp>
+        <p:nvSpPr>
+          <p:cNvPr id="20" name="Rounded Rectangle 19"/>
+          <p:cNvSpPr/>
+          <p:nvPr/>
+        </p:nvSpPr>
+        <p:spPr>
+          <a:xfrm>
+            <a:off x="15972760" y="10210800"/>
+            <a:ext cx="1905000" cy="609600"/>
+          </a:xfrm>
+          <a:prstGeom prst="roundRect">
+            <a:avLst>
+              <a:gd name="adj" fmla="val 16667"/>
+            </a:avLst>
+          </a:prstGeom>
+          <a:solidFill>
+            <a:schemeClr val="accent6"/>
+          </a:solidFill>
+          <a:effectLst>
+            <a:outerShdw blurRad="50800" dist="50800" dir="2700000" algn="tl" rotWithShape="0">
+              <a:srgbClr val="000000">
+                <a:alpha val="43137"/>
+              </a:srgbClr>
+            </a:outerShdw>
+          </a:effectLst>
+        </p:spPr>
+        <p:style>
+          <a:lnRef idx="2">
+            <a:schemeClr val="accent1"/>
+          </a:lnRef>
+          <a:fillRef idx="1">
+            <a:schemeClr val="accent1"/>
+          </a:fillRef>
+          <a:effectRef idx="0">
+            <a:schemeClr val="accent1"/>
+          </a:effectRef>
+          <a:fontRef idx="minor">
+            <a:schemeClr val="lt1"/>
+          </a:fontRef>
+        </p:style>
+        <p:txBody>
+          <a:bodyPr lIns="188057" tIns="94029" rIns="188057" bIns="94029" rtlCol="0" anchor="ctr"/>
+          <a:lstStyle>
+            <a:extLst/>
+          </a:lstStyle>
+          <a:p>
+            <a:pPr algn="ctr"/>
+            <a:r>
+              <a:rPr lang="en-US" sz="1600" dirty="0" smtClean="0"/>
+              <a:t>Location Edit Page</a:t>
+            </a:r>
+            <a:endParaRPr lang="en-US" sz="1600" dirty="0" smtClean="0"/>
+          </a:p>
+        </p:txBody>
+      </p:sp>
+      <p:sp>
+        <p:nvSpPr>
+          <p:cNvPr id="21" name="Rounded Rectangle 20"/>
+          <p:cNvSpPr/>
+          <p:nvPr/>
+        </p:nvSpPr>
+        <p:spPr>
+          <a:xfrm>
+            <a:off x="15972760" y="10972800"/>
+            <a:ext cx="1905000" cy="609600"/>
+          </a:xfrm>
+          <a:prstGeom prst="roundRect">
+            <a:avLst>
+              <a:gd name="adj" fmla="val 16667"/>
+            </a:avLst>
+          </a:prstGeom>
+          <a:solidFill>
+            <a:schemeClr val="accent6"/>
+          </a:solidFill>
+          <a:effectLst>
+            <a:outerShdw blurRad="50800" dist="50800" dir="2700000" algn="tl" rotWithShape="0">
+              <a:srgbClr val="000000">
+                <a:alpha val="43137"/>
+              </a:srgbClr>
+            </a:outerShdw>
+          </a:effectLst>
+        </p:spPr>
+        <p:style>
+          <a:lnRef idx="2">
+            <a:schemeClr val="accent1"/>
+          </a:lnRef>
+          <a:fillRef idx="1">
+            <a:schemeClr val="accent1"/>
+          </a:fillRef>
+          <a:effectRef idx="0">
+            <a:schemeClr val="accent1"/>
+          </a:effectRef>
+          <a:fontRef idx="minor">
+            <a:schemeClr val="lt1"/>
+          </a:fontRef>
+        </p:style>
+        <p:txBody>
+          <a:bodyPr lIns="188057" tIns="94029" rIns="188057" bIns="94029" rtlCol="0" anchor="ctr"/>
+          <a:lstStyle>
+            <a:extLst/>
+          </a:lstStyle>
+          <a:p>
+            <a:pPr algn="ctr"/>
+            <a:r>
+              <a:rPr lang="en-US" sz="1600" dirty="0" smtClean="0"/>
+              <a:t>Location Delete Page</a:t>
+            </a:r>
+            <a:endParaRPr lang="en-US" sz="1600" dirty="0" smtClean="0"/>
+          </a:p>
+        </p:txBody>
+      </p:sp>
+      <p:sp>
+        <p:nvSpPr>
+          <p:cNvPr id="22" name="Rounded Rectangle 21"/>
+          <p:cNvSpPr/>
+          <p:nvPr/>
+        </p:nvSpPr>
+        <p:spPr>
+          <a:xfrm>
+            <a:off x="15987380" y="11734800"/>
+            <a:ext cx="1905000" cy="609600"/>
+          </a:xfrm>
+          <a:prstGeom prst="roundRect">
+            <a:avLst>
+              <a:gd name="adj" fmla="val 16667"/>
+            </a:avLst>
+          </a:prstGeom>
+          <a:solidFill>
+            <a:schemeClr val="accent6"/>
+          </a:solidFill>
+          <a:effectLst>
+            <a:outerShdw blurRad="50800" dist="50800" dir="2700000" algn="tl" rotWithShape="0">
+              <a:srgbClr val="000000">
+                <a:alpha val="43137"/>
+              </a:srgbClr>
+            </a:outerShdw>
+          </a:effectLst>
+        </p:spPr>
+        <p:style>
+          <a:lnRef idx="2">
+            <a:schemeClr val="accent1"/>
+          </a:lnRef>
+          <a:fillRef idx="1">
+            <a:schemeClr val="accent1"/>
+          </a:fillRef>
+          <a:effectRef idx="0">
+            <a:schemeClr val="accent1"/>
+          </a:effectRef>
+          <a:fontRef idx="minor">
+            <a:schemeClr val="lt1"/>
+          </a:fontRef>
+        </p:style>
+        <p:txBody>
+          <a:bodyPr lIns="188057" tIns="94029" rIns="188057" bIns="94029" rtlCol="0" anchor="ctr"/>
+          <a:lstStyle>
+            <a:extLst/>
+          </a:lstStyle>
+          <a:p>
+            <a:pPr algn="ctr"/>
+            <a:r>
+              <a:rPr lang="en-US" sz="1600" dirty="0" smtClean="0"/>
+              <a:t>Review Details Page</a:t>
+            </a:r>
+            <a:endParaRPr lang="en-US" sz="1600" dirty="0" smtClean="0"/>
+          </a:p>
+        </p:txBody>
+      </p:sp>
+      <p:sp>
+        <p:nvSpPr>
+          <p:cNvPr id="23" name="Rounded Rectangle 22"/>
+          <p:cNvSpPr/>
+          <p:nvPr/>
+        </p:nvSpPr>
+        <p:spPr>
+          <a:xfrm>
+            <a:off x="15972760" y="12496800"/>
+            <a:ext cx="1905000" cy="609600"/>
+          </a:xfrm>
+          <a:prstGeom prst="roundRect">
+            <a:avLst>
+              <a:gd name="adj" fmla="val 16667"/>
+            </a:avLst>
+          </a:prstGeom>
+          <a:solidFill>
+            <a:schemeClr val="accent6"/>
+          </a:solidFill>
+          <a:effectLst>
+            <a:outerShdw blurRad="50800" dist="50800" dir="2700000" algn="tl" rotWithShape="0">
+              <a:srgbClr val="000000">
+                <a:alpha val="43137"/>
+              </a:srgbClr>
+            </a:outerShdw>
+          </a:effectLst>
+        </p:spPr>
+        <p:style>
+          <a:lnRef idx="2">
+            <a:schemeClr val="accent1"/>
+          </a:lnRef>
+          <a:fillRef idx="1">
+            <a:schemeClr val="accent1"/>
+          </a:fillRef>
+          <a:effectRef idx="0">
+            <a:schemeClr val="accent1"/>
+          </a:effectRef>
+          <a:fontRef idx="minor">
+            <a:schemeClr val="lt1"/>
+          </a:fontRef>
+        </p:style>
+        <p:txBody>
+          <a:bodyPr lIns="188057" tIns="94029" rIns="188057" bIns="94029" rtlCol="0" anchor="ctr"/>
+          <a:lstStyle>
+            <a:extLst/>
+          </a:lstStyle>
+          <a:p>
+            <a:pPr algn="ctr"/>
+            <a:r>
+              <a:rPr lang="en-US" sz="1600" dirty="0" smtClean="0"/>
+              <a:t>Review Edit Page</a:t>
+            </a:r>
+            <a:endParaRPr lang="en-US" sz="1600" dirty="0" smtClean="0"/>
+          </a:p>
+        </p:txBody>
+      </p:sp>
+      <p:sp>
+        <p:nvSpPr>
+          <p:cNvPr id="24" name="Rounded Rectangle 23"/>
+          <p:cNvSpPr/>
+          <p:nvPr/>
+        </p:nvSpPr>
+        <p:spPr>
+          <a:xfrm>
+            <a:off x="15972760" y="13258800"/>
+            <a:ext cx="1905000" cy="609600"/>
+          </a:xfrm>
+          <a:prstGeom prst="roundRect">
+            <a:avLst>
+              <a:gd name="adj" fmla="val 16667"/>
+            </a:avLst>
+          </a:prstGeom>
+          <a:solidFill>
+            <a:schemeClr val="accent6"/>
+          </a:solidFill>
+          <a:effectLst>
+            <a:outerShdw blurRad="50800" dist="50800" dir="2700000" algn="tl" rotWithShape="0">
+              <a:srgbClr val="000000">
+                <a:alpha val="43137"/>
+              </a:srgbClr>
+            </a:outerShdw>
+          </a:effectLst>
+        </p:spPr>
+        <p:style>
+          <a:lnRef idx="2">
+            <a:schemeClr val="accent1"/>
+          </a:lnRef>
+          <a:fillRef idx="1">
+            <a:schemeClr val="accent1"/>
+          </a:fillRef>
+          <a:effectRef idx="0">
+            <a:schemeClr val="accent1"/>
+          </a:effectRef>
+          <a:fontRef idx="minor">
+            <a:schemeClr val="lt1"/>
+          </a:fontRef>
+        </p:style>
+        <p:txBody>
+          <a:bodyPr lIns="188057" tIns="94029" rIns="188057" bIns="94029" rtlCol="0" anchor="ctr"/>
+          <a:lstStyle>
+            <a:extLst/>
+          </a:lstStyle>
+          <a:p>
+            <a:pPr algn="ctr"/>
+            <a:r>
+              <a:rPr lang="en-US" sz="1600" dirty="0" smtClean="0"/>
+              <a:t>Create Review Page</a:t>
+            </a:r>
+            <a:endParaRPr lang="en-US" sz="1600" dirty="0" smtClean="0"/>
+          </a:p>
+        </p:txBody>
+      </p:sp>
+      <p:sp>
+        <p:nvSpPr>
+          <p:cNvPr id="28" name="Rounded Rectangle 27"/>
+          <p:cNvSpPr/>
+          <p:nvPr/>
+        </p:nvSpPr>
+        <p:spPr>
+          <a:xfrm>
+            <a:off x="16002000" y="1066800"/>
+            <a:ext cx="1905000" cy="609600"/>
+          </a:xfrm>
+          <a:prstGeom prst="roundRect">
+            <a:avLst>
+              <a:gd name="adj" fmla="val 16667"/>
+            </a:avLst>
+          </a:prstGeom>
+          <a:solidFill>
+            <a:schemeClr val="accent6"/>
+          </a:solidFill>
+          <a:effectLst>
+            <a:outerShdw blurRad="50800" dist="50800" dir="2700000" algn="tl" rotWithShape="0">
+              <a:srgbClr val="000000">
+                <a:alpha val="43137"/>
+              </a:srgbClr>
+            </a:outerShdw>
+          </a:effectLst>
+        </p:spPr>
+        <p:style>
+          <a:lnRef idx="2">
+            <a:schemeClr val="accent1"/>
+          </a:lnRef>
+          <a:fillRef idx="1">
+            <a:schemeClr val="accent1"/>
+          </a:fillRef>
+          <a:effectRef idx="0">
+            <a:schemeClr val="accent1"/>
+          </a:effectRef>
+          <a:fontRef idx="minor">
+            <a:schemeClr val="lt1"/>
+          </a:fontRef>
+        </p:style>
+        <p:txBody>
+          <a:bodyPr lIns="188057" tIns="94029" rIns="188057" bIns="94029" rtlCol="0" anchor="ctr"/>
+          <a:lstStyle>
+            <a:extLst/>
+          </a:lstStyle>
+          <a:p>
+            <a:pPr algn="ctr"/>
+            <a:r>
+              <a:rPr lang="en-US" sz="1600" dirty="0" smtClean="0"/>
+              <a:t>Search Page</a:t>
+            </a:r>
+            <a:endParaRPr lang="en-US" sz="1600" dirty="0" smtClean="0"/>
+          </a:p>
+        </p:txBody>
+      </p:sp>
+      <p:sp>
+        <p:nvSpPr>
+          <p:cNvPr id="29" name="Rounded Rectangle 28"/>
+          <p:cNvSpPr/>
+          <p:nvPr/>
+        </p:nvSpPr>
+        <p:spPr>
+          <a:xfrm>
+            <a:off x="16002000" y="304800"/>
+            <a:ext cx="1905000" cy="609600"/>
+          </a:xfrm>
+          <a:prstGeom prst="roundRect">
+            <a:avLst>
+              <a:gd name="adj" fmla="val 16667"/>
+            </a:avLst>
+          </a:prstGeom>
+          <a:solidFill>
+            <a:schemeClr val="accent6"/>
+          </a:solidFill>
+          <a:effectLst>
+            <a:outerShdw blurRad="50800" dist="50800" dir="2700000" algn="tl" rotWithShape="0">
+              <a:srgbClr val="000000">
+                <a:alpha val="43137"/>
+              </a:srgbClr>
+            </a:outerShdw>
+          </a:effectLst>
+        </p:spPr>
+        <p:style>
+          <a:lnRef idx="2">
+            <a:schemeClr val="accent1"/>
+          </a:lnRef>
+          <a:fillRef idx="1">
+            <a:schemeClr val="accent1"/>
+          </a:fillRef>
+          <a:effectRef idx="0">
+            <a:schemeClr val="accent1"/>
+          </a:effectRef>
+          <a:fontRef idx="minor">
+            <a:schemeClr val="lt1"/>
+          </a:fontRef>
+        </p:style>
+        <p:txBody>
+          <a:bodyPr lIns="188057" tIns="94029" rIns="188057" bIns="94029" rtlCol="0" anchor="ctr"/>
+          <a:lstStyle>
+            <a:extLst/>
+          </a:lstStyle>
+          <a:p>
+            <a:pPr algn="ctr"/>
+            <a:r>
+              <a:rPr lang="en-US" sz="1600" dirty="0" smtClean="0"/>
+              <a:t>Home Page</a:t>
+            </a:r>
+            <a:endParaRPr lang="en-US" sz="1600" dirty="0" smtClean="0"/>
+          </a:p>
+        </p:txBody>
+      </p:sp>
+      <p:sp>
+        <p:nvSpPr>
+          <p:cNvPr id="32" name="TextBox 31"/>
+          <p:cNvSpPr txBox="1"/>
+          <p:nvPr/>
+        </p:nvSpPr>
+        <p:spPr>
+          <a:xfrm>
+            <a:off x="228600" y="2057400"/>
+            <a:ext cx="2561877" cy="788912"/>
+          </a:xfrm>
+          <a:prstGeom prst="rect">
+            <a:avLst/>
+          </a:prstGeom>
+          <a:ln w="38100">
+            <a:solidFill>
+              <a:schemeClr val="accent2">
+                <a:lumMod val="75000"/>
+              </a:schemeClr>
+            </a:solidFill>
+          </a:ln>
+        </p:spPr>
+        <p:style>
+          <a:lnRef idx="2">
+            <a:schemeClr val="accent1"/>
+          </a:lnRef>
+          <a:fillRef idx="1">
+            <a:schemeClr val="lt1"/>
+          </a:fillRef>
+          <a:effectRef idx="0">
+            <a:schemeClr val="accent1"/>
+          </a:effectRef>
+          <a:fontRef idx="minor">
+            <a:schemeClr val="dk1"/>
+          </a:fontRef>
+        </p:style>
+        <p:txBody>
+          <a:bodyPr wrap="square" lIns="141200" tIns="70601" rIns="141200" bIns="70601" rtlCol="0">
+            <a:spAutoFit/>
+          </a:bodyPr>
+          <a:lstStyle/>
+          <a:p>
+            <a:r>
+              <a:rPr lang="en-US" sz="1400" dirty="0" smtClean="0"/>
+              <a:t>-A  non member enters the site on any page and wants to start </a:t>
+            </a:r>
+            <a:r>
+              <a:rPr lang="en-US" sz="1400" dirty="0" smtClean="0"/>
+              <a:t>a Business account</a:t>
+            </a:r>
+            <a:endParaRPr lang="en-US" sz="1400" dirty="0" smtClean="0"/>
+          </a:p>
+        </p:txBody>
+      </p:sp>
+      <p:sp>
+        <p:nvSpPr>
+          <p:cNvPr id="33" name="TextBox 32"/>
+          <p:cNvSpPr txBox="1"/>
+          <p:nvPr/>
+        </p:nvSpPr>
+        <p:spPr>
+          <a:xfrm>
+            <a:off x="228600" y="2971800"/>
+            <a:ext cx="2561877" cy="788912"/>
+          </a:xfrm>
+          <a:prstGeom prst="rect">
+            <a:avLst/>
+          </a:prstGeom>
+          <a:ln w="38100">
+            <a:solidFill>
+              <a:schemeClr val="accent6"/>
+            </a:solidFill>
+          </a:ln>
+        </p:spPr>
+        <p:style>
+          <a:lnRef idx="2">
+            <a:schemeClr val="accent1"/>
+          </a:lnRef>
+          <a:fillRef idx="1">
+            <a:schemeClr val="lt1"/>
+          </a:fillRef>
+          <a:effectRef idx="0">
+            <a:schemeClr val="accent1"/>
+          </a:effectRef>
+          <a:fontRef idx="minor">
+            <a:schemeClr val="dk1"/>
+          </a:fontRef>
+        </p:style>
+        <p:txBody>
+          <a:bodyPr wrap="square" lIns="141200" tIns="70601" rIns="141200" bIns="70601" rtlCol="0">
+            <a:spAutoFit/>
+          </a:bodyPr>
+          <a:lstStyle/>
+          <a:p>
+            <a:r>
+              <a:rPr lang="en-US" sz="1400" dirty="0" smtClean="0"/>
+              <a:t>-A  </a:t>
+            </a:r>
+            <a:r>
+              <a:rPr lang="en-US" sz="1400" dirty="0" smtClean="0"/>
+              <a:t>Business member enters the site and want to buy a sponsors package.</a:t>
+            </a:r>
+            <a:endParaRPr lang="en-US" sz="1400" dirty="0" smtClean="0"/>
+          </a:p>
+        </p:txBody>
+      </p:sp>
+      <p:sp>
+        <p:nvSpPr>
+          <p:cNvPr id="34" name="Rounded Rectangle 33"/>
+          <p:cNvSpPr/>
+          <p:nvPr/>
+        </p:nvSpPr>
+        <p:spPr>
+          <a:xfrm>
+            <a:off x="16002000" y="1828800"/>
+            <a:ext cx="1905000" cy="609600"/>
+          </a:xfrm>
+          <a:prstGeom prst="roundRect">
+            <a:avLst>
+              <a:gd name="adj" fmla="val 16667"/>
+            </a:avLst>
+          </a:prstGeom>
+          <a:solidFill>
+            <a:schemeClr val="accent6"/>
+          </a:solidFill>
+          <a:effectLst>
+            <a:outerShdw blurRad="50800" dist="50800" dir="2700000" algn="tl" rotWithShape="0">
+              <a:srgbClr val="000000">
+                <a:alpha val="43137"/>
+              </a:srgbClr>
+            </a:outerShdw>
+          </a:effectLst>
+        </p:spPr>
+        <p:style>
+          <a:lnRef idx="2">
+            <a:schemeClr val="accent1"/>
+          </a:lnRef>
+          <a:fillRef idx="1">
+            <a:schemeClr val="accent1"/>
+          </a:fillRef>
+          <a:effectRef idx="0">
+            <a:schemeClr val="accent1"/>
+          </a:effectRef>
+          <a:fontRef idx="minor">
+            <a:schemeClr val="lt1"/>
+          </a:fontRef>
+        </p:style>
+        <p:txBody>
+          <a:bodyPr lIns="188057" tIns="94029" rIns="188057" bIns="94029" rtlCol="0" anchor="ctr"/>
+          <a:lstStyle>
+            <a:extLst/>
+          </a:lstStyle>
+          <a:p>
+            <a:pPr algn="ctr"/>
+            <a:r>
+              <a:rPr lang="en-US" sz="1600" dirty="0" smtClean="0"/>
+              <a:t>Personal Registration Page</a:t>
+            </a:r>
+            <a:endParaRPr lang="en-US" sz="1600" dirty="0" smtClean="0"/>
+          </a:p>
+        </p:txBody>
+      </p:sp>
+      <p:sp>
+        <p:nvSpPr>
+          <p:cNvPr id="35" name="Rounded Rectangle 34"/>
+          <p:cNvSpPr/>
+          <p:nvPr/>
+        </p:nvSpPr>
+        <p:spPr>
+          <a:xfrm>
+            <a:off x="16002000" y="2590800"/>
+            <a:ext cx="1905000" cy="609600"/>
+          </a:xfrm>
+          <a:prstGeom prst="roundRect">
+            <a:avLst>
+              <a:gd name="adj" fmla="val 16667"/>
+            </a:avLst>
+          </a:prstGeom>
+          <a:solidFill>
+            <a:schemeClr val="accent6"/>
+          </a:solidFill>
+          <a:effectLst>
+            <a:outerShdw blurRad="50800" dist="50800" dir="2700000" algn="tl" rotWithShape="0">
+              <a:srgbClr val="000000">
+                <a:alpha val="43137"/>
+              </a:srgbClr>
+            </a:outerShdw>
+          </a:effectLst>
+        </p:spPr>
+        <p:style>
+          <a:lnRef idx="2">
+            <a:schemeClr val="accent1"/>
+          </a:lnRef>
+          <a:fillRef idx="1">
+            <a:schemeClr val="accent1"/>
+          </a:fillRef>
+          <a:effectRef idx="0">
+            <a:schemeClr val="accent1"/>
+          </a:effectRef>
+          <a:fontRef idx="minor">
+            <a:schemeClr val="lt1"/>
+          </a:fontRef>
+        </p:style>
+        <p:txBody>
+          <a:bodyPr lIns="188057" tIns="94029" rIns="188057" bIns="94029" rtlCol="0" anchor="ctr"/>
+          <a:lstStyle>
+            <a:extLst/>
+          </a:lstStyle>
+          <a:p>
+            <a:pPr algn="ctr"/>
+            <a:r>
+              <a:rPr lang="en-US" sz="1600" dirty="0" smtClean="0"/>
+              <a:t>Business Registration Page</a:t>
+            </a:r>
+            <a:endParaRPr lang="en-US" sz="1600" dirty="0" smtClean="0"/>
+          </a:p>
+        </p:txBody>
+      </p:sp>
+      <p:sp>
+        <p:nvSpPr>
+          <p:cNvPr id="45" name="Rounded Rectangle 44"/>
+          <p:cNvSpPr/>
+          <p:nvPr/>
+        </p:nvSpPr>
+        <p:spPr>
+          <a:xfrm>
+            <a:off x="16002000" y="6400800"/>
+            <a:ext cx="1905000" cy="609600"/>
+          </a:xfrm>
+          <a:prstGeom prst="roundRect">
+            <a:avLst>
+              <a:gd name="adj" fmla="val 16667"/>
+            </a:avLst>
+          </a:prstGeom>
+          <a:solidFill>
+            <a:schemeClr val="accent6"/>
+          </a:solidFill>
+          <a:effectLst>
+            <a:outerShdw blurRad="50800" dist="50800" dir="2700000" algn="tl" rotWithShape="0">
+              <a:srgbClr val="000000">
+                <a:alpha val="43137"/>
+              </a:srgbClr>
+            </a:outerShdw>
+          </a:effectLst>
+        </p:spPr>
+        <p:style>
+          <a:lnRef idx="2">
+            <a:schemeClr val="accent1"/>
+          </a:lnRef>
+          <a:fillRef idx="1">
+            <a:schemeClr val="accent1"/>
+          </a:fillRef>
+          <a:effectRef idx="0">
+            <a:schemeClr val="accent1"/>
+          </a:effectRef>
+          <a:fontRef idx="minor">
+            <a:schemeClr val="lt1"/>
+          </a:fontRef>
+        </p:style>
+        <p:txBody>
+          <a:bodyPr lIns="188057" tIns="94029" rIns="188057" bIns="94029" rtlCol="0" anchor="ctr"/>
+          <a:lstStyle>
+            <a:extLst/>
+          </a:lstStyle>
+          <a:p>
+            <a:pPr algn="ctr"/>
+            <a:r>
+              <a:rPr lang="en-US" sz="1600" dirty="0" smtClean="0"/>
+              <a:t>Business </a:t>
+            </a:r>
+            <a:r>
+              <a:rPr lang="en-US" sz="1600" dirty="0" smtClean="0"/>
+              <a:t>Sponsor </a:t>
+            </a:r>
+            <a:r>
+              <a:rPr lang="en-US" sz="1600" dirty="0" smtClean="0"/>
+              <a:t>Page</a:t>
+            </a:r>
+            <a:endParaRPr lang="en-US" sz="1600" dirty="0" smtClean="0"/>
+          </a:p>
+        </p:txBody>
+      </p:sp>
+      <p:sp>
+        <p:nvSpPr>
+          <p:cNvPr id="59" name="Rounded Rectangle 58"/>
+          <p:cNvSpPr/>
+          <p:nvPr/>
+        </p:nvSpPr>
+        <p:spPr>
+          <a:xfrm>
+            <a:off x="4953000" y="2667000"/>
+            <a:ext cx="1905000" cy="609600"/>
+          </a:xfrm>
+          <a:prstGeom prst="roundRect">
+            <a:avLst>
+              <a:gd name="adj" fmla="val 16667"/>
+            </a:avLst>
+          </a:prstGeom>
+          <a:solidFill>
+            <a:schemeClr val="accent6"/>
+          </a:solidFill>
+          <a:effectLst>
+            <a:outerShdw blurRad="50800" dist="50800" dir="2700000" algn="tl" rotWithShape="0">
+              <a:srgbClr val="000000">
+                <a:alpha val="43137"/>
+              </a:srgbClr>
+            </a:outerShdw>
+          </a:effectLst>
+        </p:spPr>
+        <p:style>
+          <a:lnRef idx="2">
+            <a:schemeClr val="accent1"/>
+          </a:lnRef>
+          <a:fillRef idx="1">
+            <a:schemeClr val="accent1"/>
+          </a:fillRef>
+          <a:effectRef idx="0">
+            <a:schemeClr val="accent1"/>
+          </a:effectRef>
+          <a:fontRef idx="minor">
+            <a:schemeClr val="lt1"/>
+          </a:fontRef>
+        </p:style>
+        <p:txBody>
+          <a:bodyPr lIns="188057" tIns="94029" rIns="188057" bIns="94029" rtlCol="0" anchor="ctr"/>
+          <a:lstStyle>
+            <a:extLst/>
+          </a:lstStyle>
+          <a:p>
+            <a:pPr algn="ctr"/>
+            <a:r>
+              <a:rPr lang="en-US" sz="1600" dirty="0" smtClean="0"/>
+              <a:t>Login Page</a:t>
+            </a:r>
+            <a:endParaRPr lang="en-US" sz="1600" dirty="0" smtClean="0"/>
+          </a:p>
+        </p:txBody>
+      </p:sp>
+      <p:sp>
+        <p:nvSpPr>
+          <p:cNvPr id="61" name="Rounded Rectangle 60"/>
+          <p:cNvSpPr/>
+          <p:nvPr/>
+        </p:nvSpPr>
+        <p:spPr>
+          <a:xfrm>
+            <a:off x="4906040" y="990600"/>
+            <a:ext cx="1905000" cy="609600"/>
+          </a:xfrm>
+          <a:prstGeom prst="roundRect">
+            <a:avLst>
+              <a:gd name="adj" fmla="val 16667"/>
+            </a:avLst>
+          </a:prstGeom>
+          <a:solidFill>
+            <a:schemeClr val="accent6"/>
+          </a:solidFill>
+          <a:effectLst>
+            <a:outerShdw blurRad="50800" dist="50800" dir="2700000" algn="tl" rotWithShape="0">
+              <a:srgbClr val="000000">
+                <a:alpha val="43137"/>
+              </a:srgbClr>
+            </a:outerShdw>
+          </a:effectLst>
+        </p:spPr>
+        <p:style>
+          <a:lnRef idx="2">
+            <a:schemeClr val="accent1"/>
+          </a:lnRef>
+          <a:fillRef idx="1">
+            <a:schemeClr val="accent1"/>
+          </a:fillRef>
+          <a:effectRef idx="0">
+            <a:schemeClr val="accent1"/>
+          </a:effectRef>
+          <a:fontRef idx="minor">
+            <a:schemeClr val="lt1"/>
+          </a:fontRef>
+        </p:style>
+        <p:txBody>
+          <a:bodyPr lIns="188057" tIns="94029" rIns="188057" bIns="94029" rtlCol="0" anchor="ctr"/>
+          <a:lstStyle>
+            <a:extLst/>
+          </a:lstStyle>
+          <a:p>
+            <a:pPr algn="ctr"/>
+            <a:r>
+              <a:rPr lang="en-US" sz="1600" dirty="0" smtClean="0"/>
+              <a:t>Personal Registration Page</a:t>
+            </a:r>
+            <a:endParaRPr lang="en-US" sz="1600" dirty="0" smtClean="0"/>
+          </a:p>
+        </p:txBody>
+      </p:sp>
+      <p:sp>
+        <p:nvSpPr>
+          <p:cNvPr id="62" name="Rounded Rectangle 61"/>
+          <p:cNvSpPr/>
+          <p:nvPr/>
+        </p:nvSpPr>
+        <p:spPr>
+          <a:xfrm>
+            <a:off x="4906040" y="1828800"/>
+            <a:ext cx="1905000" cy="609600"/>
+          </a:xfrm>
+          <a:prstGeom prst="roundRect">
+            <a:avLst>
+              <a:gd name="adj" fmla="val 16667"/>
+            </a:avLst>
+          </a:prstGeom>
+          <a:solidFill>
+            <a:schemeClr val="accent6"/>
+          </a:solidFill>
+          <a:effectLst>
+            <a:outerShdw blurRad="50800" dist="50800" dir="2700000" algn="tl" rotWithShape="0">
+              <a:srgbClr val="000000">
+                <a:alpha val="43137"/>
+              </a:srgbClr>
+            </a:outerShdw>
+          </a:effectLst>
+        </p:spPr>
+        <p:style>
+          <a:lnRef idx="2">
+            <a:schemeClr val="accent1"/>
+          </a:lnRef>
+          <a:fillRef idx="1">
+            <a:schemeClr val="accent1"/>
+          </a:fillRef>
+          <a:effectRef idx="0">
+            <a:schemeClr val="accent1"/>
+          </a:effectRef>
+          <a:fontRef idx="minor">
+            <a:schemeClr val="lt1"/>
+          </a:fontRef>
+        </p:style>
+        <p:txBody>
+          <a:bodyPr lIns="188057" tIns="94029" rIns="188057" bIns="94029" rtlCol="0" anchor="ctr"/>
+          <a:lstStyle>
+            <a:extLst/>
+          </a:lstStyle>
+          <a:p>
+            <a:pPr algn="ctr"/>
+            <a:r>
+              <a:rPr lang="en-US" sz="1600" dirty="0" smtClean="0"/>
+              <a:t>Business Registration Page</a:t>
+            </a:r>
+            <a:endParaRPr lang="en-US" sz="1600" dirty="0" smtClean="0"/>
+          </a:p>
+        </p:txBody>
+      </p:sp>
+      <p:sp>
+        <p:nvSpPr>
+          <p:cNvPr id="64" name="TextBox 63"/>
+          <p:cNvSpPr txBox="1"/>
+          <p:nvPr/>
+        </p:nvSpPr>
+        <p:spPr>
+          <a:xfrm>
+            <a:off x="228600" y="228600"/>
+            <a:ext cx="3276600" cy="338554"/>
+          </a:xfrm>
+          <a:prstGeom prst="rect">
+            <a:avLst/>
+          </a:prstGeom>
+          <a:noFill/>
+        </p:spPr>
+        <p:txBody>
+          <a:bodyPr wrap="square" rtlCol="0">
+            <a:spAutoFit/>
+          </a:bodyPr>
+          <a:lstStyle/>
+          <a:p>
+            <a:r>
+              <a:rPr lang="en-US" sz="1600" dirty="0" smtClean="0"/>
+              <a:t>All start not signed in</a:t>
+            </a:r>
+            <a:endParaRPr lang="en-US" sz="1600" dirty="0"/>
+          </a:p>
+        </p:txBody>
+      </p:sp>
+      <p:sp>
+        <p:nvSpPr>
+          <p:cNvPr id="65" name="Rounded Rectangle 64"/>
+          <p:cNvSpPr/>
+          <p:nvPr/>
+        </p:nvSpPr>
+        <p:spPr>
+          <a:xfrm>
+            <a:off x="7848600" y="990600"/>
+            <a:ext cx="1905000" cy="609600"/>
+          </a:xfrm>
+          <a:prstGeom prst="roundRect">
+            <a:avLst>
+              <a:gd name="adj" fmla="val 16667"/>
+            </a:avLst>
+          </a:prstGeom>
+          <a:solidFill>
+            <a:schemeClr val="accent6"/>
+          </a:solidFill>
+          <a:effectLst>
+            <a:outerShdw blurRad="50800" dist="50800" dir="2700000" algn="tl" rotWithShape="0">
+              <a:srgbClr val="000000">
+                <a:alpha val="43137"/>
+              </a:srgbClr>
+            </a:outerShdw>
+          </a:effectLst>
+        </p:spPr>
+        <p:style>
+          <a:lnRef idx="2">
+            <a:schemeClr val="accent1"/>
+          </a:lnRef>
+          <a:fillRef idx="1">
+            <a:schemeClr val="accent1"/>
+          </a:fillRef>
+          <a:effectRef idx="0">
+            <a:schemeClr val="accent1"/>
+          </a:effectRef>
+          <a:fontRef idx="minor">
+            <a:schemeClr val="lt1"/>
+          </a:fontRef>
+        </p:style>
+        <p:txBody>
+          <a:bodyPr lIns="188057" tIns="94029" rIns="188057" bIns="94029" rtlCol="0" anchor="ctr"/>
+          <a:lstStyle>
+            <a:extLst/>
+          </a:lstStyle>
+          <a:p>
+            <a:pPr algn="ctr"/>
+            <a:r>
+              <a:rPr lang="en-US" sz="1600" dirty="0" smtClean="0"/>
+              <a:t>Personal Profile Page</a:t>
+            </a:r>
+            <a:endParaRPr lang="en-US" sz="1600" dirty="0" smtClean="0"/>
+          </a:p>
+        </p:txBody>
+      </p:sp>
+      <p:sp>
+        <p:nvSpPr>
+          <p:cNvPr id="68" name="Rounded Rectangle 67"/>
+          <p:cNvSpPr/>
+          <p:nvPr/>
+        </p:nvSpPr>
+        <p:spPr>
+          <a:xfrm>
+            <a:off x="7924800" y="2667000"/>
+            <a:ext cx="1905000" cy="609600"/>
+          </a:xfrm>
+          <a:prstGeom prst="roundRect">
+            <a:avLst>
+              <a:gd name="adj" fmla="val 16667"/>
+            </a:avLst>
+          </a:prstGeom>
+          <a:solidFill>
+            <a:schemeClr val="accent6"/>
+          </a:solidFill>
+          <a:effectLst>
+            <a:outerShdw blurRad="50800" dist="50800" dir="2700000" algn="tl" rotWithShape="0">
+              <a:srgbClr val="000000">
+                <a:alpha val="43137"/>
+              </a:srgbClr>
+            </a:outerShdw>
+          </a:effectLst>
+        </p:spPr>
+        <p:style>
+          <a:lnRef idx="2">
+            <a:schemeClr val="accent1"/>
+          </a:lnRef>
+          <a:fillRef idx="1">
+            <a:schemeClr val="accent1"/>
+          </a:fillRef>
+          <a:effectRef idx="0">
+            <a:schemeClr val="accent1"/>
+          </a:effectRef>
+          <a:fontRef idx="minor">
+            <a:schemeClr val="lt1"/>
+          </a:fontRef>
+        </p:style>
+        <p:txBody>
+          <a:bodyPr lIns="188057" tIns="94029" rIns="188057" bIns="94029" rtlCol="0" anchor="ctr"/>
+          <a:lstStyle>
+            <a:extLst/>
+          </a:lstStyle>
+          <a:p>
+            <a:pPr algn="ctr"/>
+            <a:r>
+              <a:rPr lang="en-US" sz="1600" dirty="0" smtClean="0"/>
+              <a:t>Business Account </a:t>
+            </a:r>
+            <a:r>
+              <a:rPr lang="en-US" sz="1600" dirty="0" smtClean="0"/>
+              <a:t>Manage. </a:t>
+            </a:r>
+            <a:r>
+              <a:rPr lang="en-US" sz="1600" dirty="0" smtClean="0"/>
+              <a:t>Page</a:t>
+            </a:r>
+            <a:endParaRPr lang="en-US" sz="1600" dirty="0" smtClean="0"/>
+          </a:p>
+        </p:txBody>
+      </p:sp>
+      <p:sp>
+        <p:nvSpPr>
+          <p:cNvPr id="82" name="Rounded Rectangle 81"/>
+          <p:cNvSpPr/>
+          <p:nvPr/>
+        </p:nvSpPr>
+        <p:spPr>
+          <a:xfrm>
+            <a:off x="7877840" y="1828800"/>
+            <a:ext cx="1905000" cy="609600"/>
+          </a:xfrm>
+          <a:prstGeom prst="roundRect">
+            <a:avLst>
+              <a:gd name="adj" fmla="val 16667"/>
+            </a:avLst>
+          </a:prstGeom>
+          <a:solidFill>
+            <a:schemeClr val="accent6"/>
+          </a:solidFill>
+          <a:effectLst>
+            <a:outerShdw blurRad="50800" dist="50800" dir="2700000" algn="tl" rotWithShape="0">
+              <a:srgbClr val="000000">
+                <a:alpha val="43137"/>
+              </a:srgbClr>
+            </a:outerShdw>
+          </a:effectLst>
+        </p:spPr>
+        <p:style>
+          <a:lnRef idx="2">
+            <a:schemeClr val="accent1"/>
+          </a:lnRef>
+          <a:fillRef idx="1">
+            <a:schemeClr val="accent1"/>
+          </a:fillRef>
+          <a:effectRef idx="0">
+            <a:schemeClr val="accent1"/>
+          </a:effectRef>
+          <a:fontRef idx="minor">
+            <a:schemeClr val="lt1"/>
+          </a:fontRef>
+        </p:style>
+        <p:txBody>
+          <a:bodyPr lIns="188057" tIns="94029" rIns="188057" bIns="94029" rtlCol="0" anchor="ctr"/>
+          <a:lstStyle>
+            <a:extLst/>
+          </a:lstStyle>
+          <a:p>
+            <a:pPr algn="ctr"/>
+            <a:r>
+              <a:rPr lang="en-US" sz="1600" dirty="0" smtClean="0"/>
+              <a:t>Business </a:t>
+            </a:r>
+            <a:r>
+              <a:rPr lang="en-US" sz="1600" dirty="0" smtClean="0"/>
+              <a:t>Sponsor </a:t>
+            </a:r>
+            <a:r>
+              <a:rPr lang="en-US" sz="1600" dirty="0" smtClean="0"/>
+              <a:t>Page</a:t>
+            </a:r>
+            <a:endParaRPr lang="en-US" sz="1600" dirty="0" smtClean="0"/>
+          </a:p>
+        </p:txBody>
+      </p:sp>
+      <p:sp>
+        <p:nvSpPr>
+          <p:cNvPr id="84" name="Rounded Rectangle 83"/>
+          <p:cNvSpPr/>
+          <p:nvPr/>
+        </p:nvSpPr>
+        <p:spPr>
+          <a:xfrm>
+            <a:off x="10955080" y="1828800"/>
+            <a:ext cx="1905000" cy="609600"/>
+          </a:xfrm>
+          <a:prstGeom prst="roundRect">
+            <a:avLst>
+              <a:gd name="adj" fmla="val 16667"/>
+            </a:avLst>
+          </a:prstGeom>
+          <a:solidFill>
+            <a:schemeClr val="accent6"/>
+          </a:solidFill>
+          <a:effectLst>
+            <a:outerShdw blurRad="50800" dist="50800" dir="2700000" algn="tl" rotWithShape="0">
+              <a:srgbClr val="000000">
+                <a:alpha val="43137"/>
+              </a:srgbClr>
+            </a:outerShdw>
+          </a:effectLst>
+        </p:spPr>
+        <p:style>
+          <a:lnRef idx="2">
+            <a:schemeClr val="accent1"/>
+          </a:lnRef>
+          <a:fillRef idx="1">
+            <a:schemeClr val="accent1"/>
+          </a:fillRef>
+          <a:effectRef idx="0">
+            <a:schemeClr val="accent1"/>
+          </a:effectRef>
+          <a:fontRef idx="minor">
+            <a:schemeClr val="lt1"/>
+          </a:fontRef>
+        </p:style>
+        <p:txBody>
+          <a:bodyPr lIns="188057" tIns="94029" rIns="188057" bIns="94029" rtlCol="0" anchor="ctr"/>
+          <a:lstStyle>
+            <a:extLst/>
+          </a:lstStyle>
+          <a:p>
+            <a:pPr algn="ctr"/>
+            <a:r>
+              <a:rPr lang="en-US" sz="1600" dirty="0" smtClean="0"/>
+              <a:t>Business Profile Page</a:t>
+            </a:r>
+            <a:endParaRPr lang="en-US" sz="1600" dirty="0" smtClean="0"/>
+          </a:p>
+        </p:txBody>
+      </p:sp>
+      <p:sp>
+        <p:nvSpPr>
+          <p:cNvPr id="95" name="Rounded Rectangle 94"/>
+          <p:cNvSpPr/>
+          <p:nvPr/>
+        </p:nvSpPr>
+        <p:spPr>
+          <a:xfrm>
+            <a:off x="10896600" y="990600"/>
+            <a:ext cx="1905000" cy="609600"/>
+          </a:xfrm>
+          <a:prstGeom prst="roundRect">
+            <a:avLst>
+              <a:gd name="adj" fmla="val 16667"/>
+            </a:avLst>
+          </a:prstGeom>
+          <a:solidFill>
+            <a:schemeClr val="accent6"/>
+          </a:solidFill>
+          <a:effectLst>
+            <a:outerShdw blurRad="50800" dist="50800" dir="2700000" algn="tl" rotWithShape="0">
+              <a:srgbClr val="000000">
+                <a:alpha val="43137"/>
+              </a:srgbClr>
+            </a:outerShdw>
+          </a:effectLst>
+        </p:spPr>
+        <p:style>
+          <a:lnRef idx="2">
+            <a:schemeClr val="accent1"/>
+          </a:lnRef>
+          <a:fillRef idx="1">
+            <a:schemeClr val="accent1"/>
+          </a:fillRef>
+          <a:effectRef idx="0">
+            <a:schemeClr val="accent1"/>
+          </a:effectRef>
+          <a:fontRef idx="minor">
+            <a:schemeClr val="lt1"/>
+          </a:fontRef>
+        </p:style>
+        <p:txBody>
+          <a:bodyPr lIns="188057" tIns="94029" rIns="188057" bIns="94029" rtlCol="0" anchor="ctr"/>
+          <a:lstStyle>
+            <a:extLst/>
+          </a:lstStyle>
+          <a:p>
+            <a:pPr algn="ctr"/>
+            <a:r>
+              <a:rPr lang="en-US" sz="1600" dirty="0" smtClean="0"/>
+              <a:t>Create Review Page</a:t>
+            </a:r>
+            <a:endParaRPr lang="en-US" sz="1600" dirty="0" smtClean="0"/>
+          </a:p>
+        </p:txBody>
+      </p:sp>
+      <p:sp>
+        <p:nvSpPr>
+          <p:cNvPr id="100" name="Rounded Rectangle 99"/>
+          <p:cNvSpPr/>
+          <p:nvPr/>
+        </p:nvSpPr>
+        <p:spPr>
+          <a:xfrm>
+            <a:off x="10925840" y="2667000"/>
+            <a:ext cx="1905000" cy="609600"/>
+          </a:xfrm>
+          <a:prstGeom prst="roundRect">
+            <a:avLst>
+              <a:gd name="adj" fmla="val 16667"/>
+            </a:avLst>
+          </a:prstGeom>
+          <a:solidFill>
+            <a:schemeClr val="accent6"/>
+          </a:solidFill>
+          <a:effectLst>
+            <a:outerShdw blurRad="50800" dist="50800" dir="2700000" algn="tl" rotWithShape="0">
+              <a:srgbClr val="000000">
+                <a:alpha val="43137"/>
+              </a:srgbClr>
+            </a:outerShdw>
+          </a:effectLst>
+        </p:spPr>
+        <p:style>
+          <a:lnRef idx="2">
+            <a:schemeClr val="accent1"/>
+          </a:lnRef>
+          <a:fillRef idx="1">
+            <a:schemeClr val="accent1"/>
+          </a:fillRef>
+          <a:effectRef idx="0">
+            <a:schemeClr val="accent1"/>
+          </a:effectRef>
+          <a:fontRef idx="minor">
+            <a:schemeClr val="lt1"/>
+          </a:fontRef>
+        </p:style>
+        <p:txBody>
+          <a:bodyPr lIns="188057" tIns="94029" rIns="188057" bIns="94029" rtlCol="0" anchor="ctr"/>
+          <a:lstStyle>
+            <a:extLst/>
+          </a:lstStyle>
+          <a:p>
+            <a:pPr algn="ctr"/>
+            <a:r>
+              <a:rPr lang="en-US" sz="1600" dirty="0" smtClean="0"/>
+              <a:t>Business </a:t>
+            </a:r>
+            <a:r>
+              <a:rPr lang="en-US" sz="1600" dirty="0" smtClean="0"/>
+              <a:t>Sponsor </a:t>
+            </a:r>
+            <a:r>
+              <a:rPr lang="en-US" sz="1600" dirty="0" smtClean="0"/>
+              <a:t>Page</a:t>
+            </a:r>
+            <a:endParaRPr lang="en-US" sz="1600" dirty="0" smtClean="0"/>
+          </a:p>
+        </p:txBody>
+      </p:sp>
+      <p:sp>
+        <p:nvSpPr>
+          <p:cNvPr id="111" name="Rounded Rectangle 110"/>
+          <p:cNvSpPr/>
+          <p:nvPr/>
+        </p:nvSpPr>
+        <p:spPr>
+          <a:xfrm>
+            <a:off x="13425820" y="990600"/>
+            <a:ext cx="1905000" cy="609600"/>
+          </a:xfrm>
+          <a:prstGeom prst="roundRect">
+            <a:avLst>
+              <a:gd name="adj" fmla="val 16667"/>
+            </a:avLst>
+          </a:prstGeom>
+          <a:solidFill>
+            <a:schemeClr val="accent6"/>
+          </a:solidFill>
+          <a:effectLst>
+            <a:outerShdw blurRad="50800" dist="50800" dir="2700000" algn="tl" rotWithShape="0">
+              <a:srgbClr val="000000">
+                <a:alpha val="43137"/>
+              </a:srgbClr>
+            </a:outerShdw>
+          </a:effectLst>
+        </p:spPr>
+        <p:style>
+          <a:lnRef idx="2">
+            <a:schemeClr val="accent1"/>
+          </a:lnRef>
+          <a:fillRef idx="1">
+            <a:schemeClr val="accent1"/>
+          </a:fillRef>
+          <a:effectRef idx="0">
+            <a:schemeClr val="accent1"/>
+          </a:effectRef>
+          <a:fontRef idx="minor">
+            <a:schemeClr val="lt1"/>
+          </a:fontRef>
+        </p:style>
+        <p:txBody>
+          <a:bodyPr lIns="188057" tIns="94029" rIns="188057" bIns="94029" rtlCol="0" anchor="ctr"/>
+          <a:lstStyle>
+            <a:extLst/>
+          </a:lstStyle>
+          <a:p>
+            <a:pPr algn="ctr"/>
+            <a:r>
+              <a:rPr lang="en-US" sz="1600" dirty="0" smtClean="0"/>
+              <a:t>Review Details Page</a:t>
+            </a:r>
+            <a:endParaRPr lang="en-US" sz="1600" dirty="0" smtClean="0"/>
+          </a:p>
+        </p:txBody>
+      </p:sp>
+      <p:cxnSp>
+        <p:nvCxnSpPr>
+          <p:cNvPr id="120" name="Elbow Connector 119"/>
+          <p:cNvCxnSpPr>
+            <a:stCxn id="4" idx="3"/>
+            <a:endCxn id="61" idx="1"/>
+          </p:cNvCxnSpPr>
+          <p:nvPr/>
+        </p:nvCxnSpPr>
+        <p:spPr>
+          <a:xfrm flipV="1">
+            <a:off x="2805097" y="1295400"/>
+            <a:ext cx="2100943" cy="250028"/>
+          </a:xfrm>
+          <a:prstGeom prst="bentConnector3">
+            <a:avLst>
+              <a:gd name="adj1" fmla="val 50000"/>
+            </a:avLst>
+          </a:prstGeom>
+          <a:ln w="38100">
+            <a:solidFill>
+              <a:schemeClr val="accent1">
+                <a:lumMod val="50000"/>
+              </a:schemeClr>
+            </a:solidFill>
+            <a:tailEnd type="arrow"/>
+          </a:ln>
+        </p:spPr>
+        <p:style>
+          <a:lnRef idx="1">
+            <a:schemeClr val="accent1"/>
+          </a:lnRef>
+          <a:fillRef idx="0">
+            <a:schemeClr val="accent1"/>
+          </a:fillRef>
+          <a:effectRef idx="0">
+            <a:schemeClr val="accent1"/>
+          </a:effectRef>
+          <a:fontRef idx="minor">
+            <a:schemeClr val="tx1"/>
+          </a:fontRef>
+        </p:style>
+      </p:cxnSp>
+      <p:cxnSp>
+        <p:nvCxnSpPr>
+          <p:cNvPr id="124" name="Shape 123"/>
+          <p:cNvCxnSpPr>
+            <a:stCxn id="65" idx="3"/>
+            <a:endCxn id="95" idx="1"/>
+          </p:cNvCxnSpPr>
+          <p:nvPr/>
+        </p:nvCxnSpPr>
+        <p:spPr>
+          <a:xfrm>
+            <a:off x="9753600" y="1295400"/>
+            <a:ext cx="1143000" cy="12700"/>
+          </a:xfrm>
+          <a:prstGeom prst="bentConnector3">
+            <a:avLst>
+              <a:gd name="adj1" fmla="val 50000"/>
+            </a:avLst>
+          </a:prstGeom>
+          <a:ln w="38100">
+            <a:solidFill>
+              <a:schemeClr val="accent1">
+                <a:lumMod val="50000"/>
+              </a:schemeClr>
+            </a:solidFill>
+            <a:tailEnd type="arrow"/>
+          </a:ln>
+        </p:spPr>
+        <p:style>
+          <a:lnRef idx="1">
+            <a:schemeClr val="accent1"/>
+          </a:lnRef>
+          <a:fillRef idx="0">
+            <a:schemeClr val="accent1"/>
+          </a:fillRef>
+          <a:effectRef idx="0">
+            <a:schemeClr val="accent1"/>
+          </a:effectRef>
+          <a:fontRef idx="minor">
+            <a:schemeClr val="tx1"/>
+          </a:fontRef>
+        </p:style>
+      </p:cxnSp>
+      <p:cxnSp>
+        <p:nvCxnSpPr>
+          <p:cNvPr id="127" name="Elbow Connector 126"/>
+          <p:cNvCxnSpPr>
+            <a:stCxn id="95" idx="3"/>
+            <a:endCxn id="111" idx="1"/>
+          </p:cNvCxnSpPr>
+          <p:nvPr/>
+        </p:nvCxnSpPr>
+        <p:spPr>
+          <a:xfrm>
+            <a:off x="12801600" y="1295400"/>
+            <a:ext cx="624220" cy="12700"/>
+          </a:xfrm>
+          <a:prstGeom prst="bentConnector3">
+            <a:avLst>
+              <a:gd name="adj1" fmla="val 50000"/>
+            </a:avLst>
+          </a:prstGeom>
+          <a:ln w="38100">
+            <a:solidFill>
+              <a:schemeClr val="accent1">
+                <a:lumMod val="50000"/>
+              </a:schemeClr>
+            </a:solidFill>
+            <a:tailEnd type="arrow"/>
+          </a:ln>
+        </p:spPr>
+        <p:style>
+          <a:lnRef idx="1">
+            <a:schemeClr val="accent1"/>
+          </a:lnRef>
+          <a:fillRef idx="0">
+            <a:schemeClr val="accent1"/>
+          </a:fillRef>
+          <a:effectRef idx="0">
+            <a:schemeClr val="accent1"/>
+          </a:effectRef>
+          <a:fontRef idx="minor">
+            <a:schemeClr val="tx1"/>
+          </a:fontRef>
+        </p:style>
+      </p:cxnSp>
+      <p:cxnSp>
+        <p:nvCxnSpPr>
+          <p:cNvPr id="129" name="Elbow Connector 128"/>
+          <p:cNvCxnSpPr>
+            <a:stCxn id="32" idx="3"/>
+            <a:endCxn id="62" idx="1"/>
+          </p:cNvCxnSpPr>
+          <p:nvPr/>
+        </p:nvCxnSpPr>
+        <p:spPr>
+          <a:xfrm flipV="1">
+            <a:off x="2790477" y="2133600"/>
+            <a:ext cx="2115563" cy="318256"/>
+          </a:xfrm>
+          <a:prstGeom prst="bentConnector3">
+            <a:avLst>
+              <a:gd name="adj1" fmla="val 50000"/>
+            </a:avLst>
+          </a:prstGeom>
+          <a:ln w="38100">
+            <a:solidFill>
+              <a:schemeClr val="accent2">
+                <a:lumMod val="75000"/>
+              </a:schemeClr>
+            </a:solidFill>
+            <a:tailEnd type="arrow"/>
+          </a:ln>
+        </p:spPr>
+        <p:style>
+          <a:lnRef idx="1">
+            <a:schemeClr val="accent1"/>
+          </a:lnRef>
+          <a:fillRef idx="0">
+            <a:schemeClr val="accent1"/>
+          </a:fillRef>
+          <a:effectRef idx="0">
+            <a:schemeClr val="accent1"/>
+          </a:effectRef>
+          <a:fontRef idx="minor">
+            <a:schemeClr val="tx1"/>
+          </a:fontRef>
+        </p:style>
+      </p:cxnSp>
+      <p:cxnSp>
+        <p:nvCxnSpPr>
+          <p:cNvPr id="131" name="Elbow Connector 130"/>
+          <p:cNvCxnSpPr>
+            <a:stCxn id="62" idx="3"/>
+            <a:endCxn id="82" idx="1"/>
+          </p:cNvCxnSpPr>
+          <p:nvPr/>
+        </p:nvCxnSpPr>
+        <p:spPr>
+          <a:xfrm>
+            <a:off x="6811040" y="2133600"/>
+            <a:ext cx="1066800" cy="12700"/>
+          </a:xfrm>
+          <a:prstGeom prst="bentConnector3">
+            <a:avLst>
+              <a:gd name="adj1" fmla="val 50000"/>
+            </a:avLst>
+          </a:prstGeom>
+          <a:ln w="38100">
+            <a:solidFill>
+              <a:schemeClr val="accent2">
+                <a:lumMod val="75000"/>
+              </a:schemeClr>
+            </a:solidFill>
+            <a:tailEnd type="arrow"/>
+          </a:ln>
+        </p:spPr>
+        <p:style>
+          <a:lnRef idx="1">
+            <a:schemeClr val="accent1"/>
+          </a:lnRef>
+          <a:fillRef idx="0">
+            <a:schemeClr val="accent1"/>
+          </a:fillRef>
+          <a:effectRef idx="0">
+            <a:schemeClr val="accent1"/>
+          </a:effectRef>
+          <a:fontRef idx="minor">
+            <a:schemeClr val="tx1"/>
+          </a:fontRef>
+        </p:style>
+      </p:cxnSp>
+      <p:cxnSp>
+        <p:nvCxnSpPr>
+          <p:cNvPr id="135" name="Elbow Connector 134"/>
+          <p:cNvCxnSpPr>
+            <a:stCxn id="82" idx="3"/>
+            <a:endCxn id="84" idx="1"/>
+          </p:cNvCxnSpPr>
+          <p:nvPr/>
+        </p:nvCxnSpPr>
+        <p:spPr>
+          <a:xfrm>
+            <a:off x="9782840" y="2133600"/>
+            <a:ext cx="1172240" cy="12700"/>
+          </a:xfrm>
+          <a:prstGeom prst="bentConnector3">
+            <a:avLst>
+              <a:gd name="adj1" fmla="val 50000"/>
+            </a:avLst>
+          </a:prstGeom>
+          <a:ln w="38100">
+            <a:solidFill>
+              <a:schemeClr val="accent2">
+                <a:lumMod val="75000"/>
+              </a:schemeClr>
+            </a:solidFill>
+            <a:tailEnd type="arrow"/>
+          </a:ln>
+        </p:spPr>
+        <p:style>
+          <a:lnRef idx="1">
+            <a:schemeClr val="accent1"/>
+          </a:lnRef>
+          <a:fillRef idx="0">
+            <a:schemeClr val="accent1"/>
+          </a:fillRef>
+          <a:effectRef idx="0">
+            <a:schemeClr val="accent1"/>
+          </a:effectRef>
+          <a:fontRef idx="minor">
+            <a:schemeClr val="tx1"/>
+          </a:fontRef>
+        </p:style>
+      </p:cxnSp>
+      <p:cxnSp>
+        <p:nvCxnSpPr>
+          <p:cNvPr id="139" name="Elbow Connector 138"/>
+          <p:cNvCxnSpPr>
+            <a:stCxn id="33" idx="3"/>
+            <a:endCxn id="59" idx="1"/>
+          </p:cNvCxnSpPr>
+          <p:nvPr/>
+        </p:nvCxnSpPr>
+        <p:spPr>
+          <a:xfrm flipV="1">
+            <a:off x="2790477" y="2971800"/>
+            <a:ext cx="2162523" cy="394456"/>
+          </a:xfrm>
+          <a:prstGeom prst="bentConnector3">
+            <a:avLst>
+              <a:gd name="adj1" fmla="val 50000"/>
+            </a:avLst>
+          </a:prstGeom>
+          <a:ln w="38100">
+            <a:solidFill>
+              <a:schemeClr val="accent6"/>
+            </a:solidFill>
+            <a:tailEnd type="arrow"/>
+          </a:ln>
+        </p:spPr>
+        <p:style>
+          <a:lnRef idx="1">
+            <a:schemeClr val="accent1"/>
+          </a:lnRef>
+          <a:fillRef idx="0">
+            <a:schemeClr val="accent1"/>
+          </a:fillRef>
+          <a:effectRef idx="0">
+            <a:schemeClr val="accent1"/>
+          </a:effectRef>
+          <a:fontRef idx="minor">
+            <a:schemeClr val="tx1"/>
+          </a:fontRef>
+        </p:style>
+      </p:cxnSp>
+      <p:cxnSp>
+        <p:nvCxnSpPr>
+          <p:cNvPr id="144" name="Elbow Connector 143"/>
+          <p:cNvCxnSpPr>
+            <a:stCxn id="59" idx="3"/>
+            <a:endCxn id="68" idx="1"/>
+          </p:cNvCxnSpPr>
+          <p:nvPr/>
+        </p:nvCxnSpPr>
+        <p:spPr>
+          <a:xfrm>
+            <a:off x="6858000" y="2971800"/>
+            <a:ext cx="1066800" cy="12700"/>
+          </a:xfrm>
+          <a:prstGeom prst="bentConnector3">
+            <a:avLst>
+              <a:gd name="adj1" fmla="val 50000"/>
+            </a:avLst>
+          </a:prstGeom>
+          <a:ln w="38100">
+            <a:solidFill>
+              <a:schemeClr val="accent6"/>
+            </a:solidFill>
+            <a:tailEnd type="arrow"/>
+          </a:ln>
+        </p:spPr>
+        <p:style>
+          <a:lnRef idx="1">
+            <a:schemeClr val="accent1"/>
+          </a:lnRef>
+          <a:fillRef idx="0">
+            <a:schemeClr val="accent1"/>
+          </a:fillRef>
+          <a:effectRef idx="0">
+            <a:schemeClr val="accent1"/>
+          </a:effectRef>
+          <a:fontRef idx="minor">
+            <a:schemeClr val="tx1"/>
+          </a:fontRef>
+        </p:style>
+      </p:cxnSp>
+      <p:cxnSp>
+        <p:nvCxnSpPr>
+          <p:cNvPr id="146" name="Elbow Connector 145"/>
+          <p:cNvCxnSpPr>
+            <a:stCxn id="68" idx="3"/>
+            <a:endCxn id="100" idx="1"/>
+          </p:cNvCxnSpPr>
+          <p:nvPr/>
+        </p:nvCxnSpPr>
+        <p:spPr>
+          <a:xfrm>
+            <a:off x="9829800" y="2971800"/>
+            <a:ext cx="1096040" cy="12700"/>
+          </a:xfrm>
+          <a:prstGeom prst="bentConnector3">
+            <a:avLst>
+              <a:gd name="adj1" fmla="val 50000"/>
+            </a:avLst>
+          </a:prstGeom>
+          <a:ln w="38100">
+            <a:solidFill>
+              <a:schemeClr val="accent6"/>
+            </a:solidFill>
+            <a:tailEnd type="arrow"/>
+          </a:ln>
+        </p:spPr>
+        <p:style>
+          <a:lnRef idx="1">
+            <a:schemeClr val="accent1"/>
+          </a:lnRef>
+          <a:fillRef idx="0">
+            <a:schemeClr val="accent1"/>
+          </a:fillRef>
+          <a:effectRef idx="0">
+            <a:schemeClr val="accent1"/>
+          </a:effectRef>
+          <a:fontRef idx="minor">
+            <a:schemeClr val="tx1"/>
+          </a:fontRef>
+        </p:style>
+      </p:cxnSp>
+      <p:cxnSp>
+        <p:nvCxnSpPr>
+          <p:cNvPr id="159" name="Straight Arrow Connector 158"/>
+          <p:cNvCxnSpPr>
+            <a:stCxn id="61" idx="3"/>
+            <a:endCxn id="65" idx="1"/>
+          </p:cNvCxnSpPr>
+          <p:nvPr/>
+        </p:nvCxnSpPr>
+        <p:spPr>
+          <a:xfrm>
+            <a:off x="6811040" y="1295400"/>
+            <a:ext cx="1037560" cy="0"/>
+          </a:xfrm>
+          <a:prstGeom prst="straightConnector1">
+            <a:avLst/>
+          </a:prstGeom>
+          <a:ln w="38100">
+            <a:solidFill>
+              <a:schemeClr val="tx2">
+                <a:lumMod val="75000"/>
+              </a:schemeClr>
+            </a:solidFill>
+            <a:tailEnd type="arrow"/>
+          </a:ln>
+        </p:spPr>
+        <p:style>
+          <a:lnRef idx="1">
+            <a:schemeClr val="accent1"/>
+          </a:lnRef>
+          <a:fillRef idx="0">
+            <a:schemeClr val="accent1"/>
+          </a:fillRef>
+          <a:effectRef idx="0">
+            <a:schemeClr val="accent1"/>
+          </a:effectRef>
+          <a:fontRef idx="minor">
+            <a:schemeClr val="tx1"/>
+          </a:fontRef>
+        </p:style>
+      </p:cxnSp>
+    </p:spTree>
+  </p:cSld>
+  <p:clrMapOvr>
+    <a:masterClrMapping/>
+  </p:clrMapOvr>
+</p:sld>
+</file>
+
+<file path=ppt/slides/slide3.xml><?xml version="1.0" encoding="utf-8"?>
+<p:sld xmlns:a="http://schemas.openxmlformats.org/drawingml/2006/main" xmlns:r="http://schemas.openxmlformats.org/officeDocument/2006/relationships" xmlns:p="http://schemas.openxmlformats.org/presentationml/2006/main">
+  <p:cSld>
+    <p:spTree>
+      <p:nvGrpSpPr>
+        <p:cNvPr id="1" name=""/>
+        <p:cNvGrpSpPr/>
+        <p:nvPr/>
+      </p:nvGrpSpPr>
+      <p:grpSpPr>
+        <a:xfrm>
+          <a:off x="0" y="0"/>
+          <a:ext cx="0" cy="0"/>
+          <a:chOff x="0" y="0"/>
+          <a:chExt cx="0" cy="0"/>
+        </a:xfrm>
+      </p:grpSpPr>
+      <p:sp>
+        <p:nvSpPr>
+          <p:cNvPr id="4" name="Rounded Rectangle 3"/>
+          <p:cNvSpPr/>
+          <p:nvPr/>
+        </p:nvSpPr>
+        <p:spPr>
+          <a:xfrm>
+            <a:off x="1905000" y="3124200"/>
+            <a:ext cx="1524000" cy="457200"/>
+          </a:xfrm>
+          <a:prstGeom prst="roundRect">
+            <a:avLst>
+              <a:gd name="adj" fmla="val 16667"/>
+            </a:avLst>
+          </a:prstGeom>
+          <a:solidFill>
+            <a:schemeClr val="tx2">
+              <a:lumMod val="60000"/>
+              <a:lumOff val="40000"/>
+            </a:schemeClr>
+          </a:solidFill>
+          <a:effectLst>
+            <a:outerShdw blurRad="50800" dist="50800" dir="2700000" algn="tl" rotWithShape="0">
+              <a:srgbClr val="000000">
+                <a:alpha val="43137"/>
+              </a:srgbClr>
+            </a:outerShdw>
+          </a:effectLst>
+        </p:spPr>
+        <p:style>
+          <a:lnRef idx="2">
+            <a:schemeClr val="accent1"/>
+          </a:lnRef>
+          <a:fillRef idx="1">
+            <a:schemeClr val="accent1"/>
+          </a:fillRef>
+          <a:effectRef idx="0">
+            <a:schemeClr val="accent1"/>
+          </a:effectRef>
+          <a:fontRef idx="minor">
+            <a:schemeClr val="lt1"/>
+          </a:fontRef>
+        </p:style>
+        <p:txBody>
+          <a:bodyPr lIns="188057" tIns="94029" rIns="188057" bIns="94029" rtlCol="0" anchor="ctr"/>
+          <a:lstStyle>
+            <a:extLst/>
+          </a:lstStyle>
+          <a:p>
+            <a:pPr algn="ctr"/>
+            <a:r>
+              <a:rPr lang="en-US" sz="1200" dirty="0" smtClean="0"/>
+              <a:t>Login </a:t>
+            </a:r>
+            <a:r>
+              <a:rPr lang="en-US" sz="1200" dirty="0" smtClean="0"/>
+              <a:t>Form</a:t>
+            </a:r>
+          </a:p>
+        </p:txBody>
+      </p:sp>
+      <p:sp>
+        <p:nvSpPr>
+          <p:cNvPr id="5" name="Rectangle 4"/>
+          <p:cNvSpPr/>
+          <p:nvPr/>
+        </p:nvSpPr>
+        <p:spPr>
+          <a:xfrm>
+            <a:off x="304800" y="381000"/>
+            <a:ext cx="6019800" cy="4876800"/>
+          </a:xfrm>
+          <a:prstGeom prst="rect">
+            <a:avLst/>
+          </a:prstGeom>
+          <a:noFill/>
+        </p:spPr>
+        <p:style>
+          <a:lnRef idx="2">
+            <a:schemeClr val="accent1">
+              <a:shade val="50000"/>
+            </a:schemeClr>
+          </a:lnRef>
+          <a:fillRef idx="1">
+            <a:schemeClr val="accent1"/>
+          </a:fillRef>
+          <a:effectRef idx="0">
+            <a:schemeClr val="accent1"/>
+          </a:effectRef>
+          <a:fontRef idx="minor">
+            <a:schemeClr val="lt1"/>
+          </a:fontRef>
+        </p:style>
+        <p:txBody>
+          <a:bodyPr rtlCol="0" anchor="t"/>
+          <a:lstStyle/>
+          <a:p>
+            <a:pPr algn="ctr"/>
+            <a:r>
+              <a:rPr lang="en-US" dirty="0" smtClean="0">
+                <a:solidFill>
+                  <a:schemeClr val="accent1"/>
+                </a:solidFill>
+              </a:rPr>
+              <a:t>User </a:t>
+            </a:r>
+            <a:r>
+              <a:rPr lang="en-US" smtClean="0">
+                <a:solidFill>
+                  <a:schemeClr val="accent1"/>
+                </a:solidFill>
+              </a:rPr>
+              <a:t>Login Flow</a:t>
+            </a:r>
+            <a:endParaRPr lang="en-US" dirty="0">
+              <a:solidFill>
+                <a:schemeClr val="accent1"/>
+              </a:solidFill>
+            </a:endParaRPr>
+          </a:p>
+        </p:txBody>
+      </p:sp>
+      <p:cxnSp>
+        <p:nvCxnSpPr>
+          <p:cNvPr id="8" name="Straight Arrow Connector 7"/>
+          <p:cNvCxnSpPr>
+            <a:stCxn id="4" idx="0"/>
+            <a:endCxn id="10" idx="2"/>
+          </p:cNvCxnSpPr>
+          <p:nvPr/>
+        </p:nvCxnSpPr>
+        <p:spPr>
+          <a:xfrm flipH="1" flipV="1">
+            <a:off x="1943100" y="2814046"/>
+            <a:ext cx="723900" cy="310154"/>
+          </a:xfrm>
+          <a:prstGeom prst="straightConnector1">
+            <a:avLst/>
+          </a:prstGeom>
+          <a:ln w="3175">
+            <a:tailEnd type="arrow"/>
+          </a:ln>
+        </p:spPr>
+        <p:style>
+          <a:lnRef idx="1">
+            <a:schemeClr val="accent1"/>
+          </a:lnRef>
+          <a:fillRef idx="0">
+            <a:schemeClr val="accent1"/>
+          </a:fillRef>
+          <a:effectRef idx="0">
+            <a:schemeClr val="accent1"/>
+          </a:effectRef>
+          <a:fontRef idx="minor">
+            <a:schemeClr val="tx1"/>
+          </a:fontRef>
+        </p:style>
+      </p:cxnSp>
+      <p:sp>
+        <p:nvSpPr>
+          <p:cNvPr id="10" name="TextBox 9"/>
+          <p:cNvSpPr txBox="1"/>
+          <p:nvPr/>
+        </p:nvSpPr>
+        <p:spPr>
+          <a:xfrm>
+            <a:off x="1295400" y="2209800"/>
+            <a:ext cx="1295399" cy="604246"/>
+          </a:xfrm>
+          <a:prstGeom prst="rect">
+            <a:avLst/>
+          </a:prstGeom>
+          <a:ln>
+            <a:solidFill>
+              <a:schemeClr val="accent1"/>
+            </a:solidFill>
+          </a:ln>
+        </p:spPr>
+        <p:style>
+          <a:lnRef idx="2">
+            <a:schemeClr val="accent2"/>
+          </a:lnRef>
+          <a:fillRef idx="1">
+            <a:schemeClr val="lt1"/>
+          </a:fillRef>
+          <a:effectRef idx="0">
+            <a:schemeClr val="accent2"/>
+          </a:effectRef>
+          <a:fontRef idx="minor">
+            <a:schemeClr val="dk1"/>
+          </a:fontRef>
+        </p:style>
+        <p:txBody>
+          <a:bodyPr wrap="square" lIns="141200" tIns="70601" rIns="141200" bIns="70601" rtlCol="0">
+            <a:spAutoFit/>
+          </a:bodyPr>
+          <a:lstStyle/>
+          <a:p>
+            <a:pPr algn="ctr"/>
+            <a:r>
+              <a:rPr lang="en-US" sz="1000" dirty="0" smtClean="0"/>
+              <a:t>Forgotten Information: Password or Login?</a:t>
+            </a:r>
+          </a:p>
+        </p:txBody>
+      </p:sp>
+      <p:sp>
+        <p:nvSpPr>
+          <p:cNvPr id="13" name="TextBox 12"/>
+          <p:cNvSpPr txBox="1"/>
+          <p:nvPr/>
+        </p:nvSpPr>
+        <p:spPr>
+          <a:xfrm>
+            <a:off x="3962400" y="3124200"/>
+            <a:ext cx="1066799" cy="450357"/>
+          </a:xfrm>
+          <a:prstGeom prst="rect">
+            <a:avLst/>
+          </a:prstGeom>
+          <a:ln>
+            <a:solidFill>
+              <a:schemeClr val="accent1"/>
+            </a:solidFill>
+          </a:ln>
+        </p:spPr>
+        <p:style>
+          <a:lnRef idx="2">
+            <a:schemeClr val="accent2"/>
+          </a:lnRef>
+          <a:fillRef idx="1">
+            <a:schemeClr val="lt1"/>
+          </a:fillRef>
+          <a:effectRef idx="0">
+            <a:schemeClr val="accent2"/>
+          </a:effectRef>
+          <a:fontRef idx="minor">
+            <a:schemeClr val="dk1"/>
+          </a:fontRef>
+        </p:style>
+        <p:txBody>
+          <a:bodyPr wrap="square" lIns="141200" tIns="70601" rIns="141200" bIns="70601" rtlCol="0">
+            <a:spAutoFit/>
+          </a:bodyPr>
+          <a:lstStyle/>
+          <a:p>
+            <a:pPr algn="ctr"/>
+            <a:r>
+              <a:rPr lang="en-US" sz="1000" dirty="0" smtClean="0"/>
+              <a:t>Submit: Validate Inputs</a:t>
+            </a:r>
+          </a:p>
+        </p:txBody>
+      </p:sp>
+      <p:sp>
+        <p:nvSpPr>
+          <p:cNvPr id="14" name="TextBox 13"/>
+          <p:cNvSpPr txBox="1"/>
+          <p:nvPr/>
+        </p:nvSpPr>
+        <p:spPr>
+          <a:xfrm>
+            <a:off x="3200400" y="2438400"/>
+            <a:ext cx="1066799" cy="296469"/>
+          </a:xfrm>
+          <a:prstGeom prst="rect">
+            <a:avLst/>
+          </a:prstGeom>
+          <a:ln>
+            <a:solidFill>
+              <a:schemeClr val="accent1"/>
+            </a:solidFill>
+          </a:ln>
+        </p:spPr>
+        <p:style>
+          <a:lnRef idx="2">
+            <a:schemeClr val="accent2"/>
+          </a:lnRef>
+          <a:fillRef idx="1">
+            <a:schemeClr val="lt1"/>
+          </a:fillRef>
+          <a:effectRef idx="0">
+            <a:schemeClr val="accent2"/>
+          </a:effectRef>
+          <a:fontRef idx="minor">
+            <a:schemeClr val="dk1"/>
+          </a:fontRef>
+        </p:style>
+        <p:txBody>
+          <a:bodyPr wrap="square" lIns="141200" tIns="70601" rIns="141200" bIns="70601" rtlCol="0">
+            <a:spAutoFit/>
+          </a:bodyPr>
+          <a:lstStyle/>
+          <a:p>
+            <a:pPr algn="ctr"/>
+            <a:r>
+              <a:rPr lang="en-US" sz="1000" dirty="0" smtClean="0"/>
+              <a:t>Invalid Inputs</a:t>
+            </a:r>
+          </a:p>
+        </p:txBody>
+      </p:sp>
+      <p:cxnSp>
+        <p:nvCxnSpPr>
+          <p:cNvPr id="15" name="Shape 14"/>
+          <p:cNvCxnSpPr>
+            <a:stCxn id="13" idx="0"/>
+            <a:endCxn id="14" idx="3"/>
+          </p:cNvCxnSpPr>
+          <p:nvPr/>
+        </p:nvCxnSpPr>
+        <p:spPr>
+          <a:xfrm rot="16200000" flipV="1">
+            <a:off x="4112718" y="2741117"/>
+            <a:ext cx="537565" cy="228601"/>
+          </a:xfrm>
+          <a:prstGeom prst="bentConnector2">
+            <a:avLst/>
+          </a:prstGeom>
+          <a:ln>
+            <a:tailEnd type="arrow"/>
+          </a:ln>
+        </p:spPr>
+        <p:style>
+          <a:lnRef idx="1">
+            <a:schemeClr val="accent1"/>
+          </a:lnRef>
+          <a:fillRef idx="0">
+            <a:schemeClr val="accent1"/>
+          </a:fillRef>
+          <a:effectRef idx="0">
+            <a:schemeClr val="accent1"/>
+          </a:effectRef>
+          <a:fontRef idx="minor">
+            <a:schemeClr val="tx1"/>
+          </a:fontRef>
+        </p:style>
+      </p:cxnSp>
+      <p:cxnSp>
+        <p:nvCxnSpPr>
+          <p:cNvPr id="16" name="Shape 15"/>
+          <p:cNvCxnSpPr>
+            <a:stCxn id="14" idx="1"/>
+            <a:endCxn id="4" idx="0"/>
+          </p:cNvCxnSpPr>
+          <p:nvPr/>
+        </p:nvCxnSpPr>
+        <p:spPr>
+          <a:xfrm rot="10800000" flipV="1">
+            <a:off x="2667000" y="2586634"/>
+            <a:ext cx="533400" cy="537565"/>
+          </a:xfrm>
+          <a:prstGeom prst="bentConnector2">
+            <a:avLst/>
+          </a:prstGeom>
+          <a:ln>
+            <a:tailEnd type="arrow"/>
+          </a:ln>
+        </p:spPr>
+        <p:style>
+          <a:lnRef idx="1">
+            <a:schemeClr val="accent1"/>
+          </a:lnRef>
+          <a:fillRef idx="0">
+            <a:schemeClr val="accent1"/>
+          </a:fillRef>
+          <a:effectRef idx="0">
+            <a:schemeClr val="accent1"/>
+          </a:effectRef>
+          <a:fontRef idx="minor">
+            <a:schemeClr val="tx1"/>
+          </a:fontRef>
+        </p:style>
+      </p:cxnSp>
+      <p:cxnSp>
+        <p:nvCxnSpPr>
+          <p:cNvPr id="17" name="Straight Arrow Connector 16"/>
+          <p:cNvCxnSpPr>
+            <a:stCxn id="4" idx="3"/>
+            <a:endCxn id="13" idx="1"/>
+          </p:cNvCxnSpPr>
+          <p:nvPr/>
+        </p:nvCxnSpPr>
+        <p:spPr>
+          <a:xfrm flipV="1">
+            <a:off x="3429000" y="3349379"/>
+            <a:ext cx="533400" cy="3421"/>
+          </a:xfrm>
+          <a:prstGeom prst="straightConnector1">
+            <a:avLst/>
+          </a:prstGeom>
+          <a:ln w="38100">
+            <a:tailEnd type="arrow"/>
+          </a:ln>
+        </p:spPr>
+        <p:style>
+          <a:lnRef idx="1">
+            <a:schemeClr val="accent1"/>
+          </a:lnRef>
+          <a:fillRef idx="0">
+            <a:schemeClr val="accent1"/>
+          </a:fillRef>
+          <a:effectRef idx="0">
+            <a:schemeClr val="accent1"/>
+          </a:effectRef>
+          <a:fontRef idx="minor">
+            <a:schemeClr val="tx1"/>
+          </a:fontRef>
+        </p:style>
+      </p:cxnSp>
+      <p:sp>
+        <p:nvSpPr>
+          <p:cNvPr id="18" name="Rounded Rectangle 17"/>
+          <p:cNvSpPr/>
+          <p:nvPr/>
+        </p:nvSpPr>
+        <p:spPr>
+          <a:xfrm>
+            <a:off x="4572000" y="4648200"/>
+            <a:ext cx="1524000" cy="457200"/>
+          </a:xfrm>
+          <a:prstGeom prst="roundRect">
+            <a:avLst>
+              <a:gd name="adj" fmla="val 16667"/>
+            </a:avLst>
+          </a:prstGeom>
+          <a:solidFill>
+            <a:schemeClr val="tx2">
+              <a:lumMod val="60000"/>
+              <a:lumOff val="40000"/>
+            </a:schemeClr>
+          </a:solidFill>
+          <a:effectLst>
+            <a:outerShdw blurRad="50800" dist="50800" dir="2700000" algn="tl" rotWithShape="0">
+              <a:srgbClr val="000000">
+                <a:alpha val="43137"/>
+              </a:srgbClr>
+            </a:outerShdw>
+          </a:effectLst>
+        </p:spPr>
+        <p:style>
+          <a:lnRef idx="2">
+            <a:schemeClr val="accent1"/>
+          </a:lnRef>
+          <a:fillRef idx="1">
+            <a:schemeClr val="accent1"/>
+          </a:fillRef>
+          <a:effectRef idx="0">
+            <a:schemeClr val="accent1"/>
+          </a:effectRef>
+          <a:fontRef idx="minor">
+            <a:schemeClr val="lt1"/>
+          </a:fontRef>
+        </p:style>
+        <p:txBody>
+          <a:bodyPr lIns="188057" tIns="94029" rIns="188057" bIns="94029" rtlCol="0" anchor="ctr"/>
+          <a:lstStyle>
+            <a:extLst/>
+          </a:lstStyle>
+          <a:p>
+            <a:pPr algn="ctr"/>
+            <a:r>
+              <a:rPr lang="en-US" sz="1200" dirty="0" smtClean="0"/>
+              <a:t>Business Profile Page</a:t>
+            </a:r>
+            <a:endParaRPr lang="en-US" sz="1200" dirty="0" smtClean="0"/>
+          </a:p>
+        </p:txBody>
+      </p:sp>
+      <p:sp>
+        <p:nvSpPr>
+          <p:cNvPr id="19" name="TextBox 18"/>
+          <p:cNvSpPr txBox="1"/>
+          <p:nvPr/>
+        </p:nvSpPr>
+        <p:spPr>
+          <a:xfrm>
+            <a:off x="3962400" y="3962400"/>
+            <a:ext cx="1066799" cy="296469"/>
+          </a:xfrm>
+          <a:prstGeom prst="rect">
+            <a:avLst/>
+          </a:prstGeom>
+          <a:ln>
+            <a:solidFill>
+              <a:schemeClr val="accent1"/>
+            </a:solidFill>
+          </a:ln>
+        </p:spPr>
+        <p:style>
+          <a:lnRef idx="2">
+            <a:schemeClr val="accent2"/>
+          </a:lnRef>
+          <a:fillRef idx="1">
+            <a:schemeClr val="lt1"/>
+          </a:fillRef>
+          <a:effectRef idx="0">
+            <a:schemeClr val="accent2"/>
+          </a:effectRef>
+          <a:fontRef idx="minor">
+            <a:schemeClr val="dk1"/>
+          </a:fontRef>
+        </p:style>
+        <p:txBody>
+          <a:bodyPr wrap="square" lIns="141200" tIns="70601" rIns="141200" bIns="70601" rtlCol="0">
+            <a:spAutoFit/>
+          </a:bodyPr>
+          <a:lstStyle/>
+          <a:p>
+            <a:pPr algn="ctr"/>
+            <a:r>
+              <a:rPr lang="en-US" sz="1000" dirty="0" smtClean="0"/>
+              <a:t>valid Inputs</a:t>
+            </a:r>
+          </a:p>
+        </p:txBody>
+      </p:sp>
+      <p:cxnSp>
+        <p:nvCxnSpPr>
+          <p:cNvPr id="21" name="Shape 20"/>
+          <p:cNvCxnSpPr>
+            <a:stCxn id="19" idx="2"/>
+            <a:endCxn id="18" idx="0"/>
+          </p:cNvCxnSpPr>
+          <p:nvPr/>
+        </p:nvCxnSpPr>
+        <p:spPr>
+          <a:xfrm rot="16200000" flipH="1">
+            <a:off x="4720235" y="4034434"/>
+            <a:ext cx="389331" cy="838200"/>
+          </a:xfrm>
+          <a:prstGeom prst="bentConnector3">
+            <a:avLst>
+              <a:gd name="adj1" fmla="val 50000"/>
+            </a:avLst>
+          </a:prstGeom>
+          <a:ln w="38100">
+            <a:tailEnd type="arrow"/>
+          </a:ln>
+        </p:spPr>
+        <p:style>
+          <a:lnRef idx="1">
+            <a:schemeClr val="accent1"/>
+          </a:lnRef>
+          <a:fillRef idx="0">
+            <a:schemeClr val="accent1"/>
+          </a:fillRef>
+          <a:effectRef idx="0">
+            <a:schemeClr val="accent1"/>
+          </a:effectRef>
+          <a:fontRef idx="minor">
+            <a:schemeClr val="tx1"/>
+          </a:fontRef>
+        </p:style>
+      </p:cxnSp>
+      <p:sp>
+        <p:nvSpPr>
+          <p:cNvPr id="45" name="TextBox 44"/>
+          <p:cNvSpPr txBox="1"/>
+          <p:nvPr/>
+        </p:nvSpPr>
+        <p:spPr>
+          <a:xfrm>
+            <a:off x="381000" y="3581400"/>
+            <a:ext cx="1066799" cy="296469"/>
+          </a:xfrm>
+          <a:prstGeom prst="rect">
+            <a:avLst/>
+          </a:prstGeom>
+          <a:ln>
+            <a:solidFill>
+              <a:schemeClr val="accent2"/>
+            </a:solidFill>
+          </a:ln>
+        </p:spPr>
+        <p:style>
+          <a:lnRef idx="2">
+            <a:schemeClr val="accent2"/>
+          </a:lnRef>
+          <a:fillRef idx="1">
+            <a:schemeClr val="lt1"/>
+          </a:fillRef>
+          <a:effectRef idx="0">
+            <a:schemeClr val="accent2"/>
+          </a:effectRef>
+          <a:fontRef idx="minor">
+            <a:schemeClr val="dk1"/>
+          </a:fontRef>
+        </p:style>
+        <p:txBody>
+          <a:bodyPr wrap="square" lIns="141200" tIns="70601" rIns="141200" bIns="70601" rtlCol="0">
+            <a:spAutoFit/>
+          </a:bodyPr>
+          <a:lstStyle/>
+          <a:p>
+            <a:pPr algn="ctr"/>
+            <a:r>
+              <a:rPr lang="en-US" sz="1000" dirty="0" smtClean="0"/>
+              <a:t>From any Page</a:t>
+            </a:r>
+          </a:p>
+        </p:txBody>
+      </p:sp>
+      <p:cxnSp>
+        <p:nvCxnSpPr>
+          <p:cNvPr id="47" name="Shape 46"/>
+          <p:cNvCxnSpPr>
+            <a:stCxn id="45" idx="0"/>
+            <a:endCxn id="4" idx="1"/>
+          </p:cNvCxnSpPr>
+          <p:nvPr/>
+        </p:nvCxnSpPr>
+        <p:spPr>
+          <a:xfrm rot="5400000" flipH="1" flipV="1">
+            <a:off x="1295400" y="2971800"/>
+            <a:ext cx="228600" cy="990600"/>
+          </a:xfrm>
+          <a:prstGeom prst="bentConnector2">
+            <a:avLst/>
+          </a:prstGeom>
+          <a:ln w="38100">
+            <a:solidFill>
+              <a:schemeClr val="accent2"/>
+            </a:solidFill>
+            <a:tailEnd type="arrow"/>
+          </a:ln>
+        </p:spPr>
+        <p:style>
+          <a:lnRef idx="1">
+            <a:schemeClr val="accent1"/>
+          </a:lnRef>
+          <a:fillRef idx="0">
+            <a:schemeClr val="accent1"/>
+          </a:fillRef>
+          <a:effectRef idx="0">
+            <a:schemeClr val="accent1"/>
+          </a:effectRef>
+          <a:fontRef idx="minor">
+            <a:schemeClr val="tx1"/>
+          </a:fontRef>
+        </p:style>
+      </p:cxnSp>
+      <p:sp>
+        <p:nvSpPr>
+          <p:cNvPr id="51" name="TextBox 50"/>
+          <p:cNvSpPr txBox="1"/>
+          <p:nvPr/>
+        </p:nvSpPr>
+        <p:spPr>
+          <a:xfrm>
+            <a:off x="1295400" y="1143000"/>
+            <a:ext cx="1295399" cy="758134"/>
+          </a:xfrm>
+          <a:prstGeom prst="rect">
+            <a:avLst/>
+          </a:prstGeom>
+          <a:ln>
+            <a:solidFill>
+              <a:schemeClr val="accent1"/>
+            </a:solidFill>
+          </a:ln>
+        </p:spPr>
+        <p:style>
+          <a:lnRef idx="2">
+            <a:schemeClr val="accent2"/>
+          </a:lnRef>
+          <a:fillRef idx="1">
+            <a:schemeClr val="lt1"/>
+          </a:fillRef>
+          <a:effectRef idx="0">
+            <a:schemeClr val="accent2"/>
+          </a:effectRef>
+          <a:fontRef idx="minor">
+            <a:schemeClr val="dk1"/>
+          </a:fontRef>
+        </p:style>
+        <p:txBody>
+          <a:bodyPr wrap="square" lIns="141200" tIns="70601" rIns="141200" bIns="70601" rtlCol="0">
+            <a:spAutoFit/>
+          </a:bodyPr>
+          <a:lstStyle/>
+          <a:p>
+            <a:pPr algn="ctr"/>
+            <a:r>
+              <a:rPr lang="en-US" sz="1000" dirty="0" smtClean="0"/>
+              <a:t>Forgotten Information Email sent to address on file.</a:t>
+            </a:r>
+          </a:p>
+        </p:txBody>
+      </p:sp>
+      <p:cxnSp>
+        <p:nvCxnSpPr>
+          <p:cNvPr id="52" name="Straight Arrow Connector 51"/>
+          <p:cNvCxnSpPr>
+            <a:stCxn id="10" idx="0"/>
+            <a:endCxn id="51" idx="2"/>
+          </p:cNvCxnSpPr>
+          <p:nvPr/>
+        </p:nvCxnSpPr>
+        <p:spPr>
+          <a:xfrm flipV="1">
+            <a:off x="1943100" y="1901134"/>
+            <a:ext cx="0" cy="308666"/>
+          </a:xfrm>
+          <a:prstGeom prst="straightConnector1">
+            <a:avLst/>
+          </a:prstGeom>
+          <a:ln w="9525">
+            <a:tailEnd type="arrow"/>
+          </a:ln>
+        </p:spPr>
+        <p:style>
+          <a:lnRef idx="1">
+            <a:schemeClr val="accent1"/>
+          </a:lnRef>
+          <a:fillRef idx="0">
+            <a:schemeClr val="accent1"/>
+          </a:fillRef>
+          <a:effectRef idx="0">
+            <a:schemeClr val="accent1"/>
+          </a:effectRef>
+          <a:fontRef idx="minor">
+            <a:schemeClr val="tx1"/>
+          </a:fontRef>
+        </p:style>
+      </p:cxnSp>
+      <p:cxnSp>
+        <p:nvCxnSpPr>
+          <p:cNvPr id="57" name="Shape 56"/>
+          <p:cNvCxnSpPr>
+            <a:stCxn id="51" idx="3"/>
+            <a:endCxn id="4" idx="0"/>
+          </p:cNvCxnSpPr>
+          <p:nvPr/>
+        </p:nvCxnSpPr>
+        <p:spPr>
+          <a:xfrm>
+            <a:off x="2590799" y="1522067"/>
+            <a:ext cx="76201" cy="1602133"/>
+          </a:xfrm>
+          <a:prstGeom prst="bentConnector2">
+            <a:avLst/>
+          </a:prstGeom>
+          <a:ln>
+            <a:tailEnd type="arrow"/>
+          </a:ln>
+        </p:spPr>
+        <p:style>
+          <a:lnRef idx="1">
+            <a:schemeClr val="accent1"/>
+          </a:lnRef>
+          <a:fillRef idx="0">
+            <a:schemeClr val="accent1"/>
+          </a:fillRef>
+          <a:effectRef idx="0">
+            <a:schemeClr val="accent1"/>
+          </a:effectRef>
+          <a:fontRef idx="minor">
+            <a:schemeClr val="tx1"/>
+          </a:fontRef>
+        </p:style>
+      </p:cxnSp>
+      <p:sp>
+        <p:nvSpPr>
+          <p:cNvPr id="61" name="Rounded Rectangle 60"/>
+          <p:cNvSpPr/>
+          <p:nvPr/>
+        </p:nvSpPr>
+        <p:spPr>
+          <a:xfrm>
+            <a:off x="2895600" y="4648200"/>
+            <a:ext cx="1524000" cy="457200"/>
+          </a:xfrm>
+          <a:prstGeom prst="roundRect">
+            <a:avLst>
+              <a:gd name="adj" fmla="val 16667"/>
+            </a:avLst>
+          </a:prstGeom>
+          <a:solidFill>
+            <a:schemeClr val="tx2">
+              <a:lumMod val="60000"/>
+              <a:lumOff val="40000"/>
+            </a:schemeClr>
+          </a:solidFill>
+          <a:effectLst>
+            <a:outerShdw blurRad="50800" dist="50800" dir="2700000" algn="tl" rotWithShape="0">
+              <a:srgbClr val="000000">
+                <a:alpha val="43137"/>
+              </a:srgbClr>
+            </a:outerShdw>
+          </a:effectLst>
+        </p:spPr>
+        <p:style>
+          <a:lnRef idx="2">
+            <a:schemeClr val="accent1"/>
+          </a:lnRef>
+          <a:fillRef idx="1">
+            <a:schemeClr val="accent1"/>
+          </a:fillRef>
+          <a:effectRef idx="0">
+            <a:schemeClr val="accent1"/>
+          </a:effectRef>
+          <a:fontRef idx="minor">
+            <a:schemeClr val="lt1"/>
+          </a:fontRef>
+        </p:style>
+        <p:txBody>
+          <a:bodyPr lIns="188057" tIns="94029" rIns="188057" bIns="94029" rtlCol="0" anchor="ctr"/>
+          <a:lstStyle>
+            <a:extLst/>
+          </a:lstStyle>
+          <a:p>
+            <a:pPr algn="ctr"/>
+            <a:r>
+              <a:rPr lang="en-US" sz="1200" dirty="0" smtClean="0"/>
+              <a:t>Personal</a:t>
+            </a:r>
+            <a:r>
+              <a:rPr lang="en-US" sz="1200" dirty="0" smtClean="0"/>
+              <a:t> Profile Page</a:t>
+            </a:r>
+            <a:endParaRPr lang="en-US" sz="1200" dirty="0" smtClean="0"/>
+          </a:p>
+        </p:txBody>
+      </p:sp>
+      <p:cxnSp>
+        <p:nvCxnSpPr>
+          <p:cNvPr id="64" name="Shape 20"/>
+          <p:cNvCxnSpPr>
+            <a:stCxn id="19" idx="2"/>
+            <a:endCxn id="61" idx="0"/>
+          </p:cNvCxnSpPr>
+          <p:nvPr/>
+        </p:nvCxnSpPr>
+        <p:spPr>
+          <a:xfrm rot="5400000">
+            <a:off x="3882035" y="4034434"/>
+            <a:ext cx="389331" cy="838200"/>
+          </a:xfrm>
+          <a:prstGeom prst="bentConnector3">
+            <a:avLst>
+              <a:gd name="adj1" fmla="val 50000"/>
+            </a:avLst>
+          </a:prstGeom>
+          <a:ln w="38100">
+            <a:tailEnd type="arrow"/>
+          </a:ln>
+        </p:spPr>
+        <p:style>
+          <a:lnRef idx="1">
+            <a:schemeClr val="accent1"/>
+          </a:lnRef>
+          <a:fillRef idx="0">
+            <a:schemeClr val="accent1"/>
+          </a:fillRef>
+          <a:effectRef idx="0">
+            <a:schemeClr val="accent1"/>
+          </a:effectRef>
+          <a:fontRef idx="minor">
+            <a:schemeClr val="tx1"/>
+          </a:fontRef>
+        </p:style>
+      </p:cxnSp>
+      <p:cxnSp>
+        <p:nvCxnSpPr>
+          <p:cNvPr id="79" name="Straight Arrow Connector 78"/>
+          <p:cNvCxnSpPr>
+            <a:stCxn id="13" idx="2"/>
+            <a:endCxn id="19" idx="0"/>
+          </p:cNvCxnSpPr>
+          <p:nvPr/>
+        </p:nvCxnSpPr>
+        <p:spPr>
+          <a:xfrm>
+            <a:off x="4495800" y="3574557"/>
+            <a:ext cx="0" cy="387843"/>
+          </a:xfrm>
+          <a:prstGeom prst="straightConnector1">
+            <a:avLst/>
+          </a:prstGeom>
+          <a:ln w="38100">
+            <a:tailEnd type="arrow"/>
+          </a:ln>
+        </p:spPr>
+        <p:style>
+          <a:lnRef idx="1">
+            <a:schemeClr val="accent1"/>
+          </a:lnRef>
+          <a:fillRef idx="0">
+            <a:schemeClr val="accent1"/>
+          </a:fillRef>
+          <a:effectRef idx="0">
+            <a:schemeClr val="accent1"/>
+          </a:effectRef>
+          <a:fontRef idx="minor">
+            <a:schemeClr val="tx1"/>
+          </a:fontRef>
+        </p:style>
+      </p:cxnSp>
+      <p:sp>
+        <p:nvSpPr>
+          <p:cNvPr id="96" name="TextBox 95"/>
+          <p:cNvSpPr txBox="1"/>
+          <p:nvPr/>
+        </p:nvSpPr>
+        <p:spPr>
+          <a:xfrm>
+            <a:off x="2133600" y="3810000"/>
+            <a:ext cx="1066799" cy="450357"/>
+          </a:xfrm>
+          <a:prstGeom prst="rect">
+            <a:avLst/>
+          </a:prstGeom>
+          <a:ln>
+            <a:solidFill>
+              <a:schemeClr val="accent1"/>
+            </a:solidFill>
+          </a:ln>
+        </p:spPr>
+        <p:style>
+          <a:lnRef idx="2">
+            <a:schemeClr val="accent2"/>
+          </a:lnRef>
+          <a:fillRef idx="1">
+            <a:schemeClr val="lt1"/>
+          </a:fillRef>
+          <a:effectRef idx="0">
+            <a:schemeClr val="accent2"/>
+          </a:effectRef>
+          <a:fontRef idx="minor">
+            <a:schemeClr val="dk1"/>
+          </a:fontRef>
+        </p:style>
+        <p:txBody>
+          <a:bodyPr wrap="square" lIns="141200" tIns="70601" rIns="141200" bIns="70601" rtlCol="0">
+            <a:spAutoFit/>
+          </a:bodyPr>
+          <a:lstStyle/>
+          <a:p>
+            <a:pPr algn="ctr"/>
+            <a:r>
+              <a:rPr lang="en-US" sz="1000" dirty="0" smtClean="0"/>
+              <a:t>Not registered Yet</a:t>
+            </a:r>
+          </a:p>
+        </p:txBody>
+      </p:sp>
+      <p:sp>
+        <p:nvSpPr>
+          <p:cNvPr id="98" name="Rounded Rectangle 97"/>
+          <p:cNvSpPr/>
+          <p:nvPr/>
+        </p:nvSpPr>
+        <p:spPr>
+          <a:xfrm>
+            <a:off x="990600" y="4648200"/>
+            <a:ext cx="1524000" cy="457200"/>
+          </a:xfrm>
+          <a:prstGeom prst="roundRect">
+            <a:avLst>
+              <a:gd name="adj" fmla="val 16667"/>
+            </a:avLst>
+          </a:prstGeom>
+          <a:solidFill>
+            <a:schemeClr val="tx2">
+              <a:lumMod val="60000"/>
+              <a:lumOff val="40000"/>
+            </a:schemeClr>
+          </a:solidFill>
+          <a:effectLst>
+            <a:outerShdw blurRad="50800" dist="50800" dir="2700000" algn="tl" rotWithShape="0">
+              <a:srgbClr val="000000">
+                <a:alpha val="43137"/>
+              </a:srgbClr>
+            </a:outerShdw>
+          </a:effectLst>
+        </p:spPr>
+        <p:style>
+          <a:lnRef idx="2">
+            <a:schemeClr val="accent1"/>
+          </a:lnRef>
+          <a:fillRef idx="1">
+            <a:schemeClr val="accent1"/>
+          </a:fillRef>
+          <a:effectRef idx="0">
+            <a:schemeClr val="accent1"/>
+          </a:effectRef>
+          <a:fontRef idx="minor">
+            <a:schemeClr val="lt1"/>
+          </a:fontRef>
+        </p:style>
+        <p:txBody>
+          <a:bodyPr lIns="188057" tIns="94029" rIns="188057" bIns="94029" rtlCol="0" anchor="ctr"/>
+          <a:lstStyle>
+            <a:extLst/>
+          </a:lstStyle>
+          <a:p>
+            <a:pPr algn="ctr"/>
+            <a:r>
+              <a:rPr lang="en-US" sz="1200" dirty="0" smtClean="0"/>
+              <a:t>Registration Page</a:t>
+            </a:r>
+            <a:endParaRPr lang="en-US" sz="1200" dirty="0" smtClean="0"/>
+          </a:p>
+        </p:txBody>
+      </p:sp>
+      <p:cxnSp>
+        <p:nvCxnSpPr>
+          <p:cNvPr id="100" name="Straight Arrow Connector 99"/>
+          <p:cNvCxnSpPr>
+            <a:stCxn id="4" idx="2"/>
+            <a:endCxn id="96" idx="0"/>
+          </p:cNvCxnSpPr>
+          <p:nvPr/>
+        </p:nvCxnSpPr>
+        <p:spPr>
+          <a:xfrm>
+            <a:off x="2667000" y="3581400"/>
+            <a:ext cx="0" cy="228600"/>
+          </a:xfrm>
+          <a:prstGeom prst="straightConnector1">
+            <a:avLst/>
+          </a:prstGeom>
+          <a:ln>
+            <a:tailEnd type="arrow"/>
+          </a:ln>
+        </p:spPr>
+        <p:style>
+          <a:lnRef idx="1">
+            <a:schemeClr val="accent1"/>
+          </a:lnRef>
+          <a:fillRef idx="0">
+            <a:schemeClr val="accent1"/>
+          </a:fillRef>
+          <a:effectRef idx="0">
+            <a:schemeClr val="accent1"/>
+          </a:effectRef>
+          <a:fontRef idx="minor">
+            <a:schemeClr val="tx1"/>
+          </a:fontRef>
+        </p:style>
+      </p:cxnSp>
+      <p:cxnSp>
+        <p:nvCxnSpPr>
+          <p:cNvPr id="102" name="Elbow Connector 101"/>
+          <p:cNvCxnSpPr>
+            <a:stCxn id="96" idx="2"/>
+            <a:endCxn id="98" idx="0"/>
+          </p:cNvCxnSpPr>
+          <p:nvPr/>
+        </p:nvCxnSpPr>
+        <p:spPr>
+          <a:xfrm rot="5400000">
+            <a:off x="2015879" y="3997078"/>
+            <a:ext cx="387843" cy="914400"/>
+          </a:xfrm>
+          <a:prstGeom prst="bentConnector3">
+            <a:avLst>
+              <a:gd name="adj1" fmla="val 50000"/>
+            </a:avLst>
+          </a:prstGeom>
+          <a:ln>
+            <a:tailEnd type="arrow"/>
+          </a:ln>
+        </p:spPr>
+        <p:style>
+          <a:lnRef idx="1">
+            <a:schemeClr val="accent1"/>
+          </a:lnRef>
+          <a:fillRef idx="0">
+            <a:schemeClr val="accent1"/>
+          </a:fillRef>
+          <a:effectRef idx="0">
+            <a:schemeClr val="accent1"/>
+          </a:effectRef>
+          <a:fontRef idx="minor">
+            <a:schemeClr val="tx1"/>
+          </a:fontRef>
+        </p:style>
+      </p:cxnSp>
+    </p:spTree>
+  </p:cSld>
+  <p:clrMapOvr>
+    <a:masterClrMapping/>
+  </p:clrMapOvr>
 </p:sld>
 </file>
 
